--- a/lab1/Git And GitHub.pptx
+++ b/lab1/Git And GitHub.pptx
@@ -2,21 +2,22 @@
 <file path=ppt/presentation.xml><?xml version="1.0" encoding="utf-8"?>
 <p:presentation xmlns:a="http://schemas.openxmlformats.org/drawingml/2006/main" xmlns:r="http://schemas.openxmlformats.org/officeDocument/2006/relationships" xmlns:p="http://schemas.openxmlformats.org/presentationml/2006/main" rtl="1" saveSubsetFonts="1">
   <p:sldMasterIdLst>
-    <p:sldMasterId id="2147483648" r:id="rId1"/>
+    <p:sldMasterId id="2147483660" r:id="rId1"/>
   </p:sldMasterIdLst>
   <p:sldIdLst>
     <p:sldId id="256" r:id="rId2"/>
     <p:sldId id="257" r:id="rId3"/>
     <p:sldId id="258" r:id="rId4"/>
     <p:sldId id="259" r:id="rId5"/>
+    <p:sldId id="260" r:id="rId6"/>
   </p:sldIdLst>
   <p:sldSz cx="12192000" cy="6858000"/>
   <p:notesSz cx="6858000" cy="9144000"/>
   <p:defaultTextStyle>
     <a:defPPr>
-      <a:defRPr lang="ar-YE"/>
+      <a:defRPr lang="en-US"/>
     </a:defPPr>
-    <a:lvl1pPr marL="0" algn="r" defTabSz="914400" rtl="1" eaLnBrk="1" latinLnBrk="0" hangingPunct="1">
+    <a:lvl1pPr marL="0" algn="l" defTabSz="457200" rtl="0" eaLnBrk="1" latinLnBrk="0" hangingPunct="1">
       <a:defRPr sz="1800" kern="1200">
         <a:solidFill>
           <a:schemeClr val="tx1"/>
@@ -26,7 +27,7 @@
         <a:cs typeface="+mn-cs"/>
       </a:defRPr>
     </a:lvl1pPr>
-    <a:lvl2pPr marL="457200" algn="r" defTabSz="914400" rtl="1" eaLnBrk="1" latinLnBrk="0" hangingPunct="1">
+    <a:lvl2pPr marL="457200" algn="l" defTabSz="457200" rtl="0" eaLnBrk="1" latinLnBrk="0" hangingPunct="1">
       <a:defRPr sz="1800" kern="1200">
         <a:solidFill>
           <a:schemeClr val="tx1"/>
@@ -36,7 +37,7 @@
         <a:cs typeface="+mn-cs"/>
       </a:defRPr>
     </a:lvl2pPr>
-    <a:lvl3pPr marL="914400" algn="r" defTabSz="914400" rtl="1" eaLnBrk="1" latinLnBrk="0" hangingPunct="1">
+    <a:lvl3pPr marL="914400" algn="l" defTabSz="457200" rtl="0" eaLnBrk="1" latinLnBrk="0" hangingPunct="1">
       <a:defRPr sz="1800" kern="1200">
         <a:solidFill>
           <a:schemeClr val="tx1"/>
@@ -46,7 +47,7 @@
         <a:cs typeface="+mn-cs"/>
       </a:defRPr>
     </a:lvl3pPr>
-    <a:lvl4pPr marL="1371600" algn="r" defTabSz="914400" rtl="1" eaLnBrk="1" latinLnBrk="0" hangingPunct="1">
+    <a:lvl4pPr marL="1371600" algn="l" defTabSz="457200" rtl="0" eaLnBrk="1" latinLnBrk="0" hangingPunct="1">
       <a:defRPr sz="1800" kern="1200">
         <a:solidFill>
           <a:schemeClr val="tx1"/>
@@ -56,7 +57,7 @@
         <a:cs typeface="+mn-cs"/>
       </a:defRPr>
     </a:lvl4pPr>
-    <a:lvl5pPr marL="1828800" algn="r" defTabSz="914400" rtl="1" eaLnBrk="1" latinLnBrk="0" hangingPunct="1">
+    <a:lvl5pPr marL="1828800" algn="l" defTabSz="457200" rtl="0" eaLnBrk="1" latinLnBrk="0" hangingPunct="1">
       <a:defRPr sz="1800" kern="1200">
         <a:solidFill>
           <a:schemeClr val="tx1"/>
@@ -66,7 +67,7 @@
         <a:cs typeface="+mn-cs"/>
       </a:defRPr>
     </a:lvl5pPr>
-    <a:lvl6pPr marL="2286000" algn="r" defTabSz="914400" rtl="1" eaLnBrk="1" latinLnBrk="0" hangingPunct="1">
+    <a:lvl6pPr marL="2286000" algn="l" defTabSz="457200" rtl="0" eaLnBrk="1" latinLnBrk="0" hangingPunct="1">
       <a:defRPr sz="1800" kern="1200">
         <a:solidFill>
           <a:schemeClr val="tx1"/>
@@ -76,7 +77,7 @@
         <a:cs typeface="+mn-cs"/>
       </a:defRPr>
     </a:lvl6pPr>
-    <a:lvl7pPr marL="2743200" algn="r" defTabSz="914400" rtl="1" eaLnBrk="1" latinLnBrk="0" hangingPunct="1">
+    <a:lvl7pPr marL="2743200" algn="l" defTabSz="457200" rtl="0" eaLnBrk="1" latinLnBrk="0" hangingPunct="1">
       <a:defRPr sz="1800" kern="1200">
         <a:solidFill>
           <a:schemeClr val="tx1"/>
@@ -86,7 +87,7 @@
         <a:cs typeface="+mn-cs"/>
       </a:defRPr>
     </a:lvl7pPr>
-    <a:lvl8pPr marL="3200400" algn="r" defTabSz="914400" rtl="1" eaLnBrk="1" latinLnBrk="0" hangingPunct="1">
+    <a:lvl8pPr marL="3200400" algn="l" defTabSz="457200" rtl="0" eaLnBrk="1" latinLnBrk="0" hangingPunct="1">
       <a:defRPr sz="1800" kern="1200">
         <a:solidFill>
           <a:schemeClr val="tx1"/>
@@ -96,7 +97,7 @@
         <a:cs typeface="+mn-cs"/>
       </a:defRPr>
     </a:lvl8pPr>
-    <a:lvl9pPr marL="3657600" algn="r" defTabSz="914400" rtl="1" eaLnBrk="1" latinLnBrk="0" hangingPunct="1">
+    <a:lvl9pPr marL="3657600" algn="l" defTabSz="457200" rtl="0" eaLnBrk="1" latinLnBrk="0" hangingPunct="1">
       <a:defRPr sz="1800" kern="1200">
         <a:solidFill>
           <a:schemeClr val="tx1"/>
@@ -129,13 +130,7 @@
       </p:grpSpPr>
       <p:sp>
         <p:nvSpPr>
-          <p:cNvPr id="2" name="عنوان 1">
-            <a:extLst>
-              <a:ext uri="{FF2B5EF4-FFF2-40B4-BE49-F238E27FC236}">
-                <a16:creationId xmlns:a16="http://schemas.microsoft.com/office/drawing/2014/main" id="{049AEEFD-125E-083F-C3A4-84E900DC5A5B}"/>
-              </a:ext>
-            </a:extLst>
-          </p:cNvPr>
+          <p:cNvPr id="2" name="Title 1"/>
           <p:cNvSpPr>
             <a:spLocks noGrp="1"/>
           </p:cNvSpPr>
@@ -145,15 +140,15 @@
         </p:nvSpPr>
         <p:spPr>
           <a:xfrm>
-            <a:off x="1524000" y="1122363"/>
-            <a:ext cx="9144000" cy="2387600"/>
+            <a:off x="1154955" y="1447800"/>
+            <a:ext cx="8825658" cy="3329581"/>
           </a:xfrm>
         </p:spPr>
         <p:txBody>
           <a:bodyPr anchor="b"/>
           <a:lstStyle>
-            <a:lvl1pPr algn="ctr">
-              <a:defRPr sz="6000"/>
+            <a:lvl1pPr>
+              <a:defRPr sz="7200"/>
             </a:lvl1pPr>
           </a:lstStyle>
           <a:p>
@@ -161,19 +156,13 @@
               <a:rPr lang="ar-SA"/>
               <a:t>انقر لتحرير نمط عنوان الشكل الرئيسي</a:t>
             </a:r>
-            <a:endParaRPr lang="ar-YE"/>
-          </a:p>
-        </p:txBody>
-      </p:sp>
-      <p:sp>
-        <p:nvSpPr>
-          <p:cNvPr id="3" name="عنوان فرعي 2">
-            <a:extLst>
-              <a:ext uri="{FF2B5EF4-FFF2-40B4-BE49-F238E27FC236}">
-                <a16:creationId xmlns:a16="http://schemas.microsoft.com/office/drawing/2014/main" id="{7A556D60-1040-85BD-E644-46FCB57DAB18}"/>
-              </a:ext>
-            </a:extLst>
-          </p:cNvPr>
+            <a:endParaRPr lang="en-US" dirty="0"/>
+          </a:p>
+        </p:txBody>
+      </p:sp>
+      <p:sp>
+        <p:nvSpPr>
+          <p:cNvPr id="3" name="Subtitle 2"/>
           <p:cNvSpPr>
             <a:spLocks noGrp="1"/>
           </p:cNvSpPr>
@@ -183,48 +172,103 @@
         </p:nvSpPr>
         <p:spPr>
           <a:xfrm>
-            <a:off x="1524000" y="3602038"/>
-            <a:ext cx="9144000" cy="1655762"/>
+            <a:off x="1154955" y="4777380"/>
+            <a:ext cx="8825658" cy="861420"/>
           </a:xfrm>
         </p:spPr>
         <p:txBody>
-          <a:bodyPr/>
+          <a:bodyPr anchor="t"/>
           <a:lstStyle>
-            <a:lvl1pPr marL="0" indent="0" algn="ctr">
-              <a:buNone/>
-              <a:defRPr sz="2400"/>
+            <a:lvl1pPr marL="0" indent="0" algn="l">
+              <a:buNone/>
+              <a:defRPr cap="all">
+                <a:solidFill>
+                  <a:schemeClr val="bg2">
+                    <a:lumMod val="40000"/>
+                    <a:lumOff val="60000"/>
+                  </a:schemeClr>
+                </a:solidFill>
+              </a:defRPr>
             </a:lvl1pPr>
             <a:lvl2pPr marL="457200" indent="0" algn="ctr">
               <a:buNone/>
-              <a:defRPr sz="2000"/>
+              <a:defRPr>
+                <a:solidFill>
+                  <a:schemeClr val="tx1">
+                    <a:tint val="75000"/>
+                  </a:schemeClr>
+                </a:solidFill>
+              </a:defRPr>
             </a:lvl2pPr>
             <a:lvl3pPr marL="914400" indent="0" algn="ctr">
               <a:buNone/>
-              <a:defRPr sz="1800"/>
+              <a:defRPr>
+                <a:solidFill>
+                  <a:schemeClr val="tx1">
+                    <a:tint val="75000"/>
+                  </a:schemeClr>
+                </a:solidFill>
+              </a:defRPr>
             </a:lvl3pPr>
             <a:lvl4pPr marL="1371600" indent="0" algn="ctr">
               <a:buNone/>
-              <a:defRPr sz="1600"/>
+              <a:defRPr>
+                <a:solidFill>
+                  <a:schemeClr val="tx1">
+                    <a:tint val="75000"/>
+                  </a:schemeClr>
+                </a:solidFill>
+              </a:defRPr>
             </a:lvl4pPr>
             <a:lvl5pPr marL="1828800" indent="0" algn="ctr">
               <a:buNone/>
-              <a:defRPr sz="1600"/>
+              <a:defRPr>
+                <a:solidFill>
+                  <a:schemeClr val="tx1">
+                    <a:tint val="75000"/>
+                  </a:schemeClr>
+                </a:solidFill>
+              </a:defRPr>
             </a:lvl5pPr>
             <a:lvl6pPr marL="2286000" indent="0" algn="ctr">
               <a:buNone/>
-              <a:defRPr sz="1600"/>
+              <a:defRPr>
+                <a:solidFill>
+                  <a:schemeClr val="tx1">
+                    <a:tint val="75000"/>
+                  </a:schemeClr>
+                </a:solidFill>
+              </a:defRPr>
             </a:lvl6pPr>
             <a:lvl7pPr marL="2743200" indent="0" algn="ctr">
               <a:buNone/>
-              <a:defRPr sz="1600"/>
+              <a:defRPr>
+                <a:solidFill>
+                  <a:schemeClr val="tx1">
+                    <a:tint val="75000"/>
+                  </a:schemeClr>
+                </a:solidFill>
+              </a:defRPr>
             </a:lvl7pPr>
             <a:lvl8pPr marL="3200400" indent="0" algn="ctr">
               <a:buNone/>
-              <a:defRPr sz="1600"/>
+              <a:defRPr>
+                <a:solidFill>
+                  <a:schemeClr val="tx1">
+                    <a:tint val="75000"/>
+                  </a:schemeClr>
+                </a:solidFill>
+              </a:defRPr>
             </a:lvl8pPr>
             <a:lvl9pPr marL="3657600" indent="0" algn="ctr">
               <a:buNone/>
-              <a:defRPr sz="1600"/>
+              <a:defRPr>
+                <a:solidFill>
+                  <a:schemeClr val="tx1">
+                    <a:tint val="75000"/>
+                  </a:schemeClr>
+                </a:solidFill>
+              </a:defRPr>
             </a:lvl9pPr>
           </a:lstStyle>
           <a:p>
@@ -232,19 +276,13 @@
               <a:rPr lang="ar-SA"/>
               <a:t>انقر لتحرير نمط العنوان الفرعي للشكل الرئيسي</a:t>
             </a:r>
-            <a:endParaRPr lang="ar-YE"/>
-          </a:p>
-        </p:txBody>
-      </p:sp>
-      <p:sp>
-        <p:nvSpPr>
-          <p:cNvPr id="4" name="عنصر نائب للتاريخ 3">
-            <a:extLst>
-              <a:ext uri="{FF2B5EF4-FFF2-40B4-BE49-F238E27FC236}">
-                <a16:creationId xmlns:a16="http://schemas.microsoft.com/office/drawing/2014/main" id="{1816B3FB-CE36-10DB-B527-C3B540C0AB07}"/>
-              </a:ext>
-            </a:extLst>
-          </p:cNvPr>
+            <a:endParaRPr lang="en-US" dirty="0"/>
+          </a:p>
+        </p:txBody>
+      </p:sp>
+      <p:sp>
+        <p:nvSpPr>
+          <p:cNvPr id="4" name="Date Placeholder 3"/>
           <p:cNvSpPr>
             <a:spLocks noGrp="1"/>
           </p:cNvSpPr>
@@ -267,13 +305,7 @@
       </p:sp>
       <p:sp>
         <p:nvSpPr>
-          <p:cNvPr id="5" name="عنصر نائب للتذييل 4">
-            <a:extLst>
-              <a:ext uri="{FF2B5EF4-FFF2-40B4-BE49-F238E27FC236}">
-                <a16:creationId xmlns:a16="http://schemas.microsoft.com/office/drawing/2014/main" id="{C0017225-7729-6EEB-577D-81CE1306B0B2}"/>
-              </a:ext>
-            </a:extLst>
-          </p:cNvPr>
+          <p:cNvPr id="5" name="Footer Placeholder 4"/>
           <p:cNvSpPr>
             <a:spLocks noGrp="1"/>
           </p:cNvSpPr>
@@ -292,13 +324,7 @@
       </p:sp>
       <p:sp>
         <p:nvSpPr>
-          <p:cNvPr id="6" name="عنصر نائب لرقم الشريحة 5">
-            <a:extLst>
-              <a:ext uri="{FF2B5EF4-FFF2-40B4-BE49-F238E27FC236}">
-                <a16:creationId xmlns:a16="http://schemas.microsoft.com/office/drawing/2014/main" id="{3ED827FC-07FB-7CBC-DED9-55EF185544D7}"/>
-              </a:ext>
-            </a:extLst>
-          </p:cNvPr>
+          <p:cNvPr id="6" name="Slide Number Placeholder 5"/>
           <p:cNvSpPr>
             <a:spLocks noGrp="1"/>
           </p:cNvSpPr>
@@ -322,7 +348,7 @@
     </p:spTree>
     <p:extLst>
       <p:ext uri="{BB962C8B-B14F-4D97-AF65-F5344CB8AC3E}">
-        <p14:creationId xmlns:p14="http://schemas.microsoft.com/office/powerpoint/2010/main" val="2730735477"/>
+        <p14:creationId xmlns:p14="http://schemas.microsoft.com/office/powerpoint/2010/main" val="4229780299"/>
       </p:ext>
     </p:extLst>
   </p:cSld>
@@ -333,6 +359,2572 @@
 </file>
 
 <file path=ppt/slideLayouts/slideLayout10.xml><?xml version="1.0" encoding="utf-8"?>
+<p:sldLayout xmlns:a="http://schemas.openxmlformats.org/drawingml/2006/main" xmlns:r="http://schemas.openxmlformats.org/officeDocument/2006/relationships" xmlns:p="http://schemas.openxmlformats.org/presentationml/2006/main" preserve="1">
+  <p:cSld name="صورة بانورامية مع تسمية توضيحية">
+    <p:spTree>
+      <p:nvGrpSpPr>
+        <p:cNvPr id="1" name=""/>
+        <p:cNvGrpSpPr/>
+        <p:nvPr/>
+      </p:nvGrpSpPr>
+      <p:grpSpPr>
+        <a:xfrm>
+          <a:off x="0" y="0"/>
+          <a:ext cx="0" cy="0"/>
+          <a:chOff x="0" y="0"/>
+          <a:chExt cx="0" cy="0"/>
+        </a:xfrm>
+      </p:grpSpPr>
+      <p:sp>
+        <p:nvSpPr>
+          <p:cNvPr id="2" name="Title 1"/>
+          <p:cNvSpPr>
+            <a:spLocks noGrp="1"/>
+          </p:cNvSpPr>
+          <p:nvPr>
+            <p:ph type="title"/>
+          </p:nvPr>
+        </p:nvSpPr>
+        <p:spPr>
+          <a:xfrm>
+            <a:off x="1154956" y="4800587"/>
+            <a:ext cx="8825657" cy="566738"/>
+          </a:xfrm>
+        </p:spPr>
+        <p:txBody>
+          <a:bodyPr anchor="b">
+            <a:normAutofit/>
+          </a:bodyPr>
+          <a:lstStyle>
+            <a:lvl1pPr algn="l">
+              <a:defRPr sz="2400" b="0"/>
+            </a:lvl1pPr>
+          </a:lstStyle>
+          <a:p>
+            <a:r>
+              <a:rPr lang="ar-SA"/>
+              <a:t>انقر لتحرير نمط عنوان الشكل الرئيسي</a:t>
+            </a:r>
+            <a:endParaRPr lang="en-US" dirty="0"/>
+          </a:p>
+        </p:txBody>
+      </p:sp>
+      <p:sp>
+        <p:nvSpPr>
+          <p:cNvPr id="3" name="Picture Placeholder 2"/>
+          <p:cNvSpPr>
+            <a:spLocks noGrp="1" noChangeAspect="1"/>
+          </p:cNvSpPr>
+          <p:nvPr>
+            <p:ph type="pic" idx="1"/>
+          </p:nvPr>
+        </p:nvSpPr>
+        <p:spPr>
+          <a:xfrm>
+            <a:off x="1154955" y="685800"/>
+            <a:ext cx="8825658" cy="3640666"/>
+          </a:xfrm>
+          <a:prstGeom prst="roundRect">
+            <a:avLst>
+              <a:gd name="adj" fmla="val 1858"/>
+            </a:avLst>
+          </a:prstGeom>
+          <a:effectLst>
+            <a:outerShdw blurRad="50800" dist="50800" dir="5400000" algn="tl" rotWithShape="0">
+              <a:srgbClr val="000000">
+                <a:alpha val="43000"/>
+              </a:srgbClr>
+            </a:outerShdw>
+          </a:effectLst>
+        </p:spPr>
+        <p:txBody>
+          <a:bodyPr anchor="t">
+            <a:normAutofit/>
+          </a:bodyPr>
+          <a:lstStyle>
+            <a:lvl1pPr marL="0" indent="0" algn="ctr">
+              <a:buNone/>
+              <a:defRPr sz="1600"/>
+            </a:lvl1pPr>
+            <a:lvl2pPr marL="457200" indent="0">
+              <a:buNone/>
+              <a:defRPr sz="1600"/>
+            </a:lvl2pPr>
+            <a:lvl3pPr marL="914400" indent="0">
+              <a:buNone/>
+              <a:defRPr sz="1600"/>
+            </a:lvl3pPr>
+            <a:lvl4pPr marL="1371600" indent="0">
+              <a:buNone/>
+              <a:defRPr sz="1600"/>
+            </a:lvl4pPr>
+            <a:lvl5pPr marL="1828800" indent="0">
+              <a:buNone/>
+              <a:defRPr sz="1600"/>
+            </a:lvl5pPr>
+            <a:lvl6pPr marL="2286000" indent="0">
+              <a:buNone/>
+              <a:defRPr sz="1600"/>
+            </a:lvl6pPr>
+            <a:lvl7pPr marL="2743200" indent="0">
+              <a:buNone/>
+              <a:defRPr sz="1600"/>
+            </a:lvl7pPr>
+            <a:lvl8pPr marL="3200400" indent="0">
+              <a:buNone/>
+              <a:defRPr sz="1600"/>
+            </a:lvl8pPr>
+            <a:lvl9pPr marL="3657600" indent="0">
+              <a:buNone/>
+              <a:defRPr sz="1600"/>
+            </a:lvl9pPr>
+          </a:lstStyle>
+          <a:p>
+            <a:r>
+              <a:rPr lang="ar-SA"/>
+              <a:t>انقر فوق الأيقونة لإضافة صورة</a:t>
+            </a:r>
+            <a:endParaRPr lang="en-US" dirty="0"/>
+          </a:p>
+        </p:txBody>
+      </p:sp>
+      <p:sp>
+        <p:nvSpPr>
+          <p:cNvPr id="4" name="Text Placeholder 3"/>
+          <p:cNvSpPr>
+            <a:spLocks noGrp="1"/>
+          </p:cNvSpPr>
+          <p:nvPr>
+            <p:ph type="body" sz="half" idx="2"/>
+          </p:nvPr>
+        </p:nvSpPr>
+        <p:spPr>
+          <a:xfrm>
+            <a:off x="1154956" y="5367325"/>
+            <a:ext cx="8825656" cy="493712"/>
+          </a:xfrm>
+        </p:spPr>
+        <p:txBody>
+          <a:bodyPr>
+            <a:normAutofit/>
+          </a:bodyPr>
+          <a:lstStyle>
+            <a:lvl1pPr marL="0" indent="0">
+              <a:buNone/>
+              <a:defRPr sz="1200"/>
+            </a:lvl1pPr>
+            <a:lvl2pPr marL="457200" indent="0">
+              <a:buNone/>
+              <a:defRPr sz="1200"/>
+            </a:lvl2pPr>
+            <a:lvl3pPr marL="914400" indent="0">
+              <a:buNone/>
+              <a:defRPr sz="1000"/>
+            </a:lvl3pPr>
+            <a:lvl4pPr marL="1371600" indent="0">
+              <a:buNone/>
+              <a:defRPr sz="900"/>
+            </a:lvl4pPr>
+            <a:lvl5pPr marL="1828800" indent="0">
+              <a:buNone/>
+              <a:defRPr sz="900"/>
+            </a:lvl5pPr>
+            <a:lvl6pPr marL="2286000" indent="0">
+              <a:buNone/>
+              <a:defRPr sz="900"/>
+            </a:lvl6pPr>
+            <a:lvl7pPr marL="2743200" indent="0">
+              <a:buNone/>
+              <a:defRPr sz="900"/>
+            </a:lvl7pPr>
+            <a:lvl8pPr marL="3200400" indent="0">
+              <a:buNone/>
+              <a:defRPr sz="900"/>
+            </a:lvl8pPr>
+            <a:lvl9pPr marL="3657600" indent="0">
+              <a:buNone/>
+              <a:defRPr sz="900"/>
+            </a:lvl9pPr>
+          </a:lstStyle>
+          <a:p>
+            <a:pPr lvl="0"/>
+            <a:r>
+              <a:rPr lang="ar-SA"/>
+              <a:t>انقر لتحرير أنماط نص الشكل الرئيسي</a:t>
+            </a:r>
+          </a:p>
+        </p:txBody>
+      </p:sp>
+      <p:sp>
+        <p:nvSpPr>
+          <p:cNvPr id="5" name="Date Placeholder 4"/>
+          <p:cNvSpPr>
+            <a:spLocks noGrp="1"/>
+          </p:cNvSpPr>
+          <p:nvPr>
+            <p:ph type="dt" sz="half" idx="10"/>
+          </p:nvPr>
+        </p:nvSpPr>
+        <p:spPr/>
+        <p:txBody>
+          <a:bodyPr/>
+          <a:lstStyle/>
+          <a:p>
+            <a:fld id="{6D885E7D-3619-4D68-BEF3-75B05E9C77C4}" type="datetimeFigureOut">
+              <a:rPr lang="ar-YE" smtClean="0"/>
+              <a:t>30/01/1447</a:t>
+            </a:fld>
+            <a:endParaRPr lang="ar-YE"/>
+          </a:p>
+        </p:txBody>
+      </p:sp>
+      <p:sp>
+        <p:nvSpPr>
+          <p:cNvPr id="6" name="Footer Placeholder 5"/>
+          <p:cNvSpPr>
+            <a:spLocks noGrp="1"/>
+          </p:cNvSpPr>
+          <p:nvPr>
+            <p:ph type="ftr" sz="quarter" idx="11"/>
+          </p:nvPr>
+        </p:nvSpPr>
+        <p:spPr/>
+        <p:txBody>
+          <a:bodyPr/>
+          <a:lstStyle/>
+          <a:p>
+            <a:endParaRPr lang="ar-YE"/>
+          </a:p>
+        </p:txBody>
+      </p:sp>
+      <p:sp>
+        <p:nvSpPr>
+          <p:cNvPr id="7" name="Slide Number Placeholder 6"/>
+          <p:cNvSpPr>
+            <a:spLocks noGrp="1"/>
+          </p:cNvSpPr>
+          <p:nvPr>
+            <p:ph type="sldNum" sz="quarter" idx="12"/>
+          </p:nvPr>
+        </p:nvSpPr>
+        <p:spPr/>
+        <p:txBody>
+          <a:bodyPr/>
+          <a:lstStyle/>
+          <a:p>
+            <a:fld id="{CA05D3C8-BE4B-4A2B-8545-94BC224B57C0}" type="slidenum">
+              <a:rPr lang="ar-YE" smtClean="0"/>
+              <a:t>‹#›</a:t>
+            </a:fld>
+            <a:endParaRPr lang="ar-YE"/>
+          </a:p>
+        </p:txBody>
+      </p:sp>
+    </p:spTree>
+    <p:extLst>
+      <p:ext uri="{BB962C8B-B14F-4D97-AF65-F5344CB8AC3E}">
+        <p14:creationId xmlns:p14="http://schemas.microsoft.com/office/powerpoint/2010/main" val="2828249655"/>
+      </p:ext>
+    </p:extLst>
+  </p:cSld>
+  <p:clrMapOvr>
+    <a:masterClrMapping/>
+  </p:clrMapOvr>
+</p:sldLayout>
+</file>
+
+<file path=ppt/slideLayouts/slideLayout11.xml><?xml version="1.0" encoding="utf-8"?>
+<p:sldLayout xmlns:a="http://schemas.openxmlformats.org/drawingml/2006/main" xmlns:r="http://schemas.openxmlformats.org/officeDocument/2006/relationships" xmlns:p="http://schemas.openxmlformats.org/presentationml/2006/main" preserve="1">
+  <p:cSld name="العنوان والتسمية التوضيحية">
+    <p:spTree>
+      <p:nvGrpSpPr>
+        <p:cNvPr id="1" name=""/>
+        <p:cNvGrpSpPr/>
+        <p:nvPr/>
+      </p:nvGrpSpPr>
+      <p:grpSpPr>
+        <a:xfrm>
+          <a:off x="0" y="0"/>
+          <a:ext cx="0" cy="0"/>
+          <a:chOff x="0" y="0"/>
+          <a:chExt cx="0" cy="0"/>
+        </a:xfrm>
+      </p:grpSpPr>
+      <p:sp>
+        <p:nvSpPr>
+          <p:cNvPr id="2" name="Title 1"/>
+          <p:cNvSpPr>
+            <a:spLocks noGrp="1"/>
+          </p:cNvSpPr>
+          <p:nvPr>
+            <p:ph type="title"/>
+          </p:nvPr>
+        </p:nvSpPr>
+        <p:spPr>
+          <a:xfrm>
+            <a:off x="1154954" y="1447800"/>
+            <a:ext cx="8825659" cy="1981200"/>
+          </a:xfrm>
+        </p:spPr>
+        <p:txBody>
+          <a:bodyPr/>
+          <a:lstStyle>
+            <a:lvl1pPr>
+              <a:defRPr sz="4800"/>
+            </a:lvl1pPr>
+          </a:lstStyle>
+          <a:p>
+            <a:r>
+              <a:rPr lang="ar-SA"/>
+              <a:t>انقر لتحرير نمط عنوان الشكل الرئيسي</a:t>
+            </a:r>
+            <a:endParaRPr lang="en-US" dirty="0"/>
+          </a:p>
+        </p:txBody>
+      </p:sp>
+      <p:sp>
+        <p:nvSpPr>
+          <p:cNvPr id="8" name="Text Placeholder 3"/>
+          <p:cNvSpPr>
+            <a:spLocks noGrp="1"/>
+          </p:cNvSpPr>
+          <p:nvPr>
+            <p:ph type="body" sz="half" idx="2"/>
+          </p:nvPr>
+        </p:nvSpPr>
+        <p:spPr>
+          <a:xfrm>
+            <a:off x="1154954" y="3657600"/>
+            <a:ext cx="8825659" cy="2362200"/>
+          </a:xfrm>
+        </p:spPr>
+        <p:txBody>
+          <a:bodyPr anchor="ctr">
+            <a:normAutofit/>
+          </a:bodyPr>
+          <a:lstStyle>
+            <a:lvl1pPr marL="0" indent="0">
+              <a:buNone/>
+              <a:defRPr sz="1800"/>
+            </a:lvl1pPr>
+            <a:lvl2pPr marL="457200" indent="0">
+              <a:buNone/>
+              <a:defRPr sz="1200"/>
+            </a:lvl2pPr>
+            <a:lvl3pPr marL="914400" indent="0">
+              <a:buNone/>
+              <a:defRPr sz="1000"/>
+            </a:lvl3pPr>
+            <a:lvl4pPr marL="1371600" indent="0">
+              <a:buNone/>
+              <a:defRPr sz="900"/>
+            </a:lvl4pPr>
+            <a:lvl5pPr marL="1828800" indent="0">
+              <a:buNone/>
+              <a:defRPr sz="900"/>
+            </a:lvl5pPr>
+            <a:lvl6pPr marL="2286000" indent="0">
+              <a:buNone/>
+              <a:defRPr sz="900"/>
+            </a:lvl6pPr>
+            <a:lvl7pPr marL="2743200" indent="0">
+              <a:buNone/>
+              <a:defRPr sz="900"/>
+            </a:lvl7pPr>
+            <a:lvl8pPr marL="3200400" indent="0">
+              <a:buNone/>
+              <a:defRPr sz="900"/>
+            </a:lvl8pPr>
+            <a:lvl9pPr marL="3657600" indent="0">
+              <a:buNone/>
+              <a:defRPr sz="900"/>
+            </a:lvl9pPr>
+          </a:lstStyle>
+          <a:p>
+            <a:pPr lvl="0"/>
+            <a:r>
+              <a:rPr lang="ar-SA"/>
+              <a:t>انقر لتحرير أنماط نص الشكل الرئيسي</a:t>
+            </a:r>
+          </a:p>
+        </p:txBody>
+      </p:sp>
+      <p:sp>
+        <p:nvSpPr>
+          <p:cNvPr id="4" name="Date Placeholder 3"/>
+          <p:cNvSpPr>
+            <a:spLocks noGrp="1"/>
+          </p:cNvSpPr>
+          <p:nvPr>
+            <p:ph type="dt" sz="half" idx="10"/>
+          </p:nvPr>
+        </p:nvSpPr>
+        <p:spPr/>
+        <p:txBody>
+          <a:bodyPr/>
+          <a:lstStyle/>
+          <a:p>
+            <a:fld id="{6D885E7D-3619-4D68-BEF3-75B05E9C77C4}" type="datetimeFigureOut">
+              <a:rPr lang="ar-YE" smtClean="0"/>
+              <a:t>30/01/1447</a:t>
+            </a:fld>
+            <a:endParaRPr lang="ar-YE"/>
+          </a:p>
+        </p:txBody>
+      </p:sp>
+      <p:sp>
+        <p:nvSpPr>
+          <p:cNvPr id="5" name="Footer Placeholder 4"/>
+          <p:cNvSpPr>
+            <a:spLocks noGrp="1"/>
+          </p:cNvSpPr>
+          <p:nvPr>
+            <p:ph type="ftr" sz="quarter" idx="11"/>
+          </p:nvPr>
+        </p:nvSpPr>
+        <p:spPr/>
+        <p:txBody>
+          <a:bodyPr/>
+          <a:lstStyle/>
+          <a:p>
+            <a:endParaRPr lang="ar-YE"/>
+          </a:p>
+        </p:txBody>
+      </p:sp>
+      <p:sp>
+        <p:nvSpPr>
+          <p:cNvPr id="6" name="Slide Number Placeholder 5"/>
+          <p:cNvSpPr>
+            <a:spLocks noGrp="1"/>
+          </p:cNvSpPr>
+          <p:nvPr>
+            <p:ph type="sldNum" sz="quarter" idx="12"/>
+          </p:nvPr>
+        </p:nvSpPr>
+        <p:spPr/>
+        <p:txBody>
+          <a:bodyPr/>
+          <a:lstStyle/>
+          <a:p>
+            <a:fld id="{CA05D3C8-BE4B-4A2B-8545-94BC224B57C0}" type="slidenum">
+              <a:rPr lang="ar-YE" smtClean="0"/>
+              <a:t>‹#›</a:t>
+            </a:fld>
+            <a:endParaRPr lang="ar-YE"/>
+          </a:p>
+        </p:txBody>
+      </p:sp>
+    </p:spTree>
+    <p:extLst>
+      <p:ext uri="{BB962C8B-B14F-4D97-AF65-F5344CB8AC3E}">
+        <p14:creationId xmlns:p14="http://schemas.microsoft.com/office/powerpoint/2010/main" val="2903161505"/>
+      </p:ext>
+    </p:extLst>
+  </p:cSld>
+  <p:clrMapOvr>
+    <a:masterClrMapping/>
+  </p:clrMapOvr>
+</p:sldLayout>
+</file>
+
+<file path=ppt/slideLayouts/slideLayout12.xml><?xml version="1.0" encoding="utf-8"?>
+<p:sldLayout xmlns:a="http://schemas.openxmlformats.org/drawingml/2006/main" xmlns:r="http://schemas.openxmlformats.org/officeDocument/2006/relationships" xmlns:p="http://schemas.openxmlformats.org/presentationml/2006/main" preserve="1">
+  <p:cSld name="اقتباس مع تسمية توضيحية">
+    <p:spTree>
+      <p:nvGrpSpPr>
+        <p:cNvPr id="1" name=""/>
+        <p:cNvGrpSpPr/>
+        <p:nvPr/>
+      </p:nvGrpSpPr>
+      <p:grpSpPr>
+        <a:xfrm>
+          <a:off x="0" y="0"/>
+          <a:ext cx="0" cy="0"/>
+          <a:chOff x="0" y="0"/>
+          <a:chExt cx="0" cy="0"/>
+        </a:xfrm>
+      </p:grpSpPr>
+      <p:sp>
+        <p:nvSpPr>
+          <p:cNvPr id="2" name="Title 1"/>
+          <p:cNvSpPr>
+            <a:spLocks noGrp="1"/>
+          </p:cNvSpPr>
+          <p:nvPr>
+            <p:ph type="title"/>
+          </p:nvPr>
+        </p:nvSpPr>
+        <p:spPr>
+          <a:xfrm>
+            <a:off x="1574801" y="1447800"/>
+            <a:ext cx="7999315" cy="2323374"/>
+          </a:xfrm>
+        </p:spPr>
+        <p:txBody>
+          <a:bodyPr/>
+          <a:lstStyle>
+            <a:lvl1pPr>
+              <a:defRPr sz="4800"/>
+            </a:lvl1pPr>
+          </a:lstStyle>
+          <a:p>
+            <a:r>
+              <a:rPr lang="ar-SA"/>
+              <a:t>انقر لتحرير نمط عنوان الشكل الرئيسي</a:t>
+            </a:r>
+            <a:endParaRPr lang="en-US" dirty="0"/>
+          </a:p>
+        </p:txBody>
+      </p:sp>
+      <p:sp>
+        <p:nvSpPr>
+          <p:cNvPr id="11" name="Text Placeholder 3"/>
+          <p:cNvSpPr>
+            <a:spLocks noGrp="1"/>
+          </p:cNvSpPr>
+          <p:nvPr>
+            <p:ph type="body" sz="half" idx="14"/>
+          </p:nvPr>
+        </p:nvSpPr>
+        <p:spPr>
+          <a:xfrm>
+            <a:off x="1930400" y="3771174"/>
+            <a:ext cx="7279649" cy="342174"/>
+          </a:xfrm>
+        </p:spPr>
+        <p:txBody>
+          <a:bodyPr vert="horz" lIns="91440" tIns="45720" rIns="91440" bIns="45720" rtlCol="0" anchor="t">
+            <a:normAutofit/>
+          </a:bodyPr>
+          <a:lstStyle>
+            <a:lvl1pPr marL="0" indent="0">
+              <a:buNone/>
+              <a:defRPr lang="en-US" sz="1400" b="0" i="0" kern="1200" cap="small" dirty="0">
+                <a:solidFill>
+                  <a:schemeClr val="bg2">
+                    <a:lumMod val="40000"/>
+                    <a:lumOff val="60000"/>
+                  </a:schemeClr>
+                </a:solidFill>
+                <a:latin typeface="+mj-lt"/>
+                <a:ea typeface="+mj-ea"/>
+                <a:cs typeface="+mj-cs"/>
+              </a:defRPr>
+            </a:lvl1pPr>
+            <a:lvl2pPr marL="457200" indent="0">
+              <a:buNone/>
+              <a:defRPr sz="1200"/>
+            </a:lvl2pPr>
+            <a:lvl3pPr marL="914400" indent="0">
+              <a:buNone/>
+              <a:defRPr sz="1000"/>
+            </a:lvl3pPr>
+            <a:lvl4pPr marL="1371600" indent="0">
+              <a:buNone/>
+              <a:defRPr sz="900"/>
+            </a:lvl4pPr>
+            <a:lvl5pPr marL="1828800" indent="0">
+              <a:buNone/>
+              <a:defRPr sz="900"/>
+            </a:lvl5pPr>
+            <a:lvl6pPr marL="2286000" indent="0">
+              <a:buNone/>
+              <a:defRPr sz="900"/>
+            </a:lvl6pPr>
+            <a:lvl7pPr marL="2743200" indent="0">
+              <a:buNone/>
+              <a:defRPr sz="900"/>
+            </a:lvl7pPr>
+            <a:lvl8pPr marL="3200400" indent="0">
+              <a:buNone/>
+              <a:defRPr sz="900"/>
+            </a:lvl8pPr>
+            <a:lvl9pPr marL="3657600" indent="0">
+              <a:buNone/>
+              <a:defRPr sz="900"/>
+            </a:lvl9pPr>
+          </a:lstStyle>
+          <a:p>
+            <a:pPr marL="0" lvl="0" indent="0">
+              <a:buNone/>
+            </a:pPr>
+            <a:r>
+              <a:rPr lang="ar-SA"/>
+              <a:t>انقر لتحرير أنماط نص الشكل الرئيسي</a:t>
+            </a:r>
+          </a:p>
+        </p:txBody>
+      </p:sp>
+      <p:sp>
+        <p:nvSpPr>
+          <p:cNvPr id="10" name="Text Placeholder 3"/>
+          <p:cNvSpPr>
+            <a:spLocks noGrp="1"/>
+          </p:cNvSpPr>
+          <p:nvPr>
+            <p:ph type="body" sz="half" idx="2"/>
+          </p:nvPr>
+        </p:nvSpPr>
+        <p:spPr>
+          <a:xfrm>
+            <a:off x="1154954" y="4350657"/>
+            <a:ext cx="8825659" cy="1676400"/>
+          </a:xfrm>
+        </p:spPr>
+        <p:txBody>
+          <a:bodyPr anchor="ctr">
+            <a:normAutofit/>
+          </a:bodyPr>
+          <a:lstStyle>
+            <a:lvl1pPr marL="0" indent="0">
+              <a:buNone/>
+              <a:defRPr sz="1800"/>
+            </a:lvl1pPr>
+            <a:lvl2pPr marL="457200" indent="0">
+              <a:buNone/>
+              <a:defRPr sz="1200"/>
+            </a:lvl2pPr>
+            <a:lvl3pPr marL="914400" indent="0">
+              <a:buNone/>
+              <a:defRPr sz="1000"/>
+            </a:lvl3pPr>
+            <a:lvl4pPr marL="1371600" indent="0">
+              <a:buNone/>
+              <a:defRPr sz="900"/>
+            </a:lvl4pPr>
+            <a:lvl5pPr marL="1828800" indent="0">
+              <a:buNone/>
+              <a:defRPr sz="900"/>
+            </a:lvl5pPr>
+            <a:lvl6pPr marL="2286000" indent="0">
+              <a:buNone/>
+              <a:defRPr sz="900"/>
+            </a:lvl6pPr>
+            <a:lvl7pPr marL="2743200" indent="0">
+              <a:buNone/>
+              <a:defRPr sz="900"/>
+            </a:lvl7pPr>
+            <a:lvl8pPr marL="3200400" indent="0">
+              <a:buNone/>
+              <a:defRPr sz="900"/>
+            </a:lvl8pPr>
+            <a:lvl9pPr marL="3657600" indent="0">
+              <a:buNone/>
+              <a:defRPr sz="900"/>
+            </a:lvl9pPr>
+          </a:lstStyle>
+          <a:p>
+            <a:pPr lvl="0"/>
+            <a:r>
+              <a:rPr lang="ar-SA"/>
+              <a:t>انقر لتحرير أنماط نص الشكل الرئيسي</a:t>
+            </a:r>
+          </a:p>
+        </p:txBody>
+      </p:sp>
+      <p:sp>
+        <p:nvSpPr>
+          <p:cNvPr id="4" name="Date Placeholder 3"/>
+          <p:cNvSpPr>
+            <a:spLocks noGrp="1"/>
+          </p:cNvSpPr>
+          <p:nvPr>
+            <p:ph type="dt" sz="half" idx="10"/>
+          </p:nvPr>
+        </p:nvSpPr>
+        <p:spPr/>
+        <p:txBody>
+          <a:bodyPr/>
+          <a:lstStyle/>
+          <a:p>
+            <a:fld id="{6D885E7D-3619-4D68-BEF3-75B05E9C77C4}" type="datetimeFigureOut">
+              <a:rPr lang="ar-YE" smtClean="0"/>
+              <a:t>30/01/1447</a:t>
+            </a:fld>
+            <a:endParaRPr lang="ar-YE"/>
+          </a:p>
+        </p:txBody>
+      </p:sp>
+      <p:sp>
+        <p:nvSpPr>
+          <p:cNvPr id="5" name="Footer Placeholder 4"/>
+          <p:cNvSpPr>
+            <a:spLocks noGrp="1"/>
+          </p:cNvSpPr>
+          <p:nvPr>
+            <p:ph type="ftr" sz="quarter" idx="11"/>
+          </p:nvPr>
+        </p:nvSpPr>
+        <p:spPr/>
+        <p:txBody>
+          <a:bodyPr/>
+          <a:lstStyle/>
+          <a:p>
+            <a:endParaRPr lang="ar-YE"/>
+          </a:p>
+        </p:txBody>
+      </p:sp>
+      <p:sp>
+        <p:nvSpPr>
+          <p:cNvPr id="6" name="Slide Number Placeholder 5"/>
+          <p:cNvSpPr>
+            <a:spLocks noGrp="1"/>
+          </p:cNvSpPr>
+          <p:nvPr>
+            <p:ph type="sldNum" sz="quarter" idx="12"/>
+          </p:nvPr>
+        </p:nvSpPr>
+        <p:spPr/>
+        <p:txBody>
+          <a:bodyPr/>
+          <a:lstStyle/>
+          <a:p>
+            <a:fld id="{CA05D3C8-BE4B-4A2B-8545-94BC224B57C0}" type="slidenum">
+              <a:rPr lang="ar-YE" smtClean="0"/>
+              <a:t>‹#›</a:t>
+            </a:fld>
+            <a:endParaRPr lang="ar-YE"/>
+          </a:p>
+        </p:txBody>
+      </p:sp>
+      <p:sp>
+        <p:nvSpPr>
+          <p:cNvPr id="12" name="TextBox 11"/>
+          <p:cNvSpPr txBox="1"/>
+          <p:nvPr/>
+        </p:nvSpPr>
+        <p:spPr>
+          <a:xfrm>
+            <a:off x="898295" y="971253"/>
+            <a:ext cx="801912" cy="1969770"/>
+          </a:xfrm>
+          <a:prstGeom prst="rect">
+            <a:avLst/>
+          </a:prstGeom>
+          <a:noFill/>
+        </p:spPr>
+        <p:txBody>
+          <a:bodyPr wrap="square" rtlCol="0">
+            <a:spAutoFit/>
+          </a:bodyPr>
+          <a:lstStyle>
+            <a:defPPr>
+              <a:defRPr lang="en-US"/>
+            </a:defPPr>
+            <a:lvl1pPr algn="r">
+              <a:defRPr sz="12200" b="0" i="0">
+                <a:solidFill>
+                  <a:schemeClr val="bg2">
+                    <a:lumMod val="40000"/>
+                    <a:lumOff val="60000"/>
+                  </a:schemeClr>
+                </a:solidFill>
+                <a:latin typeface="Arial"/>
+                <a:ea typeface="+mj-ea"/>
+                <a:cs typeface="+mj-cs"/>
+              </a:defRPr>
+            </a:lvl1pPr>
+          </a:lstStyle>
+          <a:p>
+            <a:pPr lvl="0"/>
+            <a:r>
+              <a:rPr lang="en-US" dirty="0"/>
+              <a:t>“</a:t>
+            </a:r>
+          </a:p>
+        </p:txBody>
+      </p:sp>
+      <p:sp>
+        <p:nvSpPr>
+          <p:cNvPr id="15" name="TextBox 14"/>
+          <p:cNvSpPr txBox="1"/>
+          <p:nvPr/>
+        </p:nvSpPr>
+        <p:spPr>
+          <a:xfrm>
+            <a:off x="9330490" y="2613787"/>
+            <a:ext cx="801912" cy="1969770"/>
+          </a:xfrm>
+          <a:prstGeom prst="rect">
+            <a:avLst/>
+          </a:prstGeom>
+          <a:noFill/>
+        </p:spPr>
+        <p:txBody>
+          <a:bodyPr wrap="square" rtlCol="0">
+            <a:spAutoFit/>
+          </a:bodyPr>
+          <a:lstStyle>
+            <a:defPPr>
+              <a:defRPr lang="en-US"/>
+            </a:defPPr>
+            <a:lvl1pPr algn="r">
+              <a:defRPr sz="12200" b="0" i="0">
+                <a:solidFill>
+                  <a:schemeClr val="bg2">
+                    <a:lumMod val="40000"/>
+                    <a:lumOff val="60000"/>
+                  </a:schemeClr>
+                </a:solidFill>
+                <a:latin typeface="Arial"/>
+                <a:ea typeface="+mj-ea"/>
+                <a:cs typeface="+mj-cs"/>
+              </a:defRPr>
+            </a:lvl1pPr>
+          </a:lstStyle>
+          <a:p>
+            <a:pPr lvl="0"/>
+            <a:r>
+              <a:rPr lang="en-US" dirty="0"/>
+              <a:t>”</a:t>
+            </a:r>
+          </a:p>
+        </p:txBody>
+      </p:sp>
+    </p:spTree>
+    <p:extLst>
+      <p:ext uri="{BB962C8B-B14F-4D97-AF65-F5344CB8AC3E}">
+        <p14:creationId xmlns:p14="http://schemas.microsoft.com/office/powerpoint/2010/main" val="2679003873"/>
+      </p:ext>
+    </p:extLst>
+  </p:cSld>
+  <p:clrMapOvr>
+    <a:masterClrMapping/>
+  </p:clrMapOvr>
+</p:sldLayout>
+</file>
+
+<file path=ppt/slideLayouts/slideLayout13.xml><?xml version="1.0" encoding="utf-8"?>
+<p:sldLayout xmlns:a="http://schemas.openxmlformats.org/drawingml/2006/main" xmlns:r="http://schemas.openxmlformats.org/officeDocument/2006/relationships" xmlns:p="http://schemas.openxmlformats.org/presentationml/2006/main" preserve="1">
+  <p:cSld name="بطاقة اسم">
+    <p:spTree>
+      <p:nvGrpSpPr>
+        <p:cNvPr id="1" name=""/>
+        <p:cNvGrpSpPr/>
+        <p:nvPr/>
+      </p:nvGrpSpPr>
+      <p:grpSpPr>
+        <a:xfrm>
+          <a:off x="0" y="0"/>
+          <a:ext cx="0" cy="0"/>
+          <a:chOff x="0" y="0"/>
+          <a:chExt cx="0" cy="0"/>
+        </a:xfrm>
+      </p:grpSpPr>
+      <p:sp>
+        <p:nvSpPr>
+          <p:cNvPr id="2" name="Title 1"/>
+          <p:cNvSpPr>
+            <a:spLocks noGrp="1"/>
+          </p:cNvSpPr>
+          <p:nvPr>
+            <p:ph type="title"/>
+          </p:nvPr>
+        </p:nvSpPr>
+        <p:spPr>
+          <a:xfrm>
+            <a:off x="1154954" y="3124201"/>
+            <a:ext cx="8825660" cy="1653180"/>
+          </a:xfrm>
+        </p:spPr>
+        <p:txBody>
+          <a:bodyPr anchor="b"/>
+          <a:lstStyle>
+            <a:lvl1pPr algn="l">
+              <a:defRPr sz="4000" b="0" cap="none"/>
+            </a:lvl1pPr>
+          </a:lstStyle>
+          <a:p>
+            <a:r>
+              <a:rPr lang="ar-SA"/>
+              <a:t>انقر لتحرير نمط عنوان الشكل الرئيسي</a:t>
+            </a:r>
+            <a:endParaRPr lang="en-US" dirty="0"/>
+          </a:p>
+        </p:txBody>
+      </p:sp>
+      <p:sp>
+        <p:nvSpPr>
+          <p:cNvPr id="3" name="Text Placeholder 2"/>
+          <p:cNvSpPr>
+            <a:spLocks noGrp="1"/>
+          </p:cNvSpPr>
+          <p:nvPr>
+            <p:ph type="body" idx="1"/>
+          </p:nvPr>
+        </p:nvSpPr>
+        <p:spPr>
+          <a:xfrm>
+            <a:off x="1154954" y="4777381"/>
+            <a:ext cx="8825659" cy="860400"/>
+          </a:xfrm>
+        </p:spPr>
+        <p:txBody>
+          <a:bodyPr anchor="t"/>
+          <a:lstStyle>
+            <a:lvl1pPr marL="0" indent="0" algn="l">
+              <a:buNone/>
+              <a:defRPr sz="2000" cap="none">
+                <a:solidFill>
+                  <a:schemeClr val="bg2">
+                    <a:lumMod val="40000"/>
+                    <a:lumOff val="60000"/>
+                  </a:schemeClr>
+                </a:solidFill>
+              </a:defRPr>
+            </a:lvl1pPr>
+            <a:lvl2pPr marL="457200" indent="0">
+              <a:buNone/>
+              <a:defRPr sz="1800">
+                <a:solidFill>
+                  <a:schemeClr val="tx1">
+                    <a:tint val="75000"/>
+                  </a:schemeClr>
+                </a:solidFill>
+              </a:defRPr>
+            </a:lvl2pPr>
+            <a:lvl3pPr marL="914400" indent="0">
+              <a:buNone/>
+              <a:defRPr sz="1600">
+                <a:solidFill>
+                  <a:schemeClr val="tx1">
+                    <a:tint val="75000"/>
+                  </a:schemeClr>
+                </a:solidFill>
+              </a:defRPr>
+            </a:lvl3pPr>
+            <a:lvl4pPr marL="1371600" indent="0">
+              <a:buNone/>
+              <a:defRPr sz="1400">
+                <a:solidFill>
+                  <a:schemeClr val="tx1">
+                    <a:tint val="75000"/>
+                  </a:schemeClr>
+                </a:solidFill>
+              </a:defRPr>
+            </a:lvl4pPr>
+            <a:lvl5pPr marL="1828800" indent="0">
+              <a:buNone/>
+              <a:defRPr sz="1400">
+                <a:solidFill>
+                  <a:schemeClr val="tx1">
+                    <a:tint val="75000"/>
+                  </a:schemeClr>
+                </a:solidFill>
+              </a:defRPr>
+            </a:lvl5pPr>
+            <a:lvl6pPr marL="2286000" indent="0">
+              <a:buNone/>
+              <a:defRPr sz="1400">
+                <a:solidFill>
+                  <a:schemeClr val="tx1">
+                    <a:tint val="75000"/>
+                  </a:schemeClr>
+                </a:solidFill>
+              </a:defRPr>
+            </a:lvl6pPr>
+            <a:lvl7pPr marL="2743200" indent="0">
+              <a:buNone/>
+              <a:defRPr sz="1400">
+                <a:solidFill>
+                  <a:schemeClr val="tx1">
+                    <a:tint val="75000"/>
+                  </a:schemeClr>
+                </a:solidFill>
+              </a:defRPr>
+            </a:lvl7pPr>
+            <a:lvl8pPr marL="3200400" indent="0">
+              <a:buNone/>
+              <a:defRPr sz="1400">
+                <a:solidFill>
+                  <a:schemeClr val="tx1">
+                    <a:tint val="75000"/>
+                  </a:schemeClr>
+                </a:solidFill>
+              </a:defRPr>
+            </a:lvl8pPr>
+            <a:lvl9pPr marL="3657600" indent="0">
+              <a:buNone/>
+              <a:defRPr sz="1400">
+                <a:solidFill>
+                  <a:schemeClr val="tx1">
+                    <a:tint val="75000"/>
+                  </a:schemeClr>
+                </a:solidFill>
+              </a:defRPr>
+            </a:lvl9pPr>
+          </a:lstStyle>
+          <a:p>
+            <a:pPr lvl="0"/>
+            <a:r>
+              <a:rPr lang="ar-SA"/>
+              <a:t>انقر لتحرير أنماط نص الشكل الرئيسي</a:t>
+            </a:r>
+          </a:p>
+        </p:txBody>
+      </p:sp>
+      <p:sp>
+        <p:nvSpPr>
+          <p:cNvPr id="4" name="Date Placeholder 3"/>
+          <p:cNvSpPr>
+            <a:spLocks noGrp="1"/>
+          </p:cNvSpPr>
+          <p:nvPr>
+            <p:ph type="dt" sz="half" idx="10"/>
+          </p:nvPr>
+        </p:nvSpPr>
+        <p:spPr/>
+        <p:txBody>
+          <a:bodyPr/>
+          <a:lstStyle/>
+          <a:p>
+            <a:fld id="{6D885E7D-3619-4D68-BEF3-75B05E9C77C4}" type="datetimeFigureOut">
+              <a:rPr lang="ar-YE" smtClean="0"/>
+              <a:t>30/01/1447</a:t>
+            </a:fld>
+            <a:endParaRPr lang="ar-YE"/>
+          </a:p>
+        </p:txBody>
+      </p:sp>
+      <p:sp>
+        <p:nvSpPr>
+          <p:cNvPr id="5" name="Footer Placeholder 4"/>
+          <p:cNvSpPr>
+            <a:spLocks noGrp="1"/>
+          </p:cNvSpPr>
+          <p:nvPr>
+            <p:ph type="ftr" sz="quarter" idx="11"/>
+          </p:nvPr>
+        </p:nvSpPr>
+        <p:spPr/>
+        <p:txBody>
+          <a:bodyPr/>
+          <a:lstStyle/>
+          <a:p>
+            <a:endParaRPr lang="ar-YE"/>
+          </a:p>
+        </p:txBody>
+      </p:sp>
+      <p:sp>
+        <p:nvSpPr>
+          <p:cNvPr id="6" name="Slide Number Placeholder 5"/>
+          <p:cNvSpPr>
+            <a:spLocks noGrp="1"/>
+          </p:cNvSpPr>
+          <p:nvPr>
+            <p:ph type="sldNum" sz="quarter" idx="12"/>
+          </p:nvPr>
+        </p:nvSpPr>
+        <p:spPr/>
+        <p:txBody>
+          <a:bodyPr/>
+          <a:lstStyle/>
+          <a:p>
+            <a:fld id="{CA05D3C8-BE4B-4A2B-8545-94BC224B57C0}" type="slidenum">
+              <a:rPr lang="ar-YE" smtClean="0"/>
+              <a:t>‹#›</a:t>
+            </a:fld>
+            <a:endParaRPr lang="ar-YE"/>
+          </a:p>
+        </p:txBody>
+      </p:sp>
+    </p:spTree>
+    <p:extLst>
+      <p:ext uri="{BB962C8B-B14F-4D97-AF65-F5344CB8AC3E}">
+        <p14:creationId xmlns:p14="http://schemas.microsoft.com/office/powerpoint/2010/main" val="2898632495"/>
+      </p:ext>
+    </p:extLst>
+  </p:cSld>
+  <p:clrMapOvr>
+    <a:masterClrMapping/>
+  </p:clrMapOvr>
+</p:sldLayout>
+</file>
+
+<file path=ppt/slideLayouts/slideLayout14.xml><?xml version="1.0" encoding="utf-8"?>
+<p:sldLayout xmlns:a="http://schemas.openxmlformats.org/drawingml/2006/main" xmlns:r="http://schemas.openxmlformats.org/officeDocument/2006/relationships" xmlns:p="http://schemas.openxmlformats.org/presentationml/2006/main" preserve="1">
+  <p:cSld name="3 أعمدة">
+    <p:spTree>
+      <p:nvGrpSpPr>
+        <p:cNvPr id="1" name=""/>
+        <p:cNvGrpSpPr/>
+        <p:nvPr/>
+      </p:nvGrpSpPr>
+      <p:grpSpPr>
+        <a:xfrm>
+          <a:off x="0" y="0"/>
+          <a:ext cx="0" cy="0"/>
+          <a:chOff x="0" y="0"/>
+          <a:chExt cx="0" cy="0"/>
+        </a:xfrm>
+      </p:grpSpPr>
+      <p:sp>
+        <p:nvSpPr>
+          <p:cNvPr id="2" name="Title 1"/>
+          <p:cNvSpPr>
+            <a:spLocks noGrp="1"/>
+          </p:cNvSpPr>
+          <p:nvPr>
+            <p:ph type="title"/>
+          </p:nvPr>
+        </p:nvSpPr>
+        <p:spPr/>
+        <p:txBody>
+          <a:bodyPr/>
+          <a:lstStyle>
+            <a:lvl1pPr>
+              <a:defRPr sz="4200"/>
+            </a:lvl1pPr>
+          </a:lstStyle>
+          <a:p>
+            <a:r>
+              <a:rPr lang="ar-SA"/>
+              <a:t>انقر لتحرير نمط عنوان الشكل الرئيسي</a:t>
+            </a:r>
+            <a:endParaRPr lang="en-US" dirty="0"/>
+          </a:p>
+        </p:txBody>
+      </p:sp>
+      <p:sp>
+        <p:nvSpPr>
+          <p:cNvPr id="3" name="Text Placeholder 2"/>
+          <p:cNvSpPr>
+            <a:spLocks noGrp="1"/>
+          </p:cNvSpPr>
+          <p:nvPr>
+            <p:ph type="body" idx="1"/>
+          </p:nvPr>
+        </p:nvSpPr>
+        <p:spPr>
+          <a:xfrm>
+            <a:off x="632947" y="1981200"/>
+            <a:ext cx="2946866" cy="576262"/>
+          </a:xfrm>
+        </p:spPr>
+        <p:txBody>
+          <a:bodyPr anchor="b">
+            <a:noAutofit/>
+          </a:bodyPr>
+          <a:lstStyle>
+            <a:lvl1pPr marL="0" indent="0">
+              <a:buNone/>
+              <a:defRPr sz="2400" b="0">
+                <a:solidFill>
+                  <a:schemeClr val="bg2">
+                    <a:lumMod val="40000"/>
+                    <a:lumOff val="60000"/>
+                  </a:schemeClr>
+                </a:solidFill>
+              </a:defRPr>
+            </a:lvl1pPr>
+            <a:lvl2pPr marL="457200" indent="0">
+              <a:buNone/>
+              <a:defRPr sz="2000" b="1"/>
+            </a:lvl2pPr>
+            <a:lvl3pPr marL="914400" indent="0">
+              <a:buNone/>
+              <a:defRPr sz="1800" b="1"/>
+            </a:lvl3pPr>
+            <a:lvl4pPr marL="1371600" indent="0">
+              <a:buNone/>
+              <a:defRPr sz="1600" b="1"/>
+            </a:lvl4pPr>
+            <a:lvl5pPr marL="1828800" indent="0">
+              <a:buNone/>
+              <a:defRPr sz="1600" b="1"/>
+            </a:lvl5pPr>
+            <a:lvl6pPr marL="2286000" indent="0">
+              <a:buNone/>
+              <a:defRPr sz="1600" b="1"/>
+            </a:lvl6pPr>
+            <a:lvl7pPr marL="2743200" indent="0">
+              <a:buNone/>
+              <a:defRPr sz="1600" b="1"/>
+            </a:lvl7pPr>
+            <a:lvl8pPr marL="3200400" indent="0">
+              <a:buNone/>
+              <a:defRPr sz="1600" b="1"/>
+            </a:lvl8pPr>
+            <a:lvl9pPr marL="3657600" indent="0">
+              <a:buNone/>
+              <a:defRPr sz="1600" b="1"/>
+            </a:lvl9pPr>
+          </a:lstStyle>
+          <a:p>
+            <a:pPr lvl="0"/>
+            <a:r>
+              <a:rPr lang="ar-SA"/>
+              <a:t>انقر لتحرير أنماط نص الشكل الرئيسي</a:t>
+            </a:r>
+          </a:p>
+        </p:txBody>
+      </p:sp>
+      <p:sp>
+        <p:nvSpPr>
+          <p:cNvPr id="16" name="Text Placeholder 3"/>
+          <p:cNvSpPr>
+            <a:spLocks noGrp="1"/>
+          </p:cNvSpPr>
+          <p:nvPr>
+            <p:ph type="body" sz="half" idx="15"/>
+          </p:nvPr>
+        </p:nvSpPr>
+        <p:spPr>
+          <a:xfrm>
+            <a:off x="652463" y="2667000"/>
+            <a:ext cx="2927350" cy="3589338"/>
+          </a:xfrm>
+        </p:spPr>
+        <p:txBody>
+          <a:bodyPr anchor="t">
+            <a:normAutofit/>
+          </a:bodyPr>
+          <a:lstStyle>
+            <a:lvl1pPr marL="0" indent="0">
+              <a:buNone/>
+              <a:defRPr sz="1400"/>
+            </a:lvl1pPr>
+            <a:lvl2pPr marL="457200" indent="0">
+              <a:buNone/>
+              <a:defRPr sz="1200"/>
+            </a:lvl2pPr>
+            <a:lvl3pPr marL="914400" indent="0">
+              <a:buNone/>
+              <a:defRPr sz="1000"/>
+            </a:lvl3pPr>
+            <a:lvl4pPr marL="1371600" indent="0">
+              <a:buNone/>
+              <a:defRPr sz="900"/>
+            </a:lvl4pPr>
+            <a:lvl5pPr marL="1828800" indent="0">
+              <a:buNone/>
+              <a:defRPr sz="900"/>
+            </a:lvl5pPr>
+            <a:lvl6pPr marL="2286000" indent="0">
+              <a:buNone/>
+              <a:defRPr sz="900"/>
+            </a:lvl6pPr>
+            <a:lvl7pPr marL="2743200" indent="0">
+              <a:buNone/>
+              <a:defRPr sz="900"/>
+            </a:lvl7pPr>
+            <a:lvl8pPr marL="3200400" indent="0">
+              <a:buNone/>
+              <a:defRPr sz="900"/>
+            </a:lvl8pPr>
+            <a:lvl9pPr marL="3657600" indent="0">
+              <a:buNone/>
+              <a:defRPr sz="900"/>
+            </a:lvl9pPr>
+          </a:lstStyle>
+          <a:p>
+            <a:pPr lvl="0"/>
+            <a:r>
+              <a:rPr lang="ar-SA"/>
+              <a:t>انقر لتحرير أنماط نص الشكل الرئيسي</a:t>
+            </a:r>
+          </a:p>
+        </p:txBody>
+      </p:sp>
+      <p:sp>
+        <p:nvSpPr>
+          <p:cNvPr id="5" name="Text Placeholder 4"/>
+          <p:cNvSpPr>
+            <a:spLocks noGrp="1"/>
+          </p:cNvSpPr>
+          <p:nvPr>
+            <p:ph type="body" sz="quarter" idx="3"/>
+          </p:nvPr>
+        </p:nvSpPr>
+        <p:spPr>
+          <a:xfrm>
+            <a:off x="3883659" y="1981200"/>
+            <a:ext cx="2936241" cy="576262"/>
+          </a:xfrm>
+        </p:spPr>
+        <p:txBody>
+          <a:bodyPr anchor="b">
+            <a:noAutofit/>
+          </a:bodyPr>
+          <a:lstStyle>
+            <a:lvl1pPr marL="0" indent="0">
+              <a:buNone/>
+              <a:defRPr sz="2400" b="0">
+                <a:solidFill>
+                  <a:schemeClr val="bg2">
+                    <a:lumMod val="40000"/>
+                    <a:lumOff val="60000"/>
+                  </a:schemeClr>
+                </a:solidFill>
+              </a:defRPr>
+            </a:lvl1pPr>
+            <a:lvl2pPr marL="457200" indent="0">
+              <a:buNone/>
+              <a:defRPr sz="2000" b="1"/>
+            </a:lvl2pPr>
+            <a:lvl3pPr marL="914400" indent="0">
+              <a:buNone/>
+              <a:defRPr sz="1800" b="1"/>
+            </a:lvl3pPr>
+            <a:lvl4pPr marL="1371600" indent="0">
+              <a:buNone/>
+              <a:defRPr sz="1600" b="1"/>
+            </a:lvl4pPr>
+            <a:lvl5pPr marL="1828800" indent="0">
+              <a:buNone/>
+              <a:defRPr sz="1600" b="1"/>
+            </a:lvl5pPr>
+            <a:lvl6pPr marL="2286000" indent="0">
+              <a:buNone/>
+              <a:defRPr sz="1600" b="1"/>
+            </a:lvl6pPr>
+            <a:lvl7pPr marL="2743200" indent="0">
+              <a:buNone/>
+              <a:defRPr sz="1600" b="1"/>
+            </a:lvl7pPr>
+            <a:lvl8pPr marL="3200400" indent="0">
+              <a:buNone/>
+              <a:defRPr sz="1600" b="1"/>
+            </a:lvl8pPr>
+            <a:lvl9pPr marL="3657600" indent="0">
+              <a:buNone/>
+              <a:defRPr sz="1600" b="1"/>
+            </a:lvl9pPr>
+          </a:lstStyle>
+          <a:p>
+            <a:pPr lvl="0"/>
+            <a:r>
+              <a:rPr lang="ar-SA"/>
+              <a:t>انقر لتحرير أنماط نص الشكل الرئيسي</a:t>
+            </a:r>
+          </a:p>
+        </p:txBody>
+      </p:sp>
+      <p:sp>
+        <p:nvSpPr>
+          <p:cNvPr id="19" name="Text Placeholder 3"/>
+          <p:cNvSpPr>
+            <a:spLocks noGrp="1"/>
+          </p:cNvSpPr>
+          <p:nvPr>
+            <p:ph type="body" sz="half" idx="16"/>
+          </p:nvPr>
+        </p:nvSpPr>
+        <p:spPr>
+          <a:xfrm>
+            <a:off x="3873106" y="2667000"/>
+            <a:ext cx="2946794" cy="3589338"/>
+          </a:xfrm>
+        </p:spPr>
+        <p:txBody>
+          <a:bodyPr anchor="t">
+            <a:normAutofit/>
+          </a:bodyPr>
+          <a:lstStyle>
+            <a:lvl1pPr marL="0" indent="0">
+              <a:buNone/>
+              <a:defRPr sz="1400"/>
+            </a:lvl1pPr>
+            <a:lvl2pPr marL="457200" indent="0">
+              <a:buNone/>
+              <a:defRPr sz="1200"/>
+            </a:lvl2pPr>
+            <a:lvl3pPr marL="914400" indent="0">
+              <a:buNone/>
+              <a:defRPr sz="1000"/>
+            </a:lvl3pPr>
+            <a:lvl4pPr marL="1371600" indent="0">
+              <a:buNone/>
+              <a:defRPr sz="900"/>
+            </a:lvl4pPr>
+            <a:lvl5pPr marL="1828800" indent="0">
+              <a:buNone/>
+              <a:defRPr sz="900"/>
+            </a:lvl5pPr>
+            <a:lvl6pPr marL="2286000" indent="0">
+              <a:buNone/>
+              <a:defRPr sz="900"/>
+            </a:lvl6pPr>
+            <a:lvl7pPr marL="2743200" indent="0">
+              <a:buNone/>
+              <a:defRPr sz="900"/>
+            </a:lvl7pPr>
+            <a:lvl8pPr marL="3200400" indent="0">
+              <a:buNone/>
+              <a:defRPr sz="900"/>
+            </a:lvl8pPr>
+            <a:lvl9pPr marL="3657600" indent="0">
+              <a:buNone/>
+              <a:defRPr sz="900"/>
+            </a:lvl9pPr>
+          </a:lstStyle>
+          <a:p>
+            <a:pPr lvl="0"/>
+            <a:r>
+              <a:rPr lang="ar-SA"/>
+              <a:t>انقر لتحرير أنماط نص الشكل الرئيسي</a:t>
+            </a:r>
+          </a:p>
+        </p:txBody>
+      </p:sp>
+      <p:sp>
+        <p:nvSpPr>
+          <p:cNvPr id="14" name="Text Placeholder 4"/>
+          <p:cNvSpPr>
+            <a:spLocks noGrp="1"/>
+          </p:cNvSpPr>
+          <p:nvPr>
+            <p:ph type="body" sz="quarter" idx="13"/>
+          </p:nvPr>
+        </p:nvSpPr>
+        <p:spPr>
+          <a:xfrm>
+            <a:off x="7124700" y="1981200"/>
+            <a:ext cx="2932113" cy="576262"/>
+          </a:xfrm>
+        </p:spPr>
+        <p:txBody>
+          <a:bodyPr anchor="b">
+            <a:noAutofit/>
+          </a:bodyPr>
+          <a:lstStyle>
+            <a:lvl1pPr marL="0" indent="0">
+              <a:buNone/>
+              <a:defRPr sz="2400" b="0">
+                <a:solidFill>
+                  <a:schemeClr val="bg2">
+                    <a:lumMod val="40000"/>
+                    <a:lumOff val="60000"/>
+                  </a:schemeClr>
+                </a:solidFill>
+              </a:defRPr>
+            </a:lvl1pPr>
+            <a:lvl2pPr marL="457200" indent="0">
+              <a:buNone/>
+              <a:defRPr sz="2000" b="1"/>
+            </a:lvl2pPr>
+            <a:lvl3pPr marL="914400" indent="0">
+              <a:buNone/>
+              <a:defRPr sz="1800" b="1"/>
+            </a:lvl3pPr>
+            <a:lvl4pPr marL="1371600" indent="0">
+              <a:buNone/>
+              <a:defRPr sz="1600" b="1"/>
+            </a:lvl4pPr>
+            <a:lvl5pPr marL="1828800" indent="0">
+              <a:buNone/>
+              <a:defRPr sz="1600" b="1"/>
+            </a:lvl5pPr>
+            <a:lvl6pPr marL="2286000" indent="0">
+              <a:buNone/>
+              <a:defRPr sz="1600" b="1"/>
+            </a:lvl6pPr>
+            <a:lvl7pPr marL="2743200" indent="0">
+              <a:buNone/>
+              <a:defRPr sz="1600" b="1"/>
+            </a:lvl7pPr>
+            <a:lvl8pPr marL="3200400" indent="0">
+              <a:buNone/>
+              <a:defRPr sz="1600" b="1"/>
+            </a:lvl8pPr>
+            <a:lvl9pPr marL="3657600" indent="0">
+              <a:buNone/>
+              <a:defRPr sz="1600" b="1"/>
+            </a:lvl9pPr>
+          </a:lstStyle>
+          <a:p>
+            <a:pPr lvl="0"/>
+            <a:r>
+              <a:rPr lang="ar-SA"/>
+              <a:t>انقر لتحرير أنماط نص الشكل الرئيسي</a:t>
+            </a:r>
+          </a:p>
+        </p:txBody>
+      </p:sp>
+      <p:sp>
+        <p:nvSpPr>
+          <p:cNvPr id="20" name="Text Placeholder 3"/>
+          <p:cNvSpPr>
+            <a:spLocks noGrp="1"/>
+          </p:cNvSpPr>
+          <p:nvPr>
+            <p:ph type="body" sz="half" idx="17"/>
+          </p:nvPr>
+        </p:nvSpPr>
+        <p:spPr>
+          <a:xfrm>
+            <a:off x="7124700" y="2667000"/>
+            <a:ext cx="2932113" cy="3589338"/>
+          </a:xfrm>
+        </p:spPr>
+        <p:txBody>
+          <a:bodyPr anchor="t">
+            <a:normAutofit/>
+          </a:bodyPr>
+          <a:lstStyle>
+            <a:lvl1pPr marL="0" indent="0">
+              <a:buNone/>
+              <a:defRPr sz="1400"/>
+            </a:lvl1pPr>
+            <a:lvl2pPr marL="457200" indent="0">
+              <a:buNone/>
+              <a:defRPr sz="1200"/>
+            </a:lvl2pPr>
+            <a:lvl3pPr marL="914400" indent="0">
+              <a:buNone/>
+              <a:defRPr sz="1000"/>
+            </a:lvl3pPr>
+            <a:lvl4pPr marL="1371600" indent="0">
+              <a:buNone/>
+              <a:defRPr sz="900"/>
+            </a:lvl4pPr>
+            <a:lvl5pPr marL="1828800" indent="0">
+              <a:buNone/>
+              <a:defRPr sz="900"/>
+            </a:lvl5pPr>
+            <a:lvl6pPr marL="2286000" indent="0">
+              <a:buNone/>
+              <a:defRPr sz="900"/>
+            </a:lvl6pPr>
+            <a:lvl7pPr marL="2743200" indent="0">
+              <a:buNone/>
+              <a:defRPr sz="900"/>
+            </a:lvl7pPr>
+            <a:lvl8pPr marL="3200400" indent="0">
+              <a:buNone/>
+              <a:defRPr sz="900"/>
+            </a:lvl8pPr>
+            <a:lvl9pPr marL="3657600" indent="0">
+              <a:buNone/>
+              <a:defRPr sz="900"/>
+            </a:lvl9pPr>
+          </a:lstStyle>
+          <a:p>
+            <a:pPr lvl="0"/>
+            <a:r>
+              <a:rPr lang="ar-SA"/>
+              <a:t>انقر لتحرير أنماط نص الشكل الرئيسي</a:t>
+            </a:r>
+          </a:p>
+        </p:txBody>
+      </p:sp>
+      <p:cxnSp>
+        <p:nvCxnSpPr>
+          <p:cNvPr id="17" name="Straight Connector 16"/>
+          <p:cNvCxnSpPr/>
+          <p:nvPr/>
+        </p:nvCxnSpPr>
+        <p:spPr>
+          <a:xfrm>
+            <a:off x="3726142" y="2133600"/>
+            <a:ext cx="0" cy="3962400"/>
+          </a:xfrm>
+          <a:prstGeom prst="line">
+            <a:avLst/>
+          </a:prstGeom>
+          <a:ln w="12700" cmpd="sng">
+            <a:solidFill>
+              <a:schemeClr val="bg2">
+                <a:lumMod val="40000"/>
+                <a:lumOff val="60000"/>
+                <a:alpha val="40000"/>
+              </a:schemeClr>
+            </a:solidFill>
+          </a:ln>
+        </p:spPr>
+        <p:style>
+          <a:lnRef idx="2">
+            <a:schemeClr val="accent1"/>
+          </a:lnRef>
+          <a:fillRef idx="0">
+            <a:schemeClr val="accent1"/>
+          </a:fillRef>
+          <a:effectRef idx="1">
+            <a:schemeClr val="accent1"/>
+          </a:effectRef>
+          <a:fontRef idx="minor">
+            <a:schemeClr val="tx1"/>
+          </a:fontRef>
+        </p:style>
+      </p:cxnSp>
+      <p:cxnSp>
+        <p:nvCxnSpPr>
+          <p:cNvPr id="18" name="Straight Connector 17"/>
+          <p:cNvCxnSpPr/>
+          <p:nvPr/>
+        </p:nvCxnSpPr>
+        <p:spPr>
+          <a:xfrm>
+            <a:off x="6962227" y="2133600"/>
+            <a:ext cx="0" cy="3966882"/>
+          </a:xfrm>
+          <a:prstGeom prst="line">
+            <a:avLst/>
+          </a:prstGeom>
+          <a:ln w="12700" cmpd="sng">
+            <a:solidFill>
+              <a:schemeClr val="bg2">
+                <a:lumMod val="40000"/>
+                <a:lumOff val="60000"/>
+                <a:alpha val="40000"/>
+              </a:schemeClr>
+            </a:solidFill>
+          </a:ln>
+        </p:spPr>
+        <p:style>
+          <a:lnRef idx="2">
+            <a:schemeClr val="accent1"/>
+          </a:lnRef>
+          <a:fillRef idx="0">
+            <a:schemeClr val="accent1"/>
+          </a:fillRef>
+          <a:effectRef idx="1">
+            <a:schemeClr val="accent1"/>
+          </a:effectRef>
+          <a:fontRef idx="minor">
+            <a:schemeClr val="tx1"/>
+          </a:fontRef>
+        </p:style>
+      </p:cxnSp>
+      <p:sp>
+        <p:nvSpPr>
+          <p:cNvPr id="7" name="Date Placeholder 3"/>
+          <p:cNvSpPr>
+            <a:spLocks noGrp="1"/>
+          </p:cNvSpPr>
+          <p:nvPr>
+            <p:ph type="dt" sz="half" idx="10"/>
+          </p:nvPr>
+        </p:nvSpPr>
+        <p:spPr/>
+        <p:txBody>
+          <a:bodyPr/>
+          <a:lstStyle/>
+          <a:p>
+            <a:fld id="{6D885E7D-3619-4D68-BEF3-75B05E9C77C4}" type="datetimeFigureOut">
+              <a:rPr lang="ar-YE" smtClean="0"/>
+              <a:t>30/01/1447</a:t>
+            </a:fld>
+            <a:endParaRPr lang="ar-YE"/>
+          </a:p>
+        </p:txBody>
+      </p:sp>
+      <p:sp>
+        <p:nvSpPr>
+          <p:cNvPr id="4" name="Footer Placeholder 4"/>
+          <p:cNvSpPr>
+            <a:spLocks noGrp="1"/>
+          </p:cNvSpPr>
+          <p:nvPr>
+            <p:ph type="ftr" sz="quarter" idx="11"/>
+          </p:nvPr>
+        </p:nvSpPr>
+        <p:spPr/>
+        <p:txBody>
+          <a:bodyPr/>
+          <a:lstStyle/>
+          <a:p>
+            <a:endParaRPr lang="ar-YE"/>
+          </a:p>
+        </p:txBody>
+      </p:sp>
+      <p:sp>
+        <p:nvSpPr>
+          <p:cNvPr id="6" name="Slide Number Placeholder 5"/>
+          <p:cNvSpPr>
+            <a:spLocks noGrp="1"/>
+          </p:cNvSpPr>
+          <p:nvPr>
+            <p:ph type="sldNum" sz="quarter" idx="12"/>
+          </p:nvPr>
+        </p:nvSpPr>
+        <p:spPr/>
+        <p:txBody>
+          <a:bodyPr/>
+          <a:lstStyle/>
+          <a:p>
+            <a:fld id="{CA05D3C8-BE4B-4A2B-8545-94BC224B57C0}" type="slidenum">
+              <a:rPr lang="ar-YE" smtClean="0"/>
+              <a:t>‹#›</a:t>
+            </a:fld>
+            <a:endParaRPr lang="ar-YE"/>
+          </a:p>
+        </p:txBody>
+      </p:sp>
+    </p:spTree>
+    <p:extLst>
+      <p:ext uri="{BB962C8B-B14F-4D97-AF65-F5344CB8AC3E}">
+        <p14:creationId xmlns:p14="http://schemas.microsoft.com/office/powerpoint/2010/main" val="1430974236"/>
+      </p:ext>
+    </p:extLst>
+  </p:cSld>
+  <p:clrMapOvr>
+    <a:masterClrMapping/>
+  </p:clrMapOvr>
+</p:sldLayout>
+</file>
+
+<file path=ppt/slideLayouts/slideLayout15.xml><?xml version="1.0" encoding="utf-8"?>
+<p:sldLayout xmlns:a="http://schemas.openxmlformats.org/drawingml/2006/main" xmlns:r="http://schemas.openxmlformats.org/officeDocument/2006/relationships" xmlns:p="http://schemas.openxmlformats.org/presentationml/2006/main" preserve="1">
+  <p:cSld name="3 أعمدة صور">
+    <p:spTree>
+      <p:nvGrpSpPr>
+        <p:cNvPr id="1" name=""/>
+        <p:cNvGrpSpPr/>
+        <p:nvPr/>
+      </p:nvGrpSpPr>
+      <p:grpSpPr>
+        <a:xfrm>
+          <a:off x="0" y="0"/>
+          <a:ext cx="0" cy="0"/>
+          <a:chOff x="0" y="0"/>
+          <a:chExt cx="0" cy="0"/>
+        </a:xfrm>
+      </p:grpSpPr>
+      <p:sp>
+        <p:nvSpPr>
+          <p:cNvPr id="2" name="Title 1"/>
+          <p:cNvSpPr>
+            <a:spLocks noGrp="1"/>
+          </p:cNvSpPr>
+          <p:nvPr>
+            <p:ph type="title"/>
+          </p:nvPr>
+        </p:nvSpPr>
+        <p:spPr/>
+        <p:txBody>
+          <a:bodyPr/>
+          <a:lstStyle>
+            <a:lvl1pPr>
+              <a:defRPr sz="4200"/>
+            </a:lvl1pPr>
+          </a:lstStyle>
+          <a:p>
+            <a:r>
+              <a:rPr lang="ar-SA"/>
+              <a:t>انقر لتحرير نمط عنوان الشكل الرئيسي</a:t>
+            </a:r>
+            <a:endParaRPr lang="en-US" dirty="0"/>
+          </a:p>
+        </p:txBody>
+      </p:sp>
+      <p:sp>
+        <p:nvSpPr>
+          <p:cNvPr id="3" name="Text Placeholder 2"/>
+          <p:cNvSpPr>
+            <a:spLocks noGrp="1"/>
+          </p:cNvSpPr>
+          <p:nvPr>
+            <p:ph type="body" idx="1"/>
+          </p:nvPr>
+        </p:nvSpPr>
+        <p:spPr>
+          <a:xfrm>
+            <a:off x="652463" y="4250949"/>
+            <a:ext cx="2940050" cy="576262"/>
+          </a:xfrm>
+        </p:spPr>
+        <p:txBody>
+          <a:bodyPr anchor="b">
+            <a:noAutofit/>
+          </a:bodyPr>
+          <a:lstStyle>
+            <a:lvl1pPr marL="0" indent="0">
+              <a:buNone/>
+              <a:defRPr sz="2400" b="0">
+                <a:solidFill>
+                  <a:schemeClr val="bg2">
+                    <a:lumMod val="40000"/>
+                    <a:lumOff val="60000"/>
+                  </a:schemeClr>
+                </a:solidFill>
+              </a:defRPr>
+            </a:lvl1pPr>
+            <a:lvl2pPr marL="457200" indent="0">
+              <a:buNone/>
+              <a:defRPr sz="2000" b="1"/>
+            </a:lvl2pPr>
+            <a:lvl3pPr marL="914400" indent="0">
+              <a:buNone/>
+              <a:defRPr sz="1800" b="1"/>
+            </a:lvl3pPr>
+            <a:lvl4pPr marL="1371600" indent="0">
+              <a:buNone/>
+              <a:defRPr sz="1600" b="1"/>
+            </a:lvl4pPr>
+            <a:lvl5pPr marL="1828800" indent="0">
+              <a:buNone/>
+              <a:defRPr sz="1600" b="1"/>
+            </a:lvl5pPr>
+            <a:lvl6pPr marL="2286000" indent="0">
+              <a:buNone/>
+              <a:defRPr sz="1600" b="1"/>
+            </a:lvl6pPr>
+            <a:lvl7pPr marL="2743200" indent="0">
+              <a:buNone/>
+              <a:defRPr sz="1600" b="1"/>
+            </a:lvl7pPr>
+            <a:lvl8pPr marL="3200400" indent="0">
+              <a:buNone/>
+              <a:defRPr sz="1600" b="1"/>
+            </a:lvl8pPr>
+            <a:lvl9pPr marL="3657600" indent="0">
+              <a:buNone/>
+              <a:defRPr sz="1600" b="1"/>
+            </a:lvl9pPr>
+          </a:lstStyle>
+          <a:p>
+            <a:pPr lvl="0"/>
+            <a:r>
+              <a:rPr lang="ar-SA"/>
+              <a:t>انقر لتحرير أنماط نص الشكل الرئيسي</a:t>
+            </a:r>
+          </a:p>
+        </p:txBody>
+      </p:sp>
+      <p:sp>
+        <p:nvSpPr>
+          <p:cNvPr id="29" name="Picture Placeholder 2"/>
+          <p:cNvSpPr>
+            <a:spLocks noGrp="1" noChangeAspect="1"/>
+          </p:cNvSpPr>
+          <p:nvPr>
+            <p:ph type="pic" idx="15"/>
+          </p:nvPr>
+        </p:nvSpPr>
+        <p:spPr>
+          <a:xfrm>
+            <a:off x="652463" y="2209800"/>
+            <a:ext cx="2940050" cy="1524000"/>
+          </a:xfrm>
+          <a:prstGeom prst="roundRect">
+            <a:avLst>
+              <a:gd name="adj" fmla="val 1858"/>
+            </a:avLst>
+          </a:prstGeom>
+          <a:effectLst>
+            <a:outerShdw blurRad="50800" dist="50800" dir="5400000" algn="tl" rotWithShape="0">
+              <a:srgbClr val="000000">
+                <a:alpha val="43000"/>
+              </a:srgbClr>
+            </a:outerShdw>
+          </a:effectLst>
+        </p:spPr>
+        <p:txBody>
+          <a:bodyPr anchor="t">
+            <a:normAutofit/>
+          </a:bodyPr>
+          <a:lstStyle>
+            <a:lvl1pPr marL="0" indent="0" algn="ctr">
+              <a:buNone/>
+              <a:defRPr sz="1600"/>
+            </a:lvl1pPr>
+            <a:lvl2pPr marL="457200" indent="0">
+              <a:buNone/>
+              <a:defRPr sz="1600"/>
+            </a:lvl2pPr>
+            <a:lvl3pPr marL="914400" indent="0">
+              <a:buNone/>
+              <a:defRPr sz="1600"/>
+            </a:lvl3pPr>
+            <a:lvl4pPr marL="1371600" indent="0">
+              <a:buNone/>
+              <a:defRPr sz="1600"/>
+            </a:lvl4pPr>
+            <a:lvl5pPr marL="1828800" indent="0">
+              <a:buNone/>
+              <a:defRPr sz="1600"/>
+            </a:lvl5pPr>
+            <a:lvl6pPr marL="2286000" indent="0">
+              <a:buNone/>
+              <a:defRPr sz="1600"/>
+            </a:lvl6pPr>
+            <a:lvl7pPr marL="2743200" indent="0">
+              <a:buNone/>
+              <a:defRPr sz="1600"/>
+            </a:lvl7pPr>
+            <a:lvl8pPr marL="3200400" indent="0">
+              <a:buNone/>
+              <a:defRPr sz="1600"/>
+            </a:lvl8pPr>
+            <a:lvl9pPr marL="3657600" indent="0">
+              <a:buNone/>
+              <a:defRPr sz="1600"/>
+            </a:lvl9pPr>
+          </a:lstStyle>
+          <a:p>
+            <a:r>
+              <a:rPr lang="ar-SA"/>
+              <a:t>انقر فوق الأيقونة لإضافة صورة</a:t>
+            </a:r>
+            <a:endParaRPr lang="en-US" dirty="0"/>
+          </a:p>
+        </p:txBody>
+      </p:sp>
+      <p:sp>
+        <p:nvSpPr>
+          <p:cNvPr id="22" name="Text Placeholder 3"/>
+          <p:cNvSpPr>
+            <a:spLocks noGrp="1"/>
+          </p:cNvSpPr>
+          <p:nvPr>
+            <p:ph type="body" sz="half" idx="18"/>
+          </p:nvPr>
+        </p:nvSpPr>
+        <p:spPr>
+          <a:xfrm>
+            <a:off x="652463" y="4827211"/>
+            <a:ext cx="2940050" cy="659189"/>
+          </a:xfrm>
+        </p:spPr>
+        <p:txBody>
+          <a:bodyPr anchor="t">
+            <a:normAutofit/>
+          </a:bodyPr>
+          <a:lstStyle>
+            <a:lvl1pPr marL="0" indent="0">
+              <a:buNone/>
+              <a:defRPr sz="1400"/>
+            </a:lvl1pPr>
+            <a:lvl2pPr marL="457200" indent="0">
+              <a:buNone/>
+              <a:defRPr sz="1200"/>
+            </a:lvl2pPr>
+            <a:lvl3pPr marL="914400" indent="0">
+              <a:buNone/>
+              <a:defRPr sz="1000"/>
+            </a:lvl3pPr>
+            <a:lvl4pPr marL="1371600" indent="0">
+              <a:buNone/>
+              <a:defRPr sz="900"/>
+            </a:lvl4pPr>
+            <a:lvl5pPr marL="1828800" indent="0">
+              <a:buNone/>
+              <a:defRPr sz="900"/>
+            </a:lvl5pPr>
+            <a:lvl6pPr marL="2286000" indent="0">
+              <a:buNone/>
+              <a:defRPr sz="900"/>
+            </a:lvl6pPr>
+            <a:lvl7pPr marL="2743200" indent="0">
+              <a:buNone/>
+              <a:defRPr sz="900"/>
+            </a:lvl7pPr>
+            <a:lvl8pPr marL="3200400" indent="0">
+              <a:buNone/>
+              <a:defRPr sz="900"/>
+            </a:lvl8pPr>
+            <a:lvl9pPr marL="3657600" indent="0">
+              <a:buNone/>
+              <a:defRPr sz="900"/>
+            </a:lvl9pPr>
+          </a:lstStyle>
+          <a:p>
+            <a:pPr lvl="0"/>
+            <a:r>
+              <a:rPr lang="ar-SA"/>
+              <a:t>انقر لتحرير أنماط نص الشكل الرئيسي</a:t>
+            </a:r>
+          </a:p>
+        </p:txBody>
+      </p:sp>
+      <p:sp>
+        <p:nvSpPr>
+          <p:cNvPr id="5" name="Text Placeholder 4"/>
+          <p:cNvSpPr>
+            <a:spLocks noGrp="1"/>
+          </p:cNvSpPr>
+          <p:nvPr>
+            <p:ph type="body" sz="quarter" idx="3"/>
+          </p:nvPr>
+        </p:nvSpPr>
+        <p:spPr>
+          <a:xfrm>
+            <a:off x="3889375" y="4250949"/>
+            <a:ext cx="2930525" cy="576262"/>
+          </a:xfrm>
+        </p:spPr>
+        <p:txBody>
+          <a:bodyPr anchor="b">
+            <a:noAutofit/>
+          </a:bodyPr>
+          <a:lstStyle>
+            <a:lvl1pPr marL="0" indent="0">
+              <a:buNone/>
+              <a:defRPr sz="2400" b="0">
+                <a:solidFill>
+                  <a:schemeClr val="bg2">
+                    <a:lumMod val="40000"/>
+                    <a:lumOff val="60000"/>
+                  </a:schemeClr>
+                </a:solidFill>
+              </a:defRPr>
+            </a:lvl1pPr>
+            <a:lvl2pPr marL="457200" indent="0">
+              <a:buNone/>
+              <a:defRPr sz="2000" b="1"/>
+            </a:lvl2pPr>
+            <a:lvl3pPr marL="914400" indent="0">
+              <a:buNone/>
+              <a:defRPr sz="1800" b="1"/>
+            </a:lvl3pPr>
+            <a:lvl4pPr marL="1371600" indent="0">
+              <a:buNone/>
+              <a:defRPr sz="1600" b="1"/>
+            </a:lvl4pPr>
+            <a:lvl5pPr marL="1828800" indent="0">
+              <a:buNone/>
+              <a:defRPr sz="1600" b="1"/>
+            </a:lvl5pPr>
+            <a:lvl6pPr marL="2286000" indent="0">
+              <a:buNone/>
+              <a:defRPr sz="1600" b="1"/>
+            </a:lvl6pPr>
+            <a:lvl7pPr marL="2743200" indent="0">
+              <a:buNone/>
+              <a:defRPr sz="1600" b="1"/>
+            </a:lvl7pPr>
+            <a:lvl8pPr marL="3200400" indent="0">
+              <a:buNone/>
+              <a:defRPr sz="1600" b="1"/>
+            </a:lvl8pPr>
+            <a:lvl9pPr marL="3657600" indent="0">
+              <a:buNone/>
+              <a:defRPr sz="1600" b="1"/>
+            </a:lvl9pPr>
+          </a:lstStyle>
+          <a:p>
+            <a:pPr lvl="0"/>
+            <a:r>
+              <a:rPr lang="ar-SA"/>
+              <a:t>انقر لتحرير أنماط نص الشكل الرئيسي</a:t>
+            </a:r>
+          </a:p>
+        </p:txBody>
+      </p:sp>
+      <p:sp>
+        <p:nvSpPr>
+          <p:cNvPr id="30" name="Picture Placeholder 2"/>
+          <p:cNvSpPr>
+            <a:spLocks noGrp="1" noChangeAspect="1"/>
+          </p:cNvSpPr>
+          <p:nvPr>
+            <p:ph type="pic" idx="21"/>
+          </p:nvPr>
+        </p:nvSpPr>
+        <p:spPr>
+          <a:xfrm>
+            <a:off x="3889374" y="2209800"/>
+            <a:ext cx="2930525" cy="1524000"/>
+          </a:xfrm>
+          <a:prstGeom prst="roundRect">
+            <a:avLst>
+              <a:gd name="adj" fmla="val 1858"/>
+            </a:avLst>
+          </a:prstGeom>
+          <a:effectLst>
+            <a:outerShdw blurRad="50800" dist="50800" dir="5400000" algn="tl" rotWithShape="0">
+              <a:srgbClr val="000000">
+                <a:alpha val="43000"/>
+              </a:srgbClr>
+            </a:outerShdw>
+          </a:effectLst>
+        </p:spPr>
+        <p:txBody>
+          <a:bodyPr anchor="t">
+            <a:normAutofit/>
+          </a:bodyPr>
+          <a:lstStyle>
+            <a:lvl1pPr marL="0" indent="0" algn="ctr">
+              <a:buNone/>
+              <a:defRPr sz="1600"/>
+            </a:lvl1pPr>
+            <a:lvl2pPr marL="457200" indent="0">
+              <a:buNone/>
+              <a:defRPr sz="1600"/>
+            </a:lvl2pPr>
+            <a:lvl3pPr marL="914400" indent="0">
+              <a:buNone/>
+              <a:defRPr sz="1600"/>
+            </a:lvl3pPr>
+            <a:lvl4pPr marL="1371600" indent="0">
+              <a:buNone/>
+              <a:defRPr sz="1600"/>
+            </a:lvl4pPr>
+            <a:lvl5pPr marL="1828800" indent="0">
+              <a:buNone/>
+              <a:defRPr sz="1600"/>
+            </a:lvl5pPr>
+            <a:lvl6pPr marL="2286000" indent="0">
+              <a:buNone/>
+              <a:defRPr sz="1600"/>
+            </a:lvl6pPr>
+            <a:lvl7pPr marL="2743200" indent="0">
+              <a:buNone/>
+              <a:defRPr sz="1600"/>
+            </a:lvl7pPr>
+            <a:lvl8pPr marL="3200400" indent="0">
+              <a:buNone/>
+              <a:defRPr sz="1600"/>
+            </a:lvl8pPr>
+            <a:lvl9pPr marL="3657600" indent="0">
+              <a:buNone/>
+              <a:defRPr sz="1600"/>
+            </a:lvl9pPr>
+          </a:lstStyle>
+          <a:p>
+            <a:r>
+              <a:rPr lang="ar-SA"/>
+              <a:t>انقر فوق الأيقونة لإضافة صورة</a:t>
+            </a:r>
+            <a:endParaRPr lang="en-US" dirty="0"/>
+          </a:p>
+        </p:txBody>
+      </p:sp>
+      <p:sp>
+        <p:nvSpPr>
+          <p:cNvPr id="23" name="Text Placeholder 3"/>
+          <p:cNvSpPr>
+            <a:spLocks noGrp="1"/>
+          </p:cNvSpPr>
+          <p:nvPr>
+            <p:ph type="body" sz="half" idx="19"/>
+          </p:nvPr>
+        </p:nvSpPr>
+        <p:spPr>
+          <a:xfrm>
+            <a:off x="3888022" y="4827210"/>
+            <a:ext cx="2934406" cy="659189"/>
+          </a:xfrm>
+        </p:spPr>
+        <p:txBody>
+          <a:bodyPr anchor="t">
+            <a:normAutofit/>
+          </a:bodyPr>
+          <a:lstStyle>
+            <a:lvl1pPr marL="0" indent="0">
+              <a:buNone/>
+              <a:defRPr sz="1400"/>
+            </a:lvl1pPr>
+            <a:lvl2pPr marL="457200" indent="0">
+              <a:buNone/>
+              <a:defRPr sz="1200"/>
+            </a:lvl2pPr>
+            <a:lvl3pPr marL="914400" indent="0">
+              <a:buNone/>
+              <a:defRPr sz="1000"/>
+            </a:lvl3pPr>
+            <a:lvl4pPr marL="1371600" indent="0">
+              <a:buNone/>
+              <a:defRPr sz="900"/>
+            </a:lvl4pPr>
+            <a:lvl5pPr marL="1828800" indent="0">
+              <a:buNone/>
+              <a:defRPr sz="900"/>
+            </a:lvl5pPr>
+            <a:lvl6pPr marL="2286000" indent="0">
+              <a:buNone/>
+              <a:defRPr sz="900"/>
+            </a:lvl6pPr>
+            <a:lvl7pPr marL="2743200" indent="0">
+              <a:buNone/>
+              <a:defRPr sz="900"/>
+            </a:lvl7pPr>
+            <a:lvl8pPr marL="3200400" indent="0">
+              <a:buNone/>
+              <a:defRPr sz="900"/>
+            </a:lvl8pPr>
+            <a:lvl9pPr marL="3657600" indent="0">
+              <a:buNone/>
+              <a:defRPr sz="900"/>
+            </a:lvl9pPr>
+          </a:lstStyle>
+          <a:p>
+            <a:pPr lvl="0"/>
+            <a:r>
+              <a:rPr lang="ar-SA"/>
+              <a:t>انقر لتحرير أنماط نص الشكل الرئيسي</a:t>
+            </a:r>
+          </a:p>
+        </p:txBody>
+      </p:sp>
+      <p:sp>
+        <p:nvSpPr>
+          <p:cNvPr id="14" name="Text Placeholder 4"/>
+          <p:cNvSpPr>
+            <a:spLocks noGrp="1"/>
+          </p:cNvSpPr>
+          <p:nvPr>
+            <p:ph type="body" sz="quarter" idx="13"/>
+          </p:nvPr>
+        </p:nvSpPr>
+        <p:spPr>
+          <a:xfrm>
+            <a:off x="7124700" y="4250949"/>
+            <a:ext cx="2932113" cy="576262"/>
+          </a:xfrm>
+        </p:spPr>
+        <p:txBody>
+          <a:bodyPr anchor="b">
+            <a:noAutofit/>
+          </a:bodyPr>
+          <a:lstStyle>
+            <a:lvl1pPr marL="0" indent="0">
+              <a:buNone/>
+              <a:defRPr sz="2400" b="0">
+                <a:solidFill>
+                  <a:schemeClr val="bg2">
+                    <a:lumMod val="40000"/>
+                    <a:lumOff val="60000"/>
+                  </a:schemeClr>
+                </a:solidFill>
+              </a:defRPr>
+            </a:lvl1pPr>
+            <a:lvl2pPr marL="457200" indent="0">
+              <a:buNone/>
+              <a:defRPr sz="2000" b="1"/>
+            </a:lvl2pPr>
+            <a:lvl3pPr marL="914400" indent="0">
+              <a:buNone/>
+              <a:defRPr sz="1800" b="1"/>
+            </a:lvl3pPr>
+            <a:lvl4pPr marL="1371600" indent="0">
+              <a:buNone/>
+              <a:defRPr sz="1600" b="1"/>
+            </a:lvl4pPr>
+            <a:lvl5pPr marL="1828800" indent="0">
+              <a:buNone/>
+              <a:defRPr sz="1600" b="1"/>
+            </a:lvl5pPr>
+            <a:lvl6pPr marL="2286000" indent="0">
+              <a:buNone/>
+              <a:defRPr sz="1600" b="1"/>
+            </a:lvl6pPr>
+            <a:lvl7pPr marL="2743200" indent="0">
+              <a:buNone/>
+              <a:defRPr sz="1600" b="1"/>
+            </a:lvl7pPr>
+            <a:lvl8pPr marL="3200400" indent="0">
+              <a:buNone/>
+              <a:defRPr sz="1600" b="1"/>
+            </a:lvl8pPr>
+            <a:lvl9pPr marL="3657600" indent="0">
+              <a:buNone/>
+              <a:defRPr sz="1600" b="1"/>
+            </a:lvl9pPr>
+          </a:lstStyle>
+          <a:p>
+            <a:pPr lvl="0"/>
+            <a:r>
+              <a:rPr lang="ar-SA"/>
+              <a:t>انقر لتحرير أنماط نص الشكل الرئيسي</a:t>
+            </a:r>
+          </a:p>
+        </p:txBody>
+      </p:sp>
+      <p:sp>
+        <p:nvSpPr>
+          <p:cNvPr id="31" name="Picture Placeholder 2"/>
+          <p:cNvSpPr>
+            <a:spLocks noGrp="1" noChangeAspect="1"/>
+          </p:cNvSpPr>
+          <p:nvPr>
+            <p:ph type="pic" idx="22"/>
+          </p:nvPr>
+        </p:nvSpPr>
+        <p:spPr>
+          <a:xfrm>
+            <a:off x="7124699" y="2209800"/>
+            <a:ext cx="2932113" cy="1524000"/>
+          </a:xfrm>
+          <a:prstGeom prst="roundRect">
+            <a:avLst>
+              <a:gd name="adj" fmla="val 1858"/>
+            </a:avLst>
+          </a:prstGeom>
+          <a:effectLst>
+            <a:outerShdw blurRad="50800" dist="50800" dir="5400000" algn="tl" rotWithShape="0">
+              <a:srgbClr val="000000">
+                <a:alpha val="43000"/>
+              </a:srgbClr>
+            </a:outerShdw>
+          </a:effectLst>
+        </p:spPr>
+        <p:txBody>
+          <a:bodyPr anchor="t">
+            <a:normAutofit/>
+          </a:bodyPr>
+          <a:lstStyle>
+            <a:lvl1pPr marL="0" indent="0" algn="ctr">
+              <a:buNone/>
+              <a:defRPr sz="1600"/>
+            </a:lvl1pPr>
+            <a:lvl2pPr marL="457200" indent="0">
+              <a:buNone/>
+              <a:defRPr sz="1600"/>
+            </a:lvl2pPr>
+            <a:lvl3pPr marL="914400" indent="0">
+              <a:buNone/>
+              <a:defRPr sz="1600"/>
+            </a:lvl3pPr>
+            <a:lvl4pPr marL="1371600" indent="0">
+              <a:buNone/>
+              <a:defRPr sz="1600"/>
+            </a:lvl4pPr>
+            <a:lvl5pPr marL="1828800" indent="0">
+              <a:buNone/>
+              <a:defRPr sz="1600"/>
+            </a:lvl5pPr>
+            <a:lvl6pPr marL="2286000" indent="0">
+              <a:buNone/>
+              <a:defRPr sz="1600"/>
+            </a:lvl6pPr>
+            <a:lvl7pPr marL="2743200" indent="0">
+              <a:buNone/>
+              <a:defRPr sz="1600"/>
+            </a:lvl7pPr>
+            <a:lvl8pPr marL="3200400" indent="0">
+              <a:buNone/>
+              <a:defRPr sz="1600"/>
+            </a:lvl8pPr>
+            <a:lvl9pPr marL="3657600" indent="0">
+              <a:buNone/>
+              <a:defRPr sz="1600"/>
+            </a:lvl9pPr>
+          </a:lstStyle>
+          <a:p>
+            <a:r>
+              <a:rPr lang="ar-SA"/>
+              <a:t>انقر فوق الأيقونة لإضافة صورة</a:t>
+            </a:r>
+            <a:endParaRPr lang="en-US" dirty="0"/>
+          </a:p>
+        </p:txBody>
+      </p:sp>
+      <p:sp>
+        <p:nvSpPr>
+          <p:cNvPr id="24" name="Text Placeholder 3"/>
+          <p:cNvSpPr>
+            <a:spLocks noGrp="1"/>
+          </p:cNvSpPr>
+          <p:nvPr>
+            <p:ph type="body" sz="half" idx="20"/>
+          </p:nvPr>
+        </p:nvSpPr>
+        <p:spPr>
+          <a:xfrm>
+            <a:off x="7124575" y="4827208"/>
+            <a:ext cx="2935997" cy="659189"/>
+          </a:xfrm>
+        </p:spPr>
+        <p:txBody>
+          <a:bodyPr anchor="t">
+            <a:normAutofit/>
+          </a:bodyPr>
+          <a:lstStyle>
+            <a:lvl1pPr marL="0" indent="0">
+              <a:buNone/>
+              <a:defRPr sz="1400"/>
+            </a:lvl1pPr>
+            <a:lvl2pPr marL="457200" indent="0">
+              <a:buNone/>
+              <a:defRPr sz="1200"/>
+            </a:lvl2pPr>
+            <a:lvl3pPr marL="914400" indent="0">
+              <a:buNone/>
+              <a:defRPr sz="1000"/>
+            </a:lvl3pPr>
+            <a:lvl4pPr marL="1371600" indent="0">
+              <a:buNone/>
+              <a:defRPr sz="900"/>
+            </a:lvl4pPr>
+            <a:lvl5pPr marL="1828800" indent="0">
+              <a:buNone/>
+              <a:defRPr sz="900"/>
+            </a:lvl5pPr>
+            <a:lvl6pPr marL="2286000" indent="0">
+              <a:buNone/>
+              <a:defRPr sz="900"/>
+            </a:lvl6pPr>
+            <a:lvl7pPr marL="2743200" indent="0">
+              <a:buNone/>
+              <a:defRPr sz="900"/>
+            </a:lvl7pPr>
+            <a:lvl8pPr marL="3200400" indent="0">
+              <a:buNone/>
+              <a:defRPr sz="900"/>
+            </a:lvl8pPr>
+            <a:lvl9pPr marL="3657600" indent="0">
+              <a:buNone/>
+              <a:defRPr sz="900"/>
+            </a:lvl9pPr>
+          </a:lstStyle>
+          <a:p>
+            <a:pPr lvl="0"/>
+            <a:r>
+              <a:rPr lang="ar-SA"/>
+              <a:t>انقر لتحرير أنماط نص الشكل الرئيسي</a:t>
+            </a:r>
+          </a:p>
+        </p:txBody>
+      </p:sp>
+      <p:cxnSp>
+        <p:nvCxnSpPr>
+          <p:cNvPr id="19" name="Straight Connector 18"/>
+          <p:cNvCxnSpPr/>
+          <p:nvPr/>
+        </p:nvCxnSpPr>
+        <p:spPr>
+          <a:xfrm>
+            <a:off x="3726142" y="2133600"/>
+            <a:ext cx="0" cy="3962400"/>
+          </a:xfrm>
+          <a:prstGeom prst="line">
+            <a:avLst/>
+          </a:prstGeom>
+          <a:ln w="12700" cmpd="sng">
+            <a:solidFill>
+              <a:schemeClr val="bg2">
+                <a:lumMod val="40000"/>
+                <a:lumOff val="60000"/>
+                <a:alpha val="40000"/>
+              </a:schemeClr>
+            </a:solidFill>
+          </a:ln>
+        </p:spPr>
+        <p:style>
+          <a:lnRef idx="2">
+            <a:schemeClr val="accent1"/>
+          </a:lnRef>
+          <a:fillRef idx="0">
+            <a:schemeClr val="accent1"/>
+          </a:fillRef>
+          <a:effectRef idx="1">
+            <a:schemeClr val="accent1"/>
+          </a:effectRef>
+          <a:fontRef idx="minor">
+            <a:schemeClr val="tx1"/>
+          </a:fontRef>
+        </p:style>
+      </p:cxnSp>
+      <p:cxnSp>
+        <p:nvCxnSpPr>
+          <p:cNvPr id="20" name="Straight Connector 19"/>
+          <p:cNvCxnSpPr/>
+          <p:nvPr/>
+        </p:nvCxnSpPr>
+        <p:spPr>
+          <a:xfrm>
+            <a:off x="6962227" y="2133600"/>
+            <a:ext cx="0" cy="3966882"/>
+          </a:xfrm>
+          <a:prstGeom prst="line">
+            <a:avLst/>
+          </a:prstGeom>
+          <a:ln w="12700" cmpd="sng">
+            <a:solidFill>
+              <a:schemeClr val="bg2">
+                <a:lumMod val="40000"/>
+                <a:lumOff val="60000"/>
+                <a:alpha val="40000"/>
+              </a:schemeClr>
+            </a:solidFill>
+          </a:ln>
+        </p:spPr>
+        <p:style>
+          <a:lnRef idx="2">
+            <a:schemeClr val="accent1"/>
+          </a:lnRef>
+          <a:fillRef idx="0">
+            <a:schemeClr val="accent1"/>
+          </a:fillRef>
+          <a:effectRef idx="1">
+            <a:schemeClr val="accent1"/>
+          </a:effectRef>
+          <a:fontRef idx="minor">
+            <a:schemeClr val="tx1"/>
+          </a:fontRef>
+        </p:style>
+      </p:cxnSp>
+      <p:sp>
+        <p:nvSpPr>
+          <p:cNvPr id="7" name="Date Placeholder 3"/>
+          <p:cNvSpPr>
+            <a:spLocks noGrp="1"/>
+          </p:cNvSpPr>
+          <p:nvPr>
+            <p:ph type="dt" sz="half" idx="10"/>
+          </p:nvPr>
+        </p:nvSpPr>
+        <p:spPr/>
+        <p:txBody>
+          <a:bodyPr/>
+          <a:lstStyle/>
+          <a:p>
+            <a:fld id="{6D885E7D-3619-4D68-BEF3-75B05E9C77C4}" type="datetimeFigureOut">
+              <a:rPr lang="ar-YE" smtClean="0"/>
+              <a:t>30/01/1447</a:t>
+            </a:fld>
+            <a:endParaRPr lang="ar-YE"/>
+          </a:p>
+        </p:txBody>
+      </p:sp>
+      <p:sp>
+        <p:nvSpPr>
+          <p:cNvPr id="4" name="Footer Placeholder 4"/>
+          <p:cNvSpPr>
+            <a:spLocks noGrp="1"/>
+          </p:cNvSpPr>
+          <p:nvPr>
+            <p:ph type="ftr" sz="quarter" idx="11"/>
+          </p:nvPr>
+        </p:nvSpPr>
+        <p:spPr/>
+        <p:txBody>
+          <a:bodyPr/>
+          <a:lstStyle/>
+          <a:p>
+            <a:endParaRPr lang="ar-YE"/>
+          </a:p>
+        </p:txBody>
+      </p:sp>
+      <p:sp>
+        <p:nvSpPr>
+          <p:cNvPr id="6" name="Slide Number Placeholder 5"/>
+          <p:cNvSpPr>
+            <a:spLocks noGrp="1"/>
+          </p:cNvSpPr>
+          <p:nvPr>
+            <p:ph type="sldNum" sz="quarter" idx="12"/>
+          </p:nvPr>
+        </p:nvSpPr>
+        <p:spPr/>
+        <p:txBody>
+          <a:bodyPr/>
+          <a:lstStyle/>
+          <a:p>
+            <a:fld id="{CA05D3C8-BE4B-4A2B-8545-94BC224B57C0}" type="slidenum">
+              <a:rPr lang="ar-YE" smtClean="0"/>
+              <a:t>‹#›</a:t>
+            </a:fld>
+            <a:endParaRPr lang="ar-YE"/>
+          </a:p>
+        </p:txBody>
+      </p:sp>
+    </p:spTree>
+    <p:extLst>
+      <p:ext uri="{BB962C8B-B14F-4D97-AF65-F5344CB8AC3E}">
+        <p14:creationId xmlns:p14="http://schemas.microsoft.com/office/powerpoint/2010/main" val="777270796"/>
+      </p:ext>
+    </p:extLst>
+  </p:cSld>
+  <p:clrMapOvr>
+    <a:masterClrMapping/>
+  </p:clrMapOvr>
+</p:sldLayout>
+</file>
+
+<file path=ppt/slideLayouts/slideLayout16.xml><?xml version="1.0" encoding="utf-8"?>
 <p:sldLayout xmlns:a="http://schemas.openxmlformats.org/drawingml/2006/main" xmlns:r="http://schemas.openxmlformats.org/officeDocument/2006/relationships" xmlns:p="http://schemas.openxmlformats.org/presentationml/2006/main" type="vertTx" preserve="1">
   <p:cSld name="عنوان ونص عمودي">
     <p:spTree>
@@ -351,13 +2943,7 @@
       </p:grpSpPr>
       <p:sp>
         <p:nvSpPr>
-          <p:cNvPr id="2" name="عنوان 1">
-            <a:extLst>
-              <a:ext uri="{FF2B5EF4-FFF2-40B4-BE49-F238E27FC236}">
-                <a16:creationId xmlns:a16="http://schemas.microsoft.com/office/drawing/2014/main" id="{7072B9CE-2FBF-F007-53CC-C52F3A6FFFEF}"/>
-              </a:ext>
-            </a:extLst>
-          </p:cNvPr>
+          <p:cNvPr id="2" name="Title 1"/>
           <p:cNvSpPr>
             <a:spLocks noGrp="1"/>
           </p:cNvSpPr>
@@ -374,19 +2960,13 @@
               <a:rPr lang="ar-SA"/>
               <a:t>انقر لتحرير نمط عنوان الشكل الرئيسي</a:t>
             </a:r>
-            <a:endParaRPr lang="ar-YE"/>
-          </a:p>
-        </p:txBody>
-      </p:sp>
-      <p:sp>
-        <p:nvSpPr>
-          <p:cNvPr id="3" name="عنصر نائب للعنوان العمودي 2">
-            <a:extLst>
-              <a:ext uri="{FF2B5EF4-FFF2-40B4-BE49-F238E27FC236}">
-                <a16:creationId xmlns:a16="http://schemas.microsoft.com/office/drawing/2014/main" id="{3BEBDD23-F110-9FF6-7C58-E03E7B1984BA}"/>
-              </a:ext>
-            </a:extLst>
-          </p:cNvPr>
+            <a:endParaRPr lang="en-US" dirty="0"/>
+          </a:p>
+        </p:txBody>
+      </p:sp>
+      <p:sp>
+        <p:nvSpPr>
+          <p:cNvPr id="3" name="Vertical Text Placeholder 2"/>
           <p:cNvSpPr>
             <a:spLocks noGrp="1"/>
           </p:cNvSpPr>
@@ -396,7 +2976,7 @@
         </p:nvSpPr>
         <p:spPr/>
         <p:txBody>
-          <a:bodyPr vert="eaVert"/>
+          <a:bodyPr vert="eaVert" anchor="t" anchorCtr="0"/>
           <a:lstStyle/>
           <a:p>
             <a:pPr lvl="0"/>
@@ -432,19 +3012,13 @@
               <a:rPr lang="ar-SA"/>
               <a:t>المستوى الخامس</a:t>
             </a:r>
-            <a:endParaRPr lang="ar-YE"/>
-          </a:p>
-        </p:txBody>
-      </p:sp>
-      <p:sp>
-        <p:nvSpPr>
-          <p:cNvPr id="4" name="عنصر نائب للتاريخ 3">
-            <a:extLst>
-              <a:ext uri="{FF2B5EF4-FFF2-40B4-BE49-F238E27FC236}">
-                <a16:creationId xmlns:a16="http://schemas.microsoft.com/office/drawing/2014/main" id="{B381B81D-D662-D1CE-15C7-F841AAE0D35A}"/>
-              </a:ext>
-            </a:extLst>
-          </p:cNvPr>
+            <a:endParaRPr lang="en-US" dirty="0"/>
+          </a:p>
+        </p:txBody>
+      </p:sp>
+      <p:sp>
+        <p:nvSpPr>
+          <p:cNvPr id="4" name="Date Placeholder 3"/>
           <p:cNvSpPr>
             <a:spLocks noGrp="1"/>
           </p:cNvSpPr>
@@ -467,13 +3041,7 @@
       </p:sp>
       <p:sp>
         <p:nvSpPr>
-          <p:cNvPr id="5" name="عنصر نائب للتذييل 4">
-            <a:extLst>
-              <a:ext uri="{FF2B5EF4-FFF2-40B4-BE49-F238E27FC236}">
-                <a16:creationId xmlns:a16="http://schemas.microsoft.com/office/drawing/2014/main" id="{85F15421-48CB-C6C0-921E-C2230C04F03B}"/>
-              </a:ext>
-            </a:extLst>
-          </p:cNvPr>
+          <p:cNvPr id="5" name="Footer Placeholder 4"/>
           <p:cNvSpPr>
             <a:spLocks noGrp="1"/>
           </p:cNvSpPr>
@@ -492,13 +3060,7 @@
       </p:sp>
       <p:sp>
         <p:nvSpPr>
-          <p:cNvPr id="6" name="عنصر نائب لرقم الشريحة 5">
-            <a:extLst>
-              <a:ext uri="{FF2B5EF4-FFF2-40B4-BE49-F238E27FC236}">
-                <a16:creationId xmlns:a16="http://schemas.microsoft.com/office/drawing/2014/main" id="{A529DECD-65AC-73CA-442B-EDDA1F589AFF}"/>
-              </a:ext>
-            </a:extLst>
-          </p:cNvPr>
+          <p:cNvPr id="6" name="Slide Number Placeholder 5"/>
           <p:cNvSpPr>
             <a:spLocks noGrp="1"/>
           </p:cNvSpPr>
@@ -522,7 +3084,7 @@
     </p:spTree>
     <p:extLst>
       <p:ext uri="{BB962C8B-B14F-4D97-AF65-F5344CB8AC3E}">
-        <p14:creationId xmlns:p14="http://schemas.microsoft.com/office/powerpoint/2010/main" val="2092467763"/>
+        <p14:creationId xmlns:p14="http://schemas.microsoft.com/office/powerpoint/2010/main" val="2957578507"/>
       </p:ext>
     </p:extLst>
   </p:cSld>
@@ -532,7 +3094,7 @@
 </p:sldLayout>
 </file>
 
-<file path=ppt/slideLayouts/slideLayout11.xml><?xml version="1.0" encoding="utf-8"?>
+<file path=ppt/slideLayouts/slideLayout17.xml><?xml version="1.0" encoding="utf-8"?>
 <p:sldLayout xmlns:a="http://schemas.openxmlformats.org/drawingml/2006/main" xmlns:r="http://schemas.openxmlformats.org/officeDocument/2006/relationships" xmlns:p="http://schemas.openxmlformats.org/presentationml/2006/main" type="vertTitleAndTx" preserve="1">
   <p:cSld name="عنوان ونص عموديان">
     <p:spTree>
@@ -551,13 +3113,7 @@
       </p:grpSpPr>
       <p:sp>
         <p:nvSpPr>
-          <p:cNvPr id="2" name="عنوان عمودي 1">
-            <a:extLst>
-              <a:ext uri="{FF2B5EF4-FFF2-40B4-BE49-F238E27FC236}">
-                <a16:creationId xmlns:a16="http://schemas.microsoft.com/office/drawing/2014/main" id="{D75FD0AE-2670-6F24-44C5-5860808F23B1}"/>
-              </a:ext>
-            </a:extLst>
-          </p:cNvPr>
+          <p:cNvPr id="2" name="Vertical Title 1"/>
           <p:cNvSpPr>
             <a:spLocks noGrp="1"/>
           </p:cNvSpPr>
@@ -567,48 +3123,42 @@
         </p:nvSpPr>
         <p:spPr>
           <a:xfrm>
-            <a:off x="8724900" y="365125"/>
-            <a:ext cx="2628900" cy="5811838"/>
+            <a:off x="8304212" y="430213"/>
+            <a:ext cx="1752601" cy="5826125"/>
           </a:xfrm>
         </p:spPr>
         <p:txBody>
+          <a:bodyPr vert="eaVert" anchor="b" anchorCtr="0"/>
+          <a:lstStyle/>
+          <a:p>
+            <a:r>
+              <a:rPr lang="ar-SA"/>
+              <a:t>انقر لتحرير نمط عنوان الشكل الرئيسي</a:t>
+            </a:r>
+            <a:endParaRPr lang="en-US" dirty="0"/>
+          </a:p>
+        </p:txBody>
+      </p:sp>
+      <p:sp>
+        <p:nvSpPr>
+          <p:cNvPr id="3" name="Vertical Text Placeholder 2"/>
+          <p:cNvSpPr>
+            <a:spLocks noGrp="1"/>
+          </p:cNvSpPr>
+          <p:nvPr>
+            <p:ph type="body" orient="vert" idx="1"/>
+          </p:nvPr>
+        </p:nvSpPr>
+        <p:spPr>
+          <a:xfrm>
+            <a:off x="652463" y="887414"/>
+            <a:ext cx="7423149" cy="5368924"/>
+          </a:xfrm>
+        </p:spPr>
+        <p:txBody>
           <a:bodyPr vert="eaVert"/>
           <a:lstStyle/>
           <a:p>
-            <a:r>
-              <a:rPr lang="ar-SA"/>
-              <a:t>انقر لتحرير نمط عنوان الشكل الرئيسي</a:t>
-            </a:r>
-            <a:endParaRPr lang="ar-YE"/>
-          </a:p>
-        </p:txBody>
-      </p:sp>
-      <p:sp>
-        <p:nvSpPr>
-          <p:cNvPr id="3" name="عنصر نائب للعنوان العمودي 2">
-            <a:extLst>
-              <a:ext uri="{FF2B5EF4-FFF2-40B4-BE49-F238E27FC236}">
-                <a16:creationId xmlns:a16="http://schemas.microsoft.com/office/drawing/2014/main" id="{15444AFD-DA9B-D51E-7395-5A8D04173060}"/>
-              </a:ext>
-            </a:extLst>
-          </p:cNvPr>
-          <p:cNvSpPr>
-            <a:spLocks noGrp="1"/>
-          </p:cNvSpPr>
-          <p:nvPr>
-            <p:ph type="body" orient="vert" idx="1"/>
-          </p:nvPr>
-        </p:nvSpPr>
-        <p:spPr>
-          <a:xfrm>
-            <a:off x="838200" y="365125"/>
-            <a:ext cx="7734300" cy="5811838"/>
-          </a:xfrm>
-        </p:spPr>
-        <p:txBody>
-          <a:bodyPr vert="eaVert"/>
-          <a:lstStyle/>
-          <a:p>
             <a:pPr lvl="0"/>
             <a:r>
               <a:rPr lang="ar-SA"/>
@@ -642,19 +3192,13 @@
               <a:rPr lang="ar-SA"/>
               <a:t>المستوى الخامس</a:t>
             </a:r>
-            <a:endParaRPr lang="ar-YE"/>
-          </a:p>
-        </p:txBody>
-      </p:sp>
-      <p:sp>
-        <p:nvSpPr>
-          <p:cNvPr id="4" name="عنصر نائب للتاريخ 3">
-            <a:extLst>
-              <a:ext uri="{FF2B5EF4-FFF2-40B4-BE49-F238E27FC236}">
-                <a16:creationId xmlns:a16="http://schemas.microsoft.com/office/drawing/2014/main" id="{6DFEAC0C-6EE2-8D5C-562A-C778FAEC6B61}"/>
-              </a:ext>
-            </a:extLst>
-          </p:cNvPr>
+            <a:endParaRPr lang="en-US" dirty="0"/>
+          </a:p>
+        </p:txBody>
+      </p:sp>
+      <p:sp>
+        <p:nvSpPr>
+          <p:cNvPr id="4" name="Date Placeholder 3"/>
           <p:cNvSpPr>
             <a:spLocks noGrp="1"/>
           </p:cNvSpPr>
@@ -677,13 +3221,7 @@
       </p:sp>
       <p:sp>
         <p:nvSpPr>
-          <p:cNvPr id="5" name="عنصر نائب للتذييل 4">
-            <a:extLst>
-              <a:ext uri="{FF2B5EF4-FFF2-40B4-BE49-F238E27FC236}">
-                <a16:creationId xmlns:a16="http://schemas.microsoft.com/office/drawing/2014/main" id="{B4F30978-3496-5D89-F917-AE4739CE1164}"/>
-              </a:ext>
-            </a:extLst>
-          </p:cNvPr>
+          <p:cNvPr id="5" name="Footer Placeholder 4"/>
           <p:cNvSpPr>
             <a:spLocks noGrp="1"/>
           </p:cNvSpPr>
@@ -702,13 +3240,7 @@
       </p:sp>
       <p:sp>
         <p:nvSpPr>
-          <p:cNvPr id="6" name="عنصر نائب لرقم الشريحة 5">
-            <a:extLst>
-              <a:ext uri="{FF2B5EF4-FFF2-40B4-BE49-F238E27FC236}">
-                <a16:creationId xmlns:a16="http://schemas.microsoft.com/office/drawing/2014/main" id="{2851FDCB-707D-01E8-1459-B53FEC21DE66}"/>
-              </a:ext>
-            </a:extLst>
-          </p:cNvPr>
+          <p:cNvPr id="6" name="Slide Number Placeholder 5"/>
           <p:cNvSpPr>
             <a:spLocks noGrp="1"/>
           </p:cNvSpPr>
@@ -732,7 +3264,7 @@
     </p:spTree>
     <p:extLst>
       <p:ext uri="{BB962C8B-B14F-4D97-AF65-F5344CB8AC3E}">
-        <p14:creationId xmlns:p14="http://schemas.microsoft.com/office/powerpoint/2010/main" val="2022633126"/>
+        <p14:creationId xmlns:p14="http://schemas.microsoft.com/office/powerpoint/2010/main" val="3113101446"/>
       </p:ext>
     </p:extLst>
   </p:cSld>
@@ -761,13 +3293,7 @@
       </p:grpSpPr>
       <p:sp>
         <p:nvSpPr>
-          <p:cNvPr id="2" name="عنوان 1">
-            <a:extLst>
-              <a:ext uri="{FF2B5EF4-FFF2-40B4-BE49-F238E27FC236}">
-                <a16:creationId xmlns:a16="http://schemas.microsoft.com/office/drawing/2014/main" id="{33215143-C35D-761D-0485-656550D87DC2}"/>
-              </a:ext>
-            </a:extLst>
-          </p:cNvPr>
+          <p:cNvPr id="2" name="Title 1"/>
           <p:cNvSpPr>
             <a:spLocks noGrp="1"/>
           </p:cNvSpPr>
@@ -784,19 +3310,13 @@
               <a:rPr lang="ar-SA"/>
               <a:t>انقر لتحرير نمط عنوان الشكل الرئيسي</a:t>
             </a:r>
-            <a:endParaRPr lang="ar-YE"/>
-          </a:p>
-        </p:txBody>
-      </p:sp>
-      <p:sp>
-        <p:nvSpPr>
-          <p:cNvPr id="3" name="عنصر نائب للمحتوى 2">
-            <a:extLst>
-              <a:ext uri="{FF2B5EF4-FFF2-40B4-BE49-F238E27FC236}">
-                <a16:creationId xmlns:a16="http://schemas.microsoft.com/office/drawing/2014/main" id="{1D297F73-FB73-8CC2-E4FB-9D8321B09489}"/>
-              </a:ext>
-            </a:extLst>
-          </p:cNvPr>
+            <a:endParaRPr lang="en-US" dirty="0"/>
+          </a:p>
+        </p:txBody>
+      </p:sp>
+      <p:sp>
+        <p:nvSpPr>
+          <p:cNvPr id="3" name="Content Placeholder 2"/>
           <p:cNvSpPr>
             <a:spLocks noGrp="1"/>
           </p:cNvSpPr>
@@ -842,19 +3362,13 @@
               <a:rPr lang="ar-SA"/>
               <a:t>المستوى الخامس</a:t>
             </a:r>
-            <a:endParaRPr lang="ar-YE"/>
-          </a:p>
-        </p:txBody>
-      </p:sp>
-      <p:sp>
-        <p:nvSpPr>
-          <p:cNvPr id="4" name="عنصر نائب للتاريخ 3">
-            <a:extLst>
-              <a:ext uri="{FF2B5EF4-FFF2-40B4-BE49-F238E27FC236}">
-                <a16:creationId xmlns:a16="http://schemas.microsoft.com/office/drawing/2014/main" id="{5DEB7C60-26AA-9D9F-3DB4-782627BBD2A4}"/>
-              </a:ext>
-            </a:extLst>
-          </p:cNvPr>
+            <a:endParaRPr lang="en-US" dirty="0"/>
+          </a:p>
+        </p:txBody>
+      </p:sp>
+      <p:sp>
+        <p:nvSpPr>
+          <p:cNvPr id="7" name="Date Placeholder 3"/>
           <p:cNvSpPr>
             <a:spLocks noGrp="1"/>
           </p:cNvSpPr>
@@ -877,13 +3391,7 @@
       </p:sp>
       <p:sp>
         <p:nvSpPr>
-          <p:cNvPr id="5" name="عنصر نائب للتذييل 4">
-            <a:extLst>
-              <a:ext uri="{FF2B5EF4-FFF2-40B4-BE49-F238E27FC236}">
-                <a16:creationId xmlns:a16="http://schemas.microsoft.com/office/drawing/2014/main" id="{1615D872-22A7-771D-ADE0-B03E2540EF17}"/>
-              </a:ext>
-            </a:extLst>
-          </p:cNvPr>
+          <p:cNvPr id="5" name="Footer Placeholder 4"/>
           <p:cNvSpPr>
             <a:spLocks noGrp="1"/>
           </p:cNvSpPr>
@@ -902,13 +3410,7 @@
       </p:sp>
       <p:sp>
         <p:nvSpPr>
-          <p:cNvPr id="6" name="عنصر نائب لرقم الشريحة 5">
-            <a:extLst>
-              <a:ext uri="{FF2B5EF4-FFF2-40B4-BE49-F238E27FC236}">
-                <a16:creationId xmlns:a16="http://schemas.microsoft.com/office/drawing/2014/main" id="{8BBA79A5-018C-CBEF-5BAC-13796B76391C}"/>
-              </a:ext>
-            </a:extLst>
-          </p:cNvPr>
+          <p:cNvPr id="6" name="Slide Number Placeholder 5"/>
           <p:cNvSpPr>
             <a:spLocks noGrp="1"/>
           </p:cNvSpPr>
@@ -932,7 +3434,7 @@
     </p:spTree>
     <p:extLst>
       <p:ext uri="{BB962C8B-B14F-4D97-AF65-F5344CB8AC3E}">
-        <p14:creationId xmlns:p14="http://schemas.microsoft.com/office/powerpoint/2010/main" val="2632518200"/>
+        <p14:creationId xmlns:p14="http://schemas.microsoft.com/office/powerpoint/2010/main" val="3756825536"/>
       </p:ext>
     </p:extLst>
   </p:cSld>
@@ -961,13 +3463,7 @@
       </p:grpSpPr>
       <p:sp>
         <p:nvSpPr>
-          <p:cNvPr id="2" name="عنوان 1">
-            <a:extLst>
-              <a:ext uri="{FF2B5EF4-FFF2-40B4-BE49-F238E27FC236}">
-                <a16:creationId xmlns:a16="http://schemas.microsoft.com/office/drawing/2014/main" id="{6F447DDA-88D6-E072-7F63-48DEB789BC54}"/>
-              </a:ext>
-            </a:extLst>
-          </p:cNvPr>
+          <p:cNvPr id="2" name="Title 1"/>
           <p:cNvSpPr>
             <a:spLocks noGrp="1"/>
           </p:cNvSpPr>
@@ -977,15 +3473,15 @@
         </p:nvSpPr>
         <p:spPr>
           <a:xfrm>
-            <a:off x="831850" y="1709738"/>
-            <a:ext cx="10515600" cy="2852737"/>
+            <a:off x="1154956" y="2861733"/>
+            <a:ext cx="8825657" cy="1915647"/>
           </a:xfrm>
         </p:spPr>
         <p:txBody>
           <a:bodyPr anchor="b"/>
           <a:lstStyle>
-            <a:lvl1pPr>
-              <a:defRPr sz="6000"/>
+            <a:lvl1pPr algn="l">
+              <a:defRPr sz="4000" b="0" cap="none"/>
             </a:lvl1pPr>
           </a:lstStyle>
           <a:p>
@@ -993,19 +3489,13 @@
               <a:rPr lang="ar-SA"/>
               <a:t>انقر لتحرير نمط عنوان الشكل الرئيسي</a:t>
             </a:r>
-            <a:endParaRPr lang="ar-YE"/>
-          </a:p>
-        </p:txBody>
-      </p:sp>
-      <p:sp>
-        <p:nvSpPr>
-          <p:cNvPr id="3" name="عنصر نائب للنص 2">
-            <a:extLst>
-              <a:ext uri="{FF2B5EF4-FFF2-40B4-BE49-F238E27FC236}">
-                <a16:creationId xmlns:a16="http://schemas.microsoft.com/office/drawing/2014/main" id="{C7E596FF-81FF-2E7C-380B-AB1567457482}"/>
-              </a:ext>
-            </a:extLst>
-          </p:cNvPr>
+            <a:endParaRPr lang="en-US" dirty="0"/>
+          </a:p>
+        </p:txBody>
+      </p:sp>
+      <p:sp>
+        <p:nvSpPr>
+          <p:cNvPr id="3" name="Text Placeholder 2"/>
           <p:cNvSpPr>
             <a:spLocks noGrp="1"/>
           </p:cNvSpPr>
@@ -1015,99 +3505,100 @@
         </p:nvSpPr>
         <p:spPr>
           <a:xfrm>
-            <a:off x="831850" y="4589463"/>
-            <a:ext cx="10515600" cy="1500187"/>
+            <a:off x="1154955" y="4777381"/>
+            <a:ext cx="8825658" cy="860400"/>
           </a:xfrm>
         </p:spPr>
         <p:txBody>
-          <a:bodyPr/>
+          <a:bodyPr anchor="t"/>
           <a:lstStyle>
-            <a:lvl1pPr marL="0" indent="0">
-              <a:buNone/>
-              <a:defRPr sz="2400">
+            <a:lvl1pPr marL="0" indent="0" algn="l">
+              <a:buNone/>
+              <a:defRPr sz="2000" cap="all">
                 <a:solidFill>
-                  <a:schemeClr val="tx1">
-                    <a:tint val="82000"/>
+                  <a:schemeClr val="bg2">
+                    <a:lumMod val="40000"/>
+                    <a:lumOff val="60000"/>
                   </a:schemeClr>
                 </a:solidFill>
               </a:defRPr>
             </a:lvl1pPr>
             <a:lvl2pPr marL="457200" indent="0">
               <a:buNone/>
-              <a:defRPr sz="2000">
+              <a:defRPr sz="1800">
                 <a:solidFill>
                   <a:schemeClr val="tx1">
-                    <a:tint val="82000"/>
+                    <a:tint val="75000"/>
                   </a:schemeClr>
                 </a:solidFill>
               </a:defRPr>
             </a:lvl2pPr>
             <a:lvl3pPr marL="914400" indent="0">
               <a:buNone/>
-              <a:defRPr sz="1800">
+              <a:defRPr sz="1600">
                 <a:solidFill>
                   <a:schemeClr val="tx1">
-                    <a:tint val="82000"/>
+                    <a:tint val="75000"/>
                   </a:schemeClr>
                 </a:solidFill>
               </a:defRPr>
             </a:lvl3pPr>
             <a:lvl4pPr marL="1371600" indent="0">
               <a:buNone/>
-              <a:defRPr sz="1600">
+              <a:defRPr sz="1400">
                 <a:solidFill>
                   <a:schemeClr val="tx1">
-                    <a:tint val="82000"/>
+                    <a:tint val="75000"/>
                   </a:schemeClr>
                 </a:solidFill>
               </a:defRPr>
             </a:lvl4pPr>
             <a:lvl5pPr marL="1828800" indent="0">
               <a:buNone/>
-              <a:defRPr sz="1600">
+              <a:defRPr sz="1400">
                 <a:solidFill>
                   <a:schemeClr val="tx1">
-                    <a:tint val="82000"/>
+                    <a:tint val="75000"/>
                   </a:schemeClr>
                 </a:solidFill>
               </a:defRPr>
             </a:lvl5pPr>
             <a:lvl6pPr marL="2286000" indent="0">
               <a:buNone/>
-              <a:defRPr sz="1600">
+              <a:defRPr sz="1400">
                 <a:solidFill>
                   <a:schemeClr val="tx1">
-                    <a:tint val="82000"/>
+                    <a:tint val="75000"/>
                   </a:schemeClr>
                 </a:solidFill>
               </a:defRPr>
             </a:lvl6pPr>
             <a:lvl7pPr marL="2743200" indent="0">
               <a:buNone/>
-              <a:defRPr sz="1600">
+              <a:defRPr sz="1400">
                 <a:solidFill>
                   <a:schemeClr val="tx1">
-                    <a:tint val="82000"/>
+                    <a:tint val="75000"/>
                   </a:schemeClr>
                 </a:solidFill>
               </a:defRPr>
             </a:lvl7pPr>
             <a:lvl8pPr marL="3200400" indent="0">
               <a:buNone/>
-              <a:defRPr sz="1600">
+              <a:defRPr sz="1400">
                 <a:solidFill>
                   <a:schemeClr val="tx1">
-                    <a:tint val="82000"/>
+                    <a:tint val="75000"/>
                   </a:schemeClr>
                 </a:solidFill>
               </a:defRPr>
             </a:lvl8pPr>
             <a:lvl9pPr marL="3657600" indent="0">
               <a:buNone/>
-              <a:defRPr sz="1600">
+              <a:defRPr sz="1400">
                 <a:solidFill>
                   <a:schemeClr val="tx1">
-                    <a:tint val="82000"/>
+                    <a:tint val="75000"/>
                   </a:schemeClr>
                 </a:solidFill>
               </a:defRPr>
@@ -1124,13 +3615,7 @@
       </p:sp>
       <p:sp>
         <p:nvSpPr>
-          <p:cNvPr id="4" name="عنصر نائب للتاريخ 3">
-            <a:extLst>
-              <a:ext uri="{FF2B5EF4-FFF2-40B4-BE49-F238E27FC236}">
-                <a16:creationId xmlns:a16="http://schemas.microsoft.com/office/drawing/2014/main" id="{38E51552-FF11-48DC-9125-3D21E3EEADE7}"/>
-              </a:ext>
-            </a:extLst>
-          </p:cNvPr>
+          <p:cNvPr id="4" name="Date Placeholder 3"/>
           <p:cNvSpPr>
             <a:spLocks noGrp="1"/>
           </p:cNvSpPr>
@@ -1153,13 +3638,7 @@
       </p:sp>
       <p:sp>
         <p:nvSpPr>
-          <p:cNvPr id="5" name="عنصر نائب للتذييل 4">
-            <a:extLst>
-              <a:ext uri="{FF2B5EF4-FFF2-40B4-BE49-F238E27FC236}">
-                <a16:creationId xmlns:a16="http://schemas.microsoft.com/office/drawing/2014/main" id="{EE9C6E50-7B5D-3C1C-7FFA-CB43CFD38F62}"/>
-              </a:ext>
-            </a:extLst>
-          </p:cNvPr>
+          <p:cNvPr id="5" name="Footer Placeholder 4"/>
           <p:cNvSpPr>
             <a:spLocks noGrp="1"/>
           </p:cNvSpPr>
@@ -1178,13 +3657,7 @@
       </p:sp>
       <p:sp>
         <p:nvSpPr>
-          <p:cNvPr id="6" name="عنصر نائب لرقم الشريحة 5">
-            <a:extLst>
-              <a:ext uri="{FF2B5EF4-FFF2-40B4-BE49-F238E27FC236}">
-                <a16:creationId xmlns:a16="http://schemas.microsoft.com/office/drawing/2014/main" id="{B1D534B3-86B0-E165-020A-20C454B4A8D8}"/>
-              </a:ext>
-            </a:extLst>
-          </p:cNvPr>
+          <p:cNvPr id="6" name="Slide Number Placeholder 5"/>
           <p:cNvSpPr>
             <a:spLocks noGrp="1"/>
           </p:cNvSpPr>
@@ -1208,7 +3681,7 @@
     </p:spTree>
     <p:extLst>
       <p:ext uri="{BB962C8B-B14F-4D97-AF65-F5344CB8AC3E}">
-        <p14:creationId xmlns:p14="http://schemas.microsoft.com/office/powerpoint/2010/main" val="2131414332"/>
+        <p14:creationId xmlns:p14="http://schemas.microsoft.com/office/powerpoint/2010/main" val="3809481191"/>
       </p:ext>
     </p:extLst>
   </p:cSld>
@@ -1237,13 +3710,7 @@
       </p:grpSpPr>
       <p:sp>
         <p:nvSpPr>
-          <p:cNvPr id="2" name="عنوان 1">
-            <a:extLst>
-              <a:ext uri="{FF2B5EF4-FFF2-40B4-BE49-F238E27FC236}">
-                <a16:creationId xmlns:a16="http://schemas.microsoft.com/office/drawing/2014/main" id="{E8EB0E51-B7B0-3AE0-A957-F7466E9A4CE3}"/>
-              </a:ext>
-            </a:extLst>
-          </p:cNvPr>
+          <p:cNvPr id="2" name="Title 1"/>
           <p:cNvSpPr>
             <a:spLocks noGrp="1"/>
           </p:cNvSpPr>
@@ -1260,19 +3727,13 @@
               <a:rPr lang="ar-SA"/>
               <a:t>انقر لتحرير نمط عنوان الشكل الرئيسي</a:t>
             </a:r>
-            <a:endParaRPr lang="ar-YE"/>
-          </a:p>
-        </p:txBody>
-      </p:sp>
-      <p:sp>
-        <p:nvSpPr>
-          <p:cNvPr id="3" name="عنصر نائب للمحتوى 2">
-            <a:extLst>
-              <a:ext uri="{FF2B5EF4-FFF2-40B4-BE49-F238E27FC236}">
-                <a16:creationId xmlns:a16="http://schemas.microsoft.com/office/drawing/2014/main" id="{DEABD23C-6068-4CAC-1A36-AC53151ACED1}"/>
-              </a:ext>
-            </a:extLst>
-          </p:cNvPr>
+            <a:endParaRPr lang="en-US" dirty="0"/>
+          </a:p>
+        </p:txBody>
+      </p:sp>
+      <p:sp>
+        <p:nvSpPr>
+          <p:cNvPr id="3" name="Content Placeholder 2"/>
           <p:cNvSpPr>
             <a:spLocks noGrp="1"/>
           </p:cNvSpPr>
@@ -1282,13 +3743,43 @@
         </p:nvSpPr>
         <p:spPr>
           <a:xfrm>
-            <a:off x="838200" y="1825625"/>
-            <a:ext cx="5181600" cy="4351338"/>
+            <a:off x="1103312" y="2060575"/>
+            <a:ext cx="4396339" cy="4195763"/>
           </a:xfrm>
         </p:spPr>
         <p:txBody>
-          <a:bodyPr/>
-          <a:lstStyle/>
+          <a:bodyPr>
+            <a:normAutofit/>
+          </a:bodyPr>
+          <a:lstStyle>
+            <a:lvl1pPr>
+              <a:defRPr sz="1800"/>
+            </a:lvl1pPr>
+            <a:lvl2pPr>
+              <a:defRPr sz="1600"/>
+            </a:lvl2pPr>
+            <a:lvl3pPr>
+              <a:defRPr sz="1400"/>
+            </a:lvl3pPr>
+            <a:lvl4pPr>
+              <a:defRPr sz="1200"/>
+            </a:lvl4pPr>
+            <a:lvl5pPr>
+              <a:defRPr sz="1200"/>
+            </a:lvl5pPr>
+            <a:lvl6pPr>
+              <a:defRPr sz="1200"/>
+            </a:lvl6pPr>
+            <a:lvl7pPr>
+              <a:defRPr sz="1200"/>
+            </a:lvl7pPr>
+            <a:lvl8pPr>
+              <a:defRPr sz="1200"/>
+            </a:lvl8pPr>
+            <a:lvl9pPr>
+              <a:defRPr sz="1200"/>
+            </a:lvl9pPr>
+          </a:lstStyle>
           <a:p>
             <a:pPr lvl="0"/>
             <a:r>
@@ -1323,19 +3814,13 @@
               <a:rPr lang="ar-SA"/>
               <a:t>المستوى الخامس</a:t>
             </a:r>
-            <a:endParaRPr lang="ar-YE"/>
-          </a:p>
-        </p:txBody>
-      </p:sp>
-      <p:sp>
-        <p:nvSpPr>
-          <p:cNvPr id="4" name="عنصر نائب للمحتوى 3">
-            <a:extLst>
-              <a:ext uri="{FF2B5EF4-FFF2-40B4-BE49-F238E27FC236}">
-                <a16:creationId xmlns:a16="http://schemas.microsoft.com/office/drawing/2014/main" id="{53A77492-3841-138D-D41A-27FF9870FCA9}"/>
-              </a:ext>
-            </a:extLst>
-          </p:cNvPr>
+            <a:endParaRPr lang="en-US" dirty="0"/>
+          </a:p>
+        </p:txBody>
+      </p:sp>
+      <p:sp>
+        <p:nvSpPr>
+          <p:cNvPr id="4" name="Content Placeholder 3"/>
           <p:cNvSpPr>
             <a:spLocks noGrp="1"/>
           </p:cNvSpPr>
@@ -1345,13 +3830,43 @@
         </p:nvSpPr>
         <p:spPr>
           <a:xfrm>
-            <a:off x="6172200" y="1825625"/>
-            <a:ext cx="5181600" cy="4351338"/>
+            <a:off x="5654493" y="2056092"/>
+            <a:ext cx="4396341" cy="4200245"/>
           </a:xfrm>
         </p:spPr>
         <p:txBody>
-          <a:bodyPr/>
-          <a:lstStyle/>
+          <a:bodyPr>
+            <a:normAutofit/>
+          </a:bodyPr>
+          <a:lstStyle>
+            <a:lvl1pPr>
+              <a:defRPr sz="1800"/>
+            </a:lvl1pPr>
+            <a:lvl2pPr>
+              <a:defRPr sz="1600"/>
+            </a:lvl2pPr>
+            <a:lvl3pPr>
+              <a:defRPr sz="1400"/>
+            </a:lvl3pPr>
+            <a:lvl4pPr>
+              <a:defRPr sz="1200"/>
+            </a:lvl4pPr>
+            <a:lvl5pPr>
+              <a:defRPr sz="1200"/>
+            </a:lvl5pPr>
+            <a:lvl6pPr>
+              <a:defRPr sz="1200"/>
+            </a:lvl6pPr>
+            <a:lvl7pPr>
+              <a:defRPr sz="1200"/>
+            </a:lvl7pPr>
+            <a:lvl8pPr>
+              <a:defRPr sz="1200"/>
+            </a:lvl8pPr>
+            <a:lvl9pPr>
+              <a:defRPr sz="1200"/>
+            </a:lvl9pPr>
+          </a:lstStyle>
           <a:p>
             <a:pPr lvl="0"/>
             <a:r>
@@ -1386,19 +3901,13 @@
               <a:rPr lang="ar-SA"/>
               <a:t>المستوى الخامس</a:t>
             </a:r>
-            <a:endParaRPr lang="ar-YE"/>
-          </a:p>
-        </p:txBody>
-      </p:sp>
-      <p:sp>
-        <p:nvSpPr>
-          <p:cNvPr id="5" name="عنصر نائب للتاريخ 4">
-            <a:extLst>
-              <a:ext uri="{FF2B5EF4-FFF2-40B4-BE49-F238E27FC236}">
-                <a16:creationId xmlns:a16="http://schemas.microsoft.com/office/drawing/2014/main" id="{9090F071-0274-2AE3-CF79-162F1B347DCA}"/>
-              </a:ext>
-            </a:extLst>
-          </p:cNvPr>
+            <a:endParaRPr lang="en-US" dirty="0"/>
+          </a:p>
+        </p:txBody>
+      </p:sp>
+      <p:sp>
+        <p:nvSpPr>
+          <p:cNvPr id="5" name="Date Placeholder 4"/>
           <p:cNvSpPr>
             <a:spLocks noGrp="1"/>
           </p:cNvSpPr>
@@ -1421,13 +3930,7 @@
       </p:sp>
       <p:sp>
         <p:nvSpPr>
-          <p:cNvPr id="6" name="عنصر نائب للتذييل 5">
-            <a:extLst>
-              <a:ext uri="{FF2B5EF4-FFF2-40B4-BE49-F238E27FC236}">
-                <a16:creationId xmlns:a16="http://schemas.microsoft.com/office/drawing/2014/main" id="{CCCB3C99-1109-B4A6-717C-184E72B5C38F}"/>
-              </a:ext>
-            </a:extLst>
-          </p:cNvPr>
+          <p:cNvPr id="6" name="Footer Placeholder 5"/>
           <p:cNvSpPr>
             <a:spLocks noGrp="1"/>
           </p:cNvSpPr>
@@ -1446,13 +3949,7 @@
       </p:sp>
       <p:sp>
         <p:nvSpPr>
-          <p:cNvPr id="7" name="عنصر نائب لرقم الشريحة 6">
-            <a:extLst>
-              <a:ext uri="{FF2B5EF4-FFF2-40B4-BE49-F238E27FC236}">
-                <a16:creationId xmlns:a16="http://schemas.microsoft.com/office/drawing/2014/main" id="{1D601581-CF84-71E6-694C-89254C1CD0DD}"/>
-              </a:ext>
-            </a:extLst>
-          </p:cNvPr>
+          <p:cNvPr id="7" name="Slide Number Placeholder 6"/>
           <p:cNvSpPr>
             <a:spLocks noGrp="1"/>
           </p:cNvSpPr>
@@ -1476,7 +3973,7 @@
     </p:spTree>
     <p:extLst>
       <p:ext uri="{BB962C8B-B14F-4D97-AF65-F5344CB8AC3E}">
-        <p14:creationId xmlns:p14="http://schemas.microsoft.com/office/powerpoint/2010/main" val="1357626518"/>
+        <p14:creationId xmlns:p14="http://schemas.microsoft.com/office/powerpoint/2010/main" val="2468021887"/>
       </p:ext>
     </p:extLst>
   </p:cSld>
@@ -1505,66 +4002,62 @@
       </p:grpSpPr>
       <p:sp>
         <p:nvSpPr>
-          <p:cNvPr id="2" name="عنوان 1">
-            <a:extLst>
-              <a:ext uri="{FF2B5EF4-FFF2-40B4-BE49-F238E27FC236}">
-                <a16:creationId xmlns:a16="http://schemas.microsoft.com/office/drawing/2014/main" id="{C8EA3ACE-BDE2-6AD1-1859-332112DF2661}"/>
-              </a:ext>
-            </a:extLst>
-          </p:cNvPr>
+          <p:cNvPr id="2" name="Title 1"/>
           <p:cNvSpPr>
             <a:spLocks noGrp="1"/>
           </p:cNvSpPr>
           <p:nvPr>
             <p:ph type="title"/>
+          </p:nvPr>
+        </p:nvSpPr>
+        <p:spPr/>
+        <p:txBody>
+          <a:bodyPr/>
+          <a:lstStyle>
+            <a:lvl1pPr>
+              <a:defRPr/>
+            </a:lvl1pPr>
+          </a:lstStyle>
+          <a:p>
+            <a:r>
+              <a:rPr lang="ar-SA"/>
+              <a:t>انقر لتحرير نمط عنوان الشكل الرئيسي</a:t>
+            </a:r>
+            <a:endParaRPr lang="en-US" dirty="0"/>
+          </a:p>
+        </p:txBody>
+      </p:sp>
+      <p:sp>
+        <p:nvSpPr>
+          <p:cNvPr id="3" name="Text Placeholder 2"/>
+          <p:cNvSpPr>
+            <a:spLocks noGrp="1"/>
+          </p:cNvSpPr>
+          <p:nvPr>
+            <p:ph type="body" idx="1"/>
           </p:nvPr>
         </p:nvSpPr>
         <p:spPr>
           <a:xfrm>
-            <a:off x="839788" y="365125"/>
-            <a:ext cx="10515600" cy="1325563"/>
+            <a:off x="1103313" y="1905000"/>
+            <a:ext cx="4396338" cy="576262"/>
           </a:xfrm>
         </p:spPr>
         <p:txBody>
-          <a:bodyPr/>
-          <a:lstStyle/>
-          <a:p>
-            <a:r>
-              <a:rPr lang="ar-SA"/>
-              <a:t>انقر لتحرير نمط عنوان الشكل الرئيسي</a:t>
-            </a:r>
-            <a:endParaRPr lang="ar-YE"/>
-          </a:p>
-        </p:txBody>
-      </p:sp>
-      <p:sp>
-        <p:nvSpPr>
-          <p:cNvPr id="3" name="عنصر نائب للنص 2">
-            <a:extLst>
-              <a:ext uri="{FF2B5EF4-FFF2-40B4-BE49-F238E27FC236}">
-                <a16:creationId xmlns:a16="http://schemas.microsoft.com/office/drawing/2014/main" id="{0D0A4184-1B1B-D1E6-6AC2-154D97C4D1D9}"/>
-              </a:ext>
-            </a:extLst>
-          </p:cNvPr>
-          <p:cNvSpPr>
-            <a:spLocks noGrp="1"/>
-          </p:cNvSpPr>
-          <p:nvPr>
-            <p:ph type="body" idx="1"/>
-          </p:nvPr>
-        </p:nvSpPr>
-        <p:spPr>
-          <a:xfrm>
-            <a:off x="839788" y="1681163"/>
-            <a:ext cx="5157787" cy="823912"/>
-          </a:xfrm>
-        </p:spPr>
-        <p:txBody>
-          <a:bodyPr anchor="b"/>
+          <a:bodyPr anchor="b">
+            <a:noAutofit/>
+          </a:bodyPr>
           <a:lstStyle>
             <a:lvl1pPr marL="0" indent="0">
               <a:buNone/>
-              <a:defRPr sz="2400" b="1"/>
+              <a:defRPr sz="2400" b="0">
+                <a:solidFill>
+                  <a:schemeClr val="bg2">
+                    <a:lumMod val="40000"/>
+                    <a:lumOff val="60000"/>
+                  </a:schemeClr>
+                </a:solidFill>
+              </a:defRPr>
             </a:lvl1pPr>
             <a:lvl2pPr marL="457200" indent="0">
               <a:buNone/>
@@ -1610,13 +4103,7 @@
       </p:sp>
       <p:sp>
         <p:nvSpPr>
-          <p:cNvPr id="4" name="عنصر نائب للمحتوى 3">
-            <a:extLst>
-              <a:ext uri="{FF2B5EF4-FFF2-40B4-BE49-F238E27FC236}">
-                <a16:creationId xmlns:a16="http://schemas.microsoft.com/office/drawing/2014/main" id="{88191D46-8250-E231-1F78-4A8311953172}"/>
-              </a:ext>
-            </a:extLst>
-          </p:cNvPr>
+          <p:cNvPr id="4" name="Content Placeholder 3"/>
           <p:cNvSpPr>
             <a:spLocks noGrp="1"/>
           </p:cNvSpPr>
@@ -1626,13 +4113,43 @@
         </p:nvSpPr>
         <p:spPr>
           <a:xfrm>
-            <a:off x="839788" y="2505075"/>
-            <a:ext cx="5157787" cy="3684588"/>
+            <a:off x="1103312" y="2514600"/>
+            <a:ext cx="4396339" cy="3741738"/>
           </a:xfrm>
         </p:spPr>
         <p:txBody>
-          <a:bodyPr/>
-          <a:lstStyle/>
+          <a:bodyPr>
+            <a:normAutofit/>
+          </a:bodyPr>
+          <a:lstStyle>
+            <a:lvl1pPr>
+              <a:defRPr sz="1800"/>
+            </a:lvl1pPr>
+            <a:lvl2pPr>
+              <a:defRPr sz="1600"/>
+            </a:lvl2pPr>
+            <a:lvl3pPr>
+              <a:defRPr sz="1400"/>
+            </a:lvl3pPr>
+            <a:lvl4pPr>
+              <a:defRPr sz="1200"/>
+            </a:lvl4pPr>
+            <a:lvl5pPr>
+              <a:defRPr sz="1200"/>
+            </a:lvl5pPr>
+            <a:lvl6pPr>
+              <a:defRPr sz="1200"/>
+            </a:lvl6pPr>
+            <a:lvl7pPr>
+              <a:defRPr sz="1200"/>
+            </a:lvl7pPr>
+            <a:lvl8pPr>
+              <a:defRPr sz="1200"/>
+            </a:lvl8pPr>
+            <a:lvl9pPr>
+              <a:defRPr sz="1200"/>
+            </a:lvl9pPr>
+          </a:lstStyle>
           <a:p>
             <a:pPr lvl="0"/>
             <a:r>
@@ -1667,19 +4184,13 @@
               <a:rPr lang="ar-SA"/>
               <a:t>المستوى الخامس</a:t>
             </a:r>
-            <a:endParaRPr lang="ar-YE"/>
-          </a:p>
-        </p:txBody>
-      </p:sp>
-      <p:sp>
-        <p:nvSpPr>
-          <p:cNvPr id="5" name="عنصر نائب للنص 4">
-            <a:extLst>
-              <a:ext uri="{FF2B5EF4-FFF2-40B4-BE49-F238E27FC236}">
-                <a16:creationId xmlns:a16="http://schemas.microsoft.com/office/drawing/2014/main" id="{01C0224C-598C-57DB-E044-B013B1480185}"/>
-              </a:ext>
-            </a:extLst>
-          </p:cNvPr>
+            <a:endParaRPr lang="en-US" dirty="0"/>
+          </a:p>
+        </p:txBody>
+      </p:sp>
+      <p:sp>
+        <p:nvSpPr>
+          <p:cNvPr id="5" name="Text Placeholder 4"/>
           <p:cNvSpPr>
             <a:spLocks noGrp="1"/>
           </p:cNvSpPr>
@@ -1689,16 +4200,25 @@
         </p:nvSpPr>
         <p:spPr>
           <a:xfrm>
-            <a:off x="6172200" y="1681163"/>
-            <a:ext cx="5183188" cy="823912"/>
+            <a:off x="5654495" y="1905000"/>
+            <a:ext cx="4396339" cy="576262"/>
           </a:xfrm>
         </p:spPr>
         <p:txBody>
-          <a:bodyPr anchor="b"/>
+          <a:bodyPr anchor="b">
+            <a:noAutofit/>
+          </a:bodyPr>
           <a:lstStyle>
             <a:lvl1pPr marL="0" indent="0">
               <a:buNone/>
-              <a:defRPr sz="2400" b="1"/>
+              <a:defRPr sz="2400" b="0">
+                <a:solidFill>
+                  <a:schemeClr val="bg2">
+                    <a:lumMod val="40000"/>
+                    <a:lumOff val="60000"/>
+                  </a:schemeClr>
+                </a:solidFill>
+              </a:defRPr>
             </a:lvl1pPr>
             <a:lvl2pPr marL="457200" indent="0">
               <a:buNone/>
@@ -1744,13 +4264,7 @@
       </p:sp>
       <p:sp>
         <p:nvSpPr>
-          <p:cNvPr id="6" name="عنصر نائب للمحتوى 5">
-            <a:extLst>
-              <a:ext uri="{FF2B5EF4-FFF2-40B4-BE49-F238E27FC236}">
-                <a16:creationId xmlns:a16="http://schemas.microsoft.com/office/drawing/2014/main" id="{BE4A7846-539B-E44D-1E03-7502C44EACCB}"/>
-              </a:ext>
-            </a:extLst>
-          </p:cNvPr>
+          <p:cNvPr id="6" name="Content Placeholder 5"/>
           <p:cNvSpPr>
             <a:spLocks noGrp="1"/>
           </p:cNvSpPr>
@@ -1760,13 +4274,43 @@
         </p:nvSpPr>
         <p:spPr>
           <a:xfrm>
-            <a:off x="6172200" y="2505075"/>
-            <a:ext cx="5183188" cy="3684588"/>
+            <a:off x="5654495" y="2514600"/>
+            <a:ext cx="4396339" cy="3741738"/>
           </a:xfrm>
         </p:spPr>
         <p:txBody>
-          <a:bodyPr/>
-          <a:lstStyle/>
+          <a:bodyPr>
+            <a:normAutofit/>
+          </a:bodyPr>
+          <a:lstStyle>
+            <a:lvl1pPr>
+              <a:defRPr sz="1800"/>
+            </a:lvl1pPr>
+            <a:lvl2pPr>
+              <a:defRPr sz="1600"/>
+            </a:lvl2pPr>
+            <a:lvl3pPr>
+              <a:defRPr sz="1400"/>
+            </a:lvl3pPr>
+            <a:lvl4pPr>
+              <a:defRPr sz="1200"/>
+            </a:lvl4pPr>
+            <a:lvl5pPr>
+              <a:defRPr sz="1200"/>
+            </a:lvl5pPr>
+            <a:lvl6pPr>
+              <a:defRPr sz="1200"/>
+            </a:lvl6pPr>
+            <a:lvl7pPr>
+              <a:defRPr sz="1200"/>
+            </a:lvl7pPr>
+            <a:lvl8pPr>
+              <a:defRPr sz="1200"/>
+            </a:lvl8pPr>
+            <a:lvl9pPr>
+              <a:defRPr sz="1200"/>
+            </a:lvl9pPr>
+          </a:lstStyle>
           <a:p>
             <a:pPr lvl="0"/>
             <a:r>
@@ -1801,19 +4345,13 @@
               <a:rPr lang="ar-SA"/>
               <a:t>المستوى الخامس</a:t>
             </a:r>
-            <a:endParaRPr lang="ar-YE"/>
-          </a:p>
-        </p:txBody>
-      </p:sp>
-      <p:sp>
-        <p:nvSpPr>
-          <p:cNvPr id="7" name="عنصر نائب للتاريخ 6">
-            <a:extLst>
-              <a:ext uri="{FF2B5EF4-FFF2-40B4-BE49-F238E27FC236}">
-                <a16:creationId xmlns:a16="http://schemas.microsoft.com/office/drawing/2014/main" id="{DA30725A-694F-A0C2-5AE9-528170382C47}"/>
-              </a:ext>
-            </a:extLst>
-          </p:cNvPr>
+            <a:endParaRPr lang="en-US" dirty="0"/>
+          </a:p>
+        </p:txBody>
+      </p:sp>
+      <p:sp>
+        <p:nvSpPr>
+          <p:cNvPr id="7" name="Date Placeholder 6"/>
           <p:cNvSpPr>
             <a:spLocks noGrp="1"/>
           </p:cNvSpPr>
@@ -1836,13 +4374,7 @@
       </p:sp>
       <p:sp>
         <p:nvSpPr>
-          <p:cNvPr id="8" name="عنصر نائب للتذييل 7">
-            <a:extLst>
-              <a:ext uri="{FF2B5EF4-FFF2-40B4-BE49-F238E27FC236}">
-                <a16:creationId xmlns:a16="http://schemas.microsoft.com/office/drawing/2014/main" id="{42B2851B-E820-7E6D-9AA6-76A57B1CB8F2}"/>
-              </a:ext>
-            </a:extLst>
-          </p:cNvPr>
+          <p:cNvPr id="8" name="Footer Placeholder 7"/>
           <p:cNvSpPr>
             <a:spLocks noGrp="1"/>
           </p:cNvSpPr>
@@ -1861,13 +4393,7 @@
       </p:sp>
       <p:sp>
         <p:nvSpPr>
-          <p:cNvPr id="9" name="عنصر نائب لرقم الشريحة 8">
-            <a:extLst>
-              <a:ext uri="{FF2B5EF4-FFF2-40B4-BE49-F238E27FC236}">
-                <a16:creationId xmlns:a16="http://schemas.microsoft.com/office/drawing/2014/main" id="{9F3005F5-4E07-D162-CC45-676B83E80094}"/>
-              </a:ext>
-            </a:extLst>
-          </p:cNvPr>
+          <p:cNvPr id="9" name="Slide Number Placeholder 8"/>
           <p:cNvSpPr>
             <a:spLocks noGrp="1"/>
           </p:cNvSpPr>
@@ -1891,7 +4417,7 @@
     </p:spTree>
     <p:extLst>
       <p:ext uri="{BB962C8B-B14F-4D97-AF65-F5344CB8AC3E}">
-        <p14:creationId xmlns:p14="http://schemas.microsoft.com/office/powerpoint/2010/main" val="677009455"/>
+        <p14:creationId xmlns:p14="http://schemas.microsoft.com/office/powerpoint/2010/main" val="2848050806"/>
       </p:ext>
     </p:extLst>
   </p:cSld>
@@ -1920,13 +4446,7 @@
       </p:grpSpPr>
       <p:sp>
         <p:nvSpPr>
-          <p:cNvPr id="2" name="عنوان 1">
-            <a:extLst>
-              <a:ext uri="{FF2B5EF4-FFF2-40B4-BE49-F238E27FC236}">
-                <a16:creationId xmlns:a16="http://schemas.microsoft.com/office/drawing/2014/main" id="{9A819041-A8C4-F9E7-D0F6-12FF32391592}"/>
-              </a:ext>
-            </a:extLst>
-          </p:cNvPr>
+          <p:cNvPr id="2" name="Title 1"/>
           <p:cNvSpPr>
             <a:spLocks noGrp="1"/>
           </p:cNvSpPr>
@@ -1943,19 +4463,13 @@
               <a:rPr lang="ar-SA"/>
               <a:t>انقر لتحرير نمط عنوان الشكل الرئيسي</a:t>
             </a:r>
-            <a:endParaRPr lang="ar-YE"/>
-          </a:p>
-        </p:txBody>
-      </p:sp>
-      <p:sp>
-        <p:nvSpPr>
-          <p:cNvPr id="3" name="عنصر نائب للتاريخ 2">
-            <a:extLst>
-              <a:ext uri="{FF2B5EF4-FFF2-40B4-BE49-F238E27FC236}">
-                <a16:creationId xmlns:a16="http://schemas.microsoft.com/office/drawing/2014/main" id="{E2399611-388E-19F1-6151-3C2AABD20BD0}"/>
-              </a:ext>
-            </a:extLst>
-          </p:cNvPr>
+            <a:endParaRPr lang="en-US" dirty="0"/>
+          </a:p>
+        </p:txBody>
+      </p:sp>
+      <p:sp>
+        <p:nvSpPr>
+          <p:cNvPr id="7" name="Date Placeholder 2"/>
           <p:cNvSpPr>
             <a:spLocks noGrp="1"/>
           </p:cNvSpPr>
@@ -1978,13 +4492,7 @@
       </p:sp>
       <p:sp>
         <p:nvSpPr>
-          <p:cNvPr id="4" name="عنصر نائب للتذييل 3">
-            <a:extLst>
-              <a:ext uri="{FF2B5EF4-FFF2-40B4-BE49-F238E27FC236}">
-                <a16:creationId xmlns:a16="http://schemas.microsoft.com/office/drawing/2014/main" id="{F06DE1FF-4229-458F-4C97-B1835CB2DF69}"/>
-              </a:ext>
-            </a:extLst>
-          </p:cNvPr>
+          <p:cNvPr id="5" name="Footer Placeholder 3"/>
           <p:cNvSpPr>
             <a:spLocks noGrp="1"/>
           </p:cNvSpPr>
@@ -2003,13 +4511,7 @@
       </p:sp>
       <p:sp>
         <p:nvSpPr>
-          <p:cNvPr id="5" name="عنصر نائب لرقم الشريحة 4">
-            <a:extLst>
-              <a:ext uri="{FF2B5EF4-FFF2-40B4-BE49-F238E27FC236}">
-                <a16:creationId xmlns:a16="http://schemas.microsoft.com/office/drawing/2014/main" id="{5712DBBD-0A9B-1841-DC39-A3FD5529B8EB}"/>
-              </a:ext>
-            </a:extLst>
-          </p:cNvPr>
+          <p:cNvPr id="6" name="Slide Number Placeholder 4"/>
           <p:cNvSpPr>
             <a:spLocks noGrp="1"/>
           </p:cNvSpPr>
@@ -2033,7 +4535,7 @@
     </p:spTree>
     <p:extLst>
       <p:ext uri="{BB962C8B-B14F-4D97-AF65-F5344CB8AC3E}">
-        <p14:creationId xmlns:p14="http://schemas.microsoft.com/office/powerpoint/2010/main" val="1369771619"/>
+        <p14:creationId xmlns:p14="http://schemas.microsoft.com/office/powerpoint/2010/main" val="3936935531"/>
       </p:ext>
     </p:extLst>
   </p:cSld>
@@ -2062,13 +4564,7 @@
       </p:grpSpPr>
       <p:sp>
         <p:nvSpPr>
-          <p:cNvPr id="2" name="عنصر نائب للتاريخ 1">
-            <a:extLst>
-              <a:ext uri="{FF2B5EF4-FFF2-40B4-BE49-F238E27FC236}">
-                <a16:creationId xmlns:a16="http://schemas.microsoft.com/office/drawing/2014/main" id="{AE535A62-DD40-C28B-521F-60589BC6BFD8}"/>
-              </a:ext>
-            </a:extLst>
-          </p:cNvPr>
+          <p:cNvPr id="7" name="Date Placeholder 1"/>
           <p:cNvSpPr>
             <a:spLocks noGrp="1"/>
           </p:cNvSpPr>
@@ -2091,13 +4587,7 @@
       </p:sp>
       <p:sp>
         <p:nvSpPr>
-          <p:cNvPr id="3" name="عنصر نائب للتذييل 2">
-            <a:extLst>
-              <a:ext uri="{FF2B5EF4-FFF2-40B4-BE49-F238E27FC236}">
-                <a16:creationId xmlns:a16="http://schemas.microsoft.com/office/drawing/2014/main" id="{06601F4F-B626-E375-836A-6ECFEF16D52C}"/>
-              </a:ext>
-            </a:extLst>
-          </p:cNvPr>
+          <p:cNvPr id="5" name="Footer Placeholder 2"/>
           <p:cNvSpPr>
             <a:spLocks noGrp="1"/>
           </p:cNvSpPr>
@@ -2116,13 +4606,7 @@
       </p:sp>
       <p:sp>
         <p:nvSpPr>
-          <p:cNvPr id="4" name="عنصر نائب لرقم الشريحة 3">
-            <a:extLst>
-              <a:ext uri="{FF2B5EF4-FFF2-40B4-BE49-F238E27FC236}">
-                <a16:creationId xmlns:a16="http://schemas.microsoft.com/office/drawing/2014/main" id="{CD48B8BD-EF12-674C-A1E2-9A9DD5F35D4A}"/>
-              </a:ext>
-            </a:extLst>
-          </p:cNvPr>
+          <p:cNvPr id="6" name="Slide Number Placeholder 3"/>
           <p:cNvSpPr>
             <a:spLocks noGrp="1"/>
           </p:cNvSpPr>
@@ -2146,7 +4630,7 @@
     </p:spTree>
     <p:extLst>
       <p:ext uri="{BB962C8B-B14F-4D97-AF65-F5344CB8AC3E}">
-        <p14:creationId xmlns:p14="http://schemas.microsoft.com/office/powerpoint/2010/main" val="2294078062"/>
+        <p14:creationId xmlns:p14="http://schemas.microsoft.com/office/powerpoint/2010/main" val="1457946229"/>
       </p:ext>
     </p:extLst>
   </p:cSld>
@@ -2175,13 +4659,7 @@
       </p:grpSpPr>
       <p:sp>
         <p:nvSpPr>
-          <p:cNvPr id="2" name="عنوان 1">
-            <a:extLst>
-              <a:ext uri="{FF2B5EF4-FFF2-40B4-BE49-F238E27FC236}">
-                <a16:creationId xmlns:a16="http://schemas.microsoft.com/office/drawing/2014/main" id="{09F070B8-BFE0-845B-7A3F-0B5F331D40F7}"/>
-              </a:ext>
-            </a:extLst>
-          </p:cNvPr>
+          <p:cNvPr id="2" name="Title 1"/>
           <p:cNvSpPr>
             <a:spLocks noGrp="1"/>
           </p:cNvSpPr>
@@ -2191,15 +4669,15 @@
         </p:nvSpPr>
         <p:spPr>
           <a:xfrm>
-            <a:off x="839788" y="457200"/>
-            <a:ext cx="3932237" cy="1600200"/>
+            <a:off x="1154953" y="1447800"/>
+            <a:ext cx="3401064" cy="1447800"/>
           </a:xfrm>
         </p:spPr>
         <p:txBody>
           <a:bodyPr anchor="b"/>
           <a:lstStyle>
-            <a:lvl1pPr>
-              <a:defRPr sz="3200"/>
+            <a:lvl1pPr algn="l">
+              <a:defRPr sz="2400" b="0"/>
             </a:lvl1pPr>
           </a:lstStyle>
           <a:p>
@@ -2207,19 +4685,13 @@
               <a:rPr lang="ar-SA"/>
               <a:t>انقر لتحرير نمط عنوان الشكل الرئيسي</a:t>
             </a:r>
-            <a:endParaRPr lang="ar-YE"/>
-          </a:p>
-        </p:txBody>
-      </p:sp>
-      <p:sp>
-        <p:nvSpPr>
-          <p:cNvPr id="3" name="عنصر نائب للمحتوى 2">
-            <a:extLst>
-              <a:ext uri="{FF2B5EF4-FFF2-40B4-BE49-F238E27FC236}">
-                <a16:creationId xmlns:a16="http://schemas.microsoft.com/office/drawing/2014/main" id="{DC10781C-1E20-12D8-583D-27E9389B4C64}"/>
-              </a:ext>
-            </a:extLst>
-          </p:cNvPr>
+            <a:endParaRPr lang="en-US" dirty="0"/>
+          </a:p>
+        </p:txBody>
+      </p:sp>
+      <p:sp>
+        <p:nvSpPr>
+          <p:cNvPr id="3" name="Content Placeholder 2"/>
           <p:cNvSpPr>
             <a:spLocks noGrp="1"/>
           </p:cNvSpPr>
@@ -2229,39 +4701,41 @@
         </p:nvSpPr>
         <p:spPr>
           <a:xfrm>
-            <a:off x="5183188" y="987425"/>
-            <a:ext cx="6172200" cy="4873625"/>
+            <a:off x="4784616" y="1447800"/>
+            <a:ext cx="5195997" cy="4572000"/>
           </a:xfrm>
         </p:spPr>
         <p:txBody>
-          <a:bodyPr/>
+          <a:bodyPr anchor="ctr">
+            <a:normAutofit/>
+          </a:bodyPr>
           <a:lstStyle>
             <a:lvl1pPr>
-              <a:defRPr sz="3200"/>
+              <a:defRPr sz="2000"/>
             </a:lvl1pPr>
             <a:lvl2pPr>
-              <a:defRPr sz="2800"/>
+              <a:defRPr sz="1800"/>
             </a:lvl2pPr>
             <a:lvl3pPr>
-              <a:defRPr sz="2400"/>
+              <a:defRPr sz="1600"/>
             </a:lvl3pPr>
             <a:lvl4pPr>
-              <a:defRPr sz="2000"/>
+              <a:defRPr sz="1400"/>
             </a:lvl4pPr>
             <a:lvl5pPr>
-              <a:defRPr sz="2000"/>
+              <a:defRPr sz="1400"/>
             </a:lvl5pPr>
             <a:lvl6pPr>
-              <a:defRPr sz="2000"/>
+              <a:defRPr sz="1400"/>
             </a:lvl6pPr>
             <a:lvl7pPr>
-              <a:defRPr sz="2000"/>
+              <a:defRPr sz="1400"/>
             </a:lvl7pPr>
             <a:lvl8pPr>
-              <a:defRPr sz="2000"/>
+              <a:defRPr sz="1400"/>
             </a:lvl8pPr>
             <a:lvl9pPr>
-              <a:defRPr sz="2000"/>
+              <a:defRPr sz="1400"/>
             </a:lvl9pPr>
           </a:lstStyle>
           <a:p>
@@ -2298,19 +4772,13 @@
               <a:rPr lang="ar-SA"/>
               <a:t>المستوى الخامس</a:t>
             </a:r>
-            <a:endParaRPr lang="ar-YE"/>
-          </a:p>
-        </p:txBody>
-      </p:sp>
-      <p:sp>
-        <p:nvSpPr>
-          <p:cNvPr id="4" name="عنصر نائب للنص 3">
-            <a:extLst>
-              <a:ext uri="{FF2B5EF4-FFF2-40B4-BE49-F238E27FC236}">
-                <a16:creationId xmlns:a16="http://schemas.microsoft.com/office/drawing/2014/main" id="{61C96C42-0605-23B5-86B1-0E385B00AAEE}"/>
-              </a:ext>
-            </a:extLst>
-          </p:cNvPr>
+            <a:endParaRPr lang="en-US" dirty="0"/>
+          </a:p>
+        </p:txBody>
+      </p:sp>
+      <p:sp>
+        <p:nvSpPr>
+          <p:cNvPr id="4" name="Text Placeholder 3"/>
           <p:cNvSpPr>
             <a:spLocks noGrp="1"/>
           </p:cNvSpPr>
@@ -2320,8 +4788,8 @@
         </p:nvSpPr>
         <p:spPr>
           <a:xfrm>
-            <a:off x="839788" y="2057400"/>
-            <a:ext cx="3932237" cy="3811588"/>
+            <a:off x="1154953" y="3129280"/>
+            <a:ext cx="3401063" cy="2895599"/>
           </a:xfrm>
         </p:spPr>
         <p:txBody>
@@ -2329,39 +4797,39 @@
           <a:lstStyle>
             <a:lvl1pPr marL="0" indent="0">
               <a:buNone/>
-              <a:defRPr sz="1600"/>
+              <a:defRPr sz="1400"/>
             </a:lvl1pPr>
             <a:lvl2pPr marL="457200" indent="0">
               <a:buNone/>
-              <a:defRPr sz="1400"/>
+              <a:defRPr sz="1200"/>
             </a:lvl2pPr>
             <a:lvl3pPr marL="914400" indent="0">
               <a:buNone/>
-              <a:defRPr sz="1200"/>
+              <a:defRPr sz="1000"/>
             </a:lvl3pPr>
             <a:lvl4pPr marL="1371600" indent="0">
               <a:buNone/>
-              <a:defRPr sz="1000"/>
+              <a:defRPr sz="900"/>
             </a:lvl4pPr>
             <a:lvl5pPr marL="1828800" indent="0">
               <a:buNone/>
-              <a:defRPr sz="1000"/>
+              <a:defRPr sz="900"/>
             </a:lvl5pPr>
             <a:lvl6pPr marL="2286000" indent="0">
               <a:buNone/>
-              <a:defRPr sz="1000"/>
+              <a:defRPr sz="900"/>
             </a:lvl6pPr>
             <a:lvl7pPr marL="2743200" indent="0">
               <a:buNone/>
-              <a:defRPr sz="1000"/>
+              <a:defRPr sz="900"/>
             </a:lvl7pPr>
             <a:lvl8pPr marL="3200400" indent="0">
               <a:buNone/>
-              <a:defRPr sz="1000"/>
+              <a:defRPr sz="900"/>
             </a:lvl8pPr>
             <a:lvl9pPr marL="3657600" indent="0">
               <a:buNone/>
-              <a:defRPr sz="1000"/>
+              <a:defRPr sz="900"/>
             </a:lvl9pPr>
           </a:lstStyle>
           <a:p>
@@ -2375,13 +4843,7 @@
       </p:sp>
       <p:sp>
         <p:nvSpPr>
-          <p:cNvPr id="5" name="عنصر نائب للتاريخ 4">
-            <a:extLst>
-              <a:ext uri="{FF2B5EF4-FFF2-40B4-BE49-F238E27FC236}">
-                <a16:creationId xmlns:a16="http://schemas.microsoft.com/office/drawing/2014/main" id="{2295402E-E91D-7638-0ED4-B6141F25C6B8}"/>
-              </a:ext>
-            </a:extLst>
-          </p:cNvPr>
+          <p:cNvPr id="7" name="Date Placeholder 4"/>
           <p:cNvSpPr>
             <a:spLocks noGrp="1"/>
           </p:cNvSpPr>
@@ -2404,13 +4866,7 @@
       </p:sp>
       <p:sp>
         <p:nvSpPr>
-          <p:cNvPr id="6" name="عنصر نائب للتذييل 5">
-            <a:extLst>
-              <a:ext uri="{FF2B5EF4-FFF2-40B4-BE49-F238E27FC236}">
-                <a16:creationId xmlns:a16="http://schemas.microsoft.com/office/drawing/2014/main" id="{257D5040-D84A-DBCA-3577-07867A16F6AC}"/>
-              </a:ext>
-            </a:extLst>
-          </p:cNvPr>
+          <p:cNvPr id="5" name="Footer Placeholder 5"/>
           <p:cNvSpPr>
             <a:spLocks noGrp="1"/>
           </p:cNvSpPr>
@@ -2429,13 +4885,7 @@
       </p:sp>
       <p:sp>
         <p:nvSpPr>
-          <p:cNvPr id="7" name="عنصر نائب لرقم الشريحة 6">
-            <a:extLst>
-              <a:ext uri="{FF2B5EF4-FFF2-40B4-BE49-F238E27FC236}">
-                <a16:creationId xmlns:a16="http://schemas.microsoft.com/office/drawing/2014/main" id="{5D440668-C571-2E33-2CED-8C0DBAA9EB60}"/>
-              </a:ext>
-            </a:extLst>
-          </p:cNvPr>
+          <p:cNvPr id="6" name="Slide Number Placeholder 6"/>
           <p:cNvSpPr>
             <a:spLocks noGrp="1"/>
           </p:cNvSpPr>
@@ -2459,7 +4909,7 @@
     </p:spTree>
     <p:extLst>
       <p:ext uri="{BB962C8B-B14F-4D97-AF65-F5344CB8AC3E}">
-        <p14:creationId xmlns:p14="http://schemas.microsoft.com/office/powerpoint/2010/main" val="1032886636"/>
+        <p14:creationId xmlns:p14="http://schemas.microsoft.com/office/powerpoint/2010/main" val="1173648116"/>
       </p:ext>
     </p:extLst>
   </p:cSld>
@@ -2488,13 +4938,7 @@
       </p:grpSpPr>
       <p:sp>
         <p:nvSpPr>
-          <p:cNvPr id="2" name="عنوان 1">
-            <a:extLst>
-              <a:ext uri="{FF2B5EF4-FFF2-40B4-BE49-F238E27FC236}">
-                <a16:creationId xmlns:a16="http://schemas.microsoft.com/office/drawing/2014/main" id="{19D59B8F-62F9-3B2F-7A08-D2364FE0B6AC}"/>
-              </a:ext>
-            </a:extLst>
-          </p:cNvPr>
+          <p:cNvPr id="2" name="Title 1"/>
           <p:cNvSpPr>
             <a:spLocks noGrp="1"/>
           </p:cNvSpPr>
@@ -2504,15 +4948,17 @@
         </p:nvSpPr>
         <p:spPr>
           <a:xfrm>
-            <a:off x="839788" y="457200"/>
-            <a:ext cx="3932237" cy="1600200"/>
+            <a:off x="1153907" y="1854192"/>
+            <a:ext cx="5092906" cy="1574808"/>
           </a:xfrm>
         </p:spPr>
         <p:txBody>
-          <a:bodyPr anchor="b"/>
+          <a:bodyPr anchor="b">
+            <a:normAutofit/>
+          </a:bodyPr>
           <a:lstStyle>
-            <a:lvl1pPr>
-              <a:defRPr sz="3200"/>
+            <a:lvl1pPr algn="l">
+              <a:defRPr sz="3600" b="0"/>
             </a:lvl1pPr>
           </a:lstStyle>
           <a:p>
@@ -2520,21 +4966,15 @@
               <a:rPr lang="ar-SA"/>
               <a:t>انقر لتحرير نمط عنوان الشكل الرئيسي</a:t>
             </a:r>
-            <a:endParaRPr lang="ar-YE"/>
-          </a:p>
-        </p:txBody>
-      </p:sp>
-      <p:sp>
-        <p:nvSpPr>
-          <p:cNvPr id="3" name="عنصر نائب للصورة 2">
-            <a:extLst>
-              <a:ext uri="{FF2B5EF4-FFF2-40B4-BE49-F238E27FC236}">
-                <a16:creationId xmlns:a16="http://schemas.microsoft.com/office/drawing/2014/main" id="{C030AB61-03A4-A094-EF05-FD485C5E5A69}"/>
-              </a:ext>
-            </a:extLst>
-          </p:cNvPr>
-          <p:cNvSpPr>
-            <a:spLocks noGrp="1"/>
+            <a:endParaRPr lang="en-US" dirty="0"/>
+          </a:p>
+        </p:txBody>
+      </p:sp>
+      <p:sp>
+        <p:nvSpPr>
+          <p:cNvPr id="3" name="Picture Placeholder 2"/>
+          <p:cNvSpPr>
+            <a:spLocks noGrp="1" noChangeAspect="1"/>
           </p:cNvSpPr>
           <p:nvPr>
             <p:ph type="pic" idx="1"/>
@@ -2542,118 +4982,132 @@
         </p:nvSpPr>
         <p:spPr>
           <a:xfrm>
-            <a:off x="5183188" y="987425"/>
-            <a:ext cx="6172200" cy="4873625"/>
+            <a:off x="6949546" y="1143000"/>
+            <a:ext cx="3200400" cy="4572000"/>
           </a:xfrm>
+          <a:prstGeom prst="roundRect">
+            <a:avLst>
+              <a:gd name="adj" fmla="val 1858"/>
+            </a:avLst>
+          </a:prstGeom>
+          <a:effectLst>
+            <a:outerShdw blurRad="50800" dist="50800" dir="5400000" algn="tl" rotWithShape="0">
+              <a:srgbClr val="000000">
+                <a:alpha val="43000"/>
+              </a:srgbClr>
+            </a:outerShdw>
+          </a:effectLst>
         </p:spPr>
         <p:txBody>
-          <a:bodyPr/>
+          <a:bodyPr anchor="t">
+            <a:normAutofit/>
+          </a:bodyPr>
           <a:lstStyle>
-            <a:lvl1pPr marL="0" indent="0">
-              <a:buNone/>
-              <a:defRPr sz="3200"/>
-            </a:lvl1pPr>
-            <a:lvl2pPr marL="457200" indent="0">
-              <a:buNone/>
-              <a:defRPr sz="2800"/>
-            </a:lvl2pPr>
-            <a:lvl3pPr marL="914400" indent="0">
-              <a:buNone/>
-              <a:defRPr sz="2400"/>
-            </a:lvl3pPr>
-            <a:lvl4pPr marL="1371600" indent="0">
-              <a:buNone/>
-              <a:defRPr sz="2000"/>
-            </a:lvl4pPr>
-            <a:lvl5pPr marL="1828800" indent="0">
-              <a:buNone/>
-              <a:defRPr sz="2000"/>
-            </a:lvl5pPr>
-            <a:lvl6pPr marL="2286000" indent="0">
-              <a:buNone/>
-              <a:defRPr sz="2000"/>
-            </a:lvl6pPr>
-            <a:lvl7pPr marL="2743200" indent="0">
-              <a:buNone/>
-              <a:defRPr sz="2000"/>
-            </a:lvl7pPr>
-            <a:lvl8pPr marL="3200400" indent="0">
-              <a:buNone/>
-              <a:defRPr sz="2000"/>
-            </a:lvl8pPr>
-            <a:lvl9pPr marL="3657600" indent="0">
-              <a:buNone/>
-              <a:defRPr sz="2000"/>
-            </a:lvl9pPr>
-          </a:lstStyle>
-          <a:p>
-            <a:endParaRPr lang="ar-YE"/>
-          </a:p>
-        </p:txBody>
-      </p:sp>
-      <p:sp>
-        <p:nvSpPr>
-          <p:cNvPr id="4" name="عنصر نائب للنص 3">
-            <a:extLst>
-              <a:ext uri="{FF2B5EF4-FFF2-40B4-BE49-F238E27FC236}">
-                <a16:creationId xmlns:a16="http://schemas.microsoft.com/office/drawing/2014/main" id="{7EEBFE96-A6DC-CC84-917F-90E58245F8E9}"/>
-              </a:ext>
-            </a:extLst>
-          </p:cNvPr>
-          <p:cNvSpPr>
-            <a:spLocks noGrp="1"/>
-          </p:cNvSpPr>
-          <p:nvPr>
-            <p:ph type="body" sz="half" idx="2"/>
-          </p:nvPr>
-        </p:nvSpPr>
-        <p:spPr>
-          <a:xfrm>
-            <a:off x="839788" y="2057400"/>
-            <a:ext cx="3932237" cy="3811588"/>
-          </a:xfrm>
-        </p:spPr>
-        <p:txBody>
-          <a:bodyPr/>
-          <a:lstStyle>
-            <a:lvl1pPr marL="0" indent="0">
+            <a:lvl1pPr marL="0" indent="0" algn="ctr">
               <a:buNone/>
               <a:defRPr sz="1600"/>
             </a:lvl1pPr>
             <a:lvl2pPr marL="457200" indent="0">
               <a:buNone/>
-              <a:defRPr sz="1400"/>
+              <a:defRPr sz="1600"/>
             </a:lvl2pPr>
             <a:lvl3pPr marL="914400" indent="0">
               <a:buNone/>
-              <a:defRPr sz="1200"/>
+              <a:defRPr sz="1600"/>
             </a:lvl3pPr>
             <a:lvl4pPr marL="1371600" indent="0">
               <a:buNone/>
-              <a:defRPr sz="1000"/>
+              <a:defRPr sz="1600"/>
             </a:lvl4pPr>
             <a:lvl5pPr marL="1828800" indent="0">
               <a:buNone/>
-              <a:defRPr sz="1000"/>
+              <a:defRPr sz="1600"/>
             </a:lvl5pPr>
             <a:lvl6pPr marL="2286000" indent="0">
               <a:buNone/>
-              <a:defRPr sz="1000"/>
+              <a:defRPr sz="1600"/>
             </a:lvl6pPr>
             <a:lvl7pPr marL="2743200" indent="0">
               <a:buNone/>
-              <a:defRPr sz="1000"/>
+              <a:defRPr sz="1600"/>
             </a:lvl7pPr>
             <a:lvl8pPr marL="3200400" indent="0">
               <a:buNone/>
-              <a:defRPr sz="1000"/>
+              <a:defRPr sz="1600"/>
             </a:lvl8pPr>
             <a:lvl9pPr marL="3657600" indent="0">
               <a:buNone/>
-              <a:defRPr sz="1000"/>
+              <a:defRPr sz="1600"/>
             </a:lvl9pPr>
           </a:lstStyle>
           <a:p>
+            <a:r>
+              <a:rPr lang="ar-SA"/>
+              <a:t>انقر فوق الأيقونة لإضافة صورة</a:t>
+            </a:r>
+            <a:endParaRPr lang="en-US" dirty="0"/>
+          </a:p>
+        </p:txBody>
+      </p:sp>
+      <p:sp>
+        <p:nvSpPr>
+          <p:cNvPr id="4" name="Text Placeholder 3"/>
+          <p:cNvSpPr>
+            <a:spLocks noGrp="1"/>
+          </p:cNvSpPr>
+          <p:nvPr>
+            <p:ph type="body" sz="half" idx="2"/>
+          </p:nvPr>
+        </p:nvSpPr>
+        <p:spPr>
+          <a:xfrm>
+            <a:off x="1154954" y="3657600"/>
+            <a:ext cx="5084979" cy="1371600"/>
+          </a:xfrm>
+        </p:spPr>
+        <p:txBody>
+          <a:bodyPr>
+            <a:normAutofit/>
+          </a:bodyPr>
+          <a:lstStyle>
+            <a:lvl1pPr marL="0" indent="0">
+              <a:buNone/>
+              <a:defRPr sz="1400"/>
+            </a:lvl1pPr>
+            <a:lvl2pPr marL="457200" indent="0">
+              <a:buNone/>
+              <a:defRPr sz="1200"/>
+            </a:lvl2pPr>
+            <a:lvl3pPr marL="914400" indent="0">
+              <a:buNone/>
+              <a:defRPr sz="1000"/>
+            </a:lvl3pPr>
+            <a:lvl4pPr marL="1371600" indent="0">
+              <a:buNone/>
+              <a:defRPr sz="900"/>
+            </a:lvl4pPr>
+            <a:lvl5pPr marL="1828800" indent="0">
+              <a:buNone/>
+              <a:defRPr sz="900"/>
+            </a:lvl5pPr>
+            <a:lvl6pPr marL="2286000" indent="0">
+              <a:buNone/>
+              <a:defRPr sz="900"/>
+            </a:lvl6pPr>
+            <a:lvl7pPr marL="2743200" indent="0">
+              <a:buNone/>
+              <a:defRPr sz="900"/>
+            </a:lvl7pPr>
+            <a:lvl8pPr marL="3200400" indent="0">
+              <a:buNone/>
+              <a:defRPr sz="900"/>
+            </a:lvl8pPr>
+            <a:lvl9pPr marL="3657600" indent="0">
+              <a:buNone/>
+              <a:defRPr sz="900"/>
+            </a:lvl9pPr>
+          </a:lstStyle>
+          <a:p>
             <a:pPr lvl="0"/>
             <a:r>
               <a:rPr lang="ar-SA"/>
@@ -2664,13 +5118,7 @@
       </p:sp>
       <p:sp>
         <p:nvSpPr>
-          <p:cNvPr id="5" name="عنصر نائب للتاريخ 4">
-            <a:extLst>
-              <a:ext uri="{FF2B5EF4-FFF2-40B4-BE49-F238E27FC236}">
-                <a16:creationId xmlns:a16="http://schemas.microsoft.com/office/drawing/2014/main" id="{8FD9E015-7ED4-87B5-641D-E1602173FAD1}"/>
-              </a:ext>
-            </a:extLst>
-          </p:cNvPr>
+          <p:cNvPr id="5" name="Date Placeholder 4"/>
           <p:cNvSpPr>
             <a:spLocks noGrp="1"/>
           </p:cNvSpPr>
@@ -2693,13 +5141,7 @@
       </p:sp>
       <p:sp>
         <p:nvSpPr>
-          <p:cNvPr id="6" name="عنصر نائب للتذييل 5">
-            <a:extLst>
-              <a:ext uri="{FF2B5EF4-FFF2-40B4-BE49-F238E27FC236}">
-                <a16:creationId xmlns:a16="http://schemas.microsoft.com/office/drawing/2014/main" id="{C68A67A3-F9F0-DEA6-52AA-539FD72795A5}"/>
-              </a:ext>
-            </a:extLst>
-          </p:cNvPr>
+          <p:cNvPr id="6" name="Footer Placeholder 5"/>
           <p:cNvSpPr>
             <a:spLocks noGrp="1"/>
           </p:cNvSpPr>
@@ -2718,13 +5160,7 @@
       </p:sp>
       <p:sp>
         <p:nvSpPr>
-          <p:cNvPr id="7" name="عنصر نائب لرقم الشريحة 6">
-            <a:extLst>
-              <a:ext uri="{FF2B5EF4-FFF2-40B4-BE49-F238E27FC236}">
-                <a16:creationId xmlns:a16="http://schemas.microsoft.com/office/drawing/2014/main" id="{71109FB1-B926-A166-7A0B-171D851F8C64}"/>
-              </a:ext>
-            </a:extLst>
-          </p:cNvPr>
+          <p:cNvPr id="7" name="Slide Number Placeholder 6"/>
           <p:cNvSpPr>
             <a:spLocks noGrp="1"/>
           </p:cNvSpPr>
@@ -2748,7 +5184,7 @@
     </p:spTree>
     <p:extLst>
       <p:ext uri="{BB962C8B-B14F-4D97-AF65-F5344CB8AC3E}">
-        <p14:creationId xmlns:p14="http://schemas.microsoft.com/office/powerpoint/2010/main" val="2430194710"/>
+        <p14:creationId xmlns:p14="http://schemas.microsoft.com/office/powerpoint/2010/main" val="2821849365"/>
       </p:ext>
     </p:extLst>
   </p:cSld>
@@ -2762,8 +5198,8 @@
 <p:sldMaster xmlns:a="http://schemas.openxmlformats.org/drawingml/2006/main" xmlns:r="http://schemas.openxmlformats.org/officeDocument/2006/relationships" xmlns:p="http://schemas.openxmlformats.org/presentationml/2006/main">
   <p:cSld>
     <p:bg>
-      <p:bgRef idx="1001">
-        <a:schemeClr val="bg1"/>
+      <p:bgRef idx="1003">
+        <a:schemeClr val="bg2"/>
       </p:bgRef>
     </p:bg>
     <p:spTree>
@@ -2780,146 +5216,344 @@
           <a:chExt cx="0" cy="0"/>
         </a:xfrm>
       </p:grpSpPr>
-      <p:sp>
-        <p:nvSpPr>
-          <p:cNvPr id="2" name="عنصر نائب للعنوان 1">
+      <p:pic>
+        <p:nvPicPr>
+          <p:cNvPr id="8" name="Picture 7"/>
+          <p:cNvPicPr>
+            <a:picLocks noChangeAspect="1"/>
+          </p:cNvPicPr>
+          <p:nvPr/>
+        </p:nvPicPr>
+        <p:blipFill rotWithShape="1">
+          <a:blip r:embed="rId19">
             <a:extLst>
-              <a:ext uri="{FF2B5EF4-FFF2-40B4-BE49-F238E27FC236}">
-                <a16:creationId xmlns:a16="http://schemas.microsoft.com/office/drawing/2014/main" id="{8220530E-E33E-903A-CBBE-3A4652BDA018}"/>
+              <a:ext uri="{28A0092B-C50C-407E-A947-70E740481C1C}">
+                <a14:useLocalDpi xmlns:a14="http://schemas.microsoft.com/office/drawing/2010/main" val="0"/>
               </a:ext>
             </a:extLst>
-          </p:cNvPr>
-          <p:cNvSpPr>
-            <a:spLocks noGrp="1"/>
-          </p:cNvSpPr>
-          <p:nvPr>
-            <p:ph type="title"/>
-          </p:nvPr>
-        </p:nvSpPr>
+          </a:blip>
+          <a:srcRect l="3613"/>
+          <a:stretch/>
+        </p:blipFill>
         <p:spPr>
           <a:xfrm>
-            <a:off x="838200" y="365125"/>
-            <a:ext cx="10515600" cy="1325563"/>
+            <a:off x="0" y="2669685"/>
+            <a:ext cx="4037012" cy="4188315"/>
           </a:xfrm>
           <a:prstGeom prst="rect">
             <a:avLst/>
           </a:prstGeom>
         </p:spPr>
-        <p:txBody>
-          <a:bodyPr vert="horz" lIns="91440" tIns="45720" rIns="91440" bIns="45720" rtlCol="1" anchor="ctr">
-            <a:normAutofit/>
-          </a:bodyPr>
-          <a:lstStyle/>
-          <a:p>
-            <a:r>
-              <a:rPr lang="ar-SA"/>
-              <a:t>انقر لتحرير نمط عنوان الشكل الرئيسي</a:t>
-            </a:r>
-            <a:endParaRPr lang="ar-YE"/>
-          </a:p>
-        </p:txBody>
-      </p:sp>
-      <p:sp>
-        <p:nvSpPr>
-          <p:cNvPr id="3" name="عنصر نائب للنص 2">
+      </p:pic>
+      <p:pic>
+        <p:nvPicPr>
+          <p:cNvPr id="7" name="Picture 6"/>
+          <p:cNvPicPr>
+            <a:picLocks noChangeAspect="1"/>
+          </p:cNvPicPr>
+          <p:nvPr/>
+        </p:nvPicPr>
+        <p:blipFill rotWithShape="1">
+          <a:blip r:embed="rId20">
             <a:extLst>
-              <a:ext uri="{FF2B5EF4-FFF2-40B4-BE49-F238E27FC236}">
-                <a16:creationId xmlns:a16="http://schemas.microsoft.com/office/drawing/2014/main" id="{1E0E2067-21EF-3792-9BB2-2E07A0B59D99}"/>
+              <a:ext uri="{28A0092B-C50C-407E-A947-70E740481C1C}">
+                <a14:useLocalDpi xmlns:a14="http://schemas.microsoft.com/office/drawing/2010/main" val="0"/>
               </a:ext>
             </a:extLst>
-          </p:cNvPr>
-          <p:cNvSpPr>
-            <a:spLocks noGrp="1"/>
-          </p:cNvSpPr>
-          <p:nvPr>
-            <p:ph type="body" idx="1"/>
-          </p:nvPr>
-        </p:nvSpPr>
+          </a:blip>
+          <a:srcRect l="35640"/>
+          <a:stretch/>
+        </p:blipFill>
         <p:spPr>
           <a:xfrm>
-            <a:off x="838200" y="1825625"/>
-            <a:ext cx="10515600" cy="4351338"/>
+            <a:off x="0" y="2892347"/>
+            <a:ext cx="1522412" cy="2365453"/>
           </a:xfrm>
           <a:prstGeom prst="rect">
             <a:avLst/>
           </a:prstGeom>
         </p:spPr>
-        <p:txBody>
-          <a:bodyPr vert="horz" lIns="91440" tIns="45720" rIns="91440" bIns="45720" rtlCol="1">
-            <a:normAutofit/>
-          </a:bodyPr>
-          <a:lstStyle/>
-          <a:p>
-            <a:pPr lvl="0"/>
-            <a:r>
-              <a:rPr lang="ar-SA"/>
-              <a:t>انقر لتحرير أنماط نص الشكل الرئيسي</a:t>
-            </a:r>
-          </a:p>
-          <a:p>
-            <a:pPr lvl="1"/>
-            <a:r>
-              <a:rPr lang="ar-SA"/>
-              <a:t>المستوى الثاني</a:t>
-            </a:r>
-          </a:p>
-          <a:p>
-            <a:pPr lvl="2"/>
-            <a:r>
-              <a:rPr lang="ar-SA"/>
-              <a:t>المستوى الثالث</a:t>
-            </a:r>
-          </a:p>
-          <a:p>
-            <a:pPr lvl="3"/>
-            <a:r>
-              <a:rPr lang="ar-SA"/>
-              <a:t>المستوى الرابع</a:t>
-            </a:r>
-          </a:p>
-          <a:p>
-            <a:pPr lvl="4"/>
-            <a:r>
-              <a:rPr lang="ar-SA"/>
-              <a:t>المستوى الخامس</a:t>
-            </a:r>
-            <a:endParaRPr lang="ar-YE"/>
-          </a:p>
-        </p:txBody>
-      </p:sp>
-      <p:sp>
-        <p:nvSpPr>
-          <p:cNvPr id="4" name="عنصر نائب للتاريخ 3">
+      </p:pic>
+      <p:sp>
+        <p:nvSpPr>
+          <p:cNvPr id="16" name="Oval 15"/>
+          <p:cNvSpPr/>
+          <p:nvPr/>
+        </p:nvSpPr>
+        <p:spPr>
+          <a:xfrm>
+            <a:off x="8609012" y="1676400"/>
+            <a:ext cx="2819400" cy="2819400"/>
+          </a:xfrm>
+          <a:prstGeom prst="ellipse">
+            <a:avLst/>
+          </a:prstGeom>
+          <a:gradFill flip="none" rotWithShape="1">
+            <a:gsLst>
+              <a:gs pos="0">
+                <a:schemeClr val="bg2">
+                  <a:lumMod val="60000"/>
+                  <a:lumOff val="40000"/>
+                  <a:alpha val="7000"/>
+                </a:schemeClr>
+              </a:gs>
+              <a:gs pos="69000">
+                <a:schemeClr val="bg2">
+                  <a:lumMod val="60000"/>
+                  <a:lumOff val="40000"/>
+                  <a:alpha val="0"/>
+                </a:schemeClr>
+              </a:gs>
+              <a:gs pos="36000">
+                <a:schemeClr val="bg2">
+                  <a:lumMod val="60000"/>
+                  <a:lumOff val="40000"/>
+                  <a:alpha val="6000"/>
+                </a:schemeClr>
+              </a:gs>
+            </a:gsLst>
+            <a:path path="circle">
+              <a:fillToRect l="50000" t="50000" r="50000" b="50000"/>
+            </a:path>
+            <a:tileRect/>
+          </a:gradFill>
+          <a:ln>
+            <a:noFill/>
+          </a:ln>
+          <a:effectLst/>
+        </p:spPr>
+        <p:style>
+          <a:lnRef idx="1">
+            <a:schemeClr val="accent1"/>
+          </a:lnRef>
+          <a:fillRef idx="3">
+            <a:schemeClr val="accent1"/>
+          </a:fillRef>
+          <a:effectRef idx="2">
+            <a:schemeClr val="accent1"/>
+          </a:effectRef>
+          <a:fontRef idx="minor">
+            <a:schemeClr val="lt1"/>
+          </a:fontRef>
+        </p:style>
+      </p:sp>
+      <p:pic>
+        <p:nvPicPr>
+          <p:cNvPr id="9" name="Picture 8"/>
+          <p:cNvPicPr>
+            <a:picLocks noChangeAspect="1"/>
+          </p:cNvPicPr>
+          <p:nvPr/>
+        </p:nvPicPr>
+        <p:blipFill rotWithShape="1">
+          <a:blip r:embed="rId21">
             <a:extLst>
-              <a:ext uri="{FF2B5EF4-FFF2-40B4-BE49-F238E27FC236}">
-                <a16:creationId xmlns:a16="http://schemas.microsoft.com/office/drawing/2014/main" id="{AE2A59E8-CB52-FC47-F380-65F534F5AD12}"/>
+              <a:ext uri="{28A0092B-C50C-407E-A947-70E740481C1C}">
+                <a14:useLocalDpi xmlns:a14="http://schemas.microsoft.com/office/drawing/2010/main" val="0"/>
               </a:ext>
             </a:extLst>
-          </p:cNvPr>
-          <p:cNvSpPr>
-            <a:spLocks noGrp="1"/>
-          </p:cNvSpPr>
-          <p:nvPr>
-            <p:ph type="dt" sz="half" idx="2"/>
-          </p:nvPr>
-        </p:nvSpPr>
+          </a:blip>
+          <a:srcRect t="28813"/>
+          <a:stretch/>
+        </p:blipFill>
         <p:spPr>
           <a:xfrm>
-            <a:off x="8610600" y="6356350"/>
-            <a:ext cx="2743200" cy="365125"/>
+            <a:off x="7999412" y="0"/>
+            <a:ext cx="1603387" cy="1141407"/>
           </a:xfrm>
           <a:prstGeom prst="rect">
             <a:avLst/>
           </a:prstGeom>
         </p:spPr>
-        <p:txBody>
-          <a:bodyPr vert="horz" lIns="91440" tIns="45720" rIns="91440" bIns="45720" rtlCol="1" anchor="ctr"/>
+      </p:pic>
+      <p:pic>
+        <p:nvPicPr>
+          <p:cNvPr id="10" name="Picture 9"/>
+          <p:cNvPicPr>
+            <a:picLocks noChangeAspect="1"/>
+          </p:cNvPicPr>
+          <p:nvPr/>
+        </p:nvPicPr>
+        <p:blipFill rotWithShape="1">
+          <a:blip r:embed="rId22">
+            <a:extLst>
+              <a:ext uri="{28A0092B-C50C-407E-A947-70E740481C1C}">
+                <a14:useLocalDpi xmlns:a14="http://schemas.microsoft.com/office/drawing/2010/main" val="0"/>
+              </a:ext>
+            </a:extLst>
+          </a:blip>
+          <a:srcRect b="23320"/>
+          <a:stretch/>
+        </p:blipFill>
+        <p:spPr>
+          <a:xfrm>
+            <a:off x="8605878" y="6096000"/>
+            <a:ext cx="993734" cy="762000"/>
+          </a:xfrm>
+          <a:prstGeom prst="rect">
+            <a:avLst/>
+          </a:prstGeom>
+        </p:spPr>
+      </p:pic>
+      <p:sp>
+        <p:nvSpPr>
+          <p:cNvPr id="14" name="Rectangle 13"/>
+          <p:cNvSpPr/>
+          <p:nvPr/>
+        </p:nvSpPr>
+        <p:spPr>
+          <a:xfrm>
+            <a:off x="10437812" y="0"/>
+            <a:ext cx="685800" cy="1143000"/>
+          </a:xfrm>
+          <a:prstGeom prst="rect">
+            <a:avLst/>
+          </a:prstGeom>
+          <a:solidFill>
+            <a:schemeClr val="accent1"/>
+          </a:solidFill>
+          <a:ln>
+            <a:noFill/>
+          </a:ln>
+        </p:spPr>
+        <p:style>
+          <a:lnRef idx="1">
+            <a:schemeClr val="accent1"/>
+          </a:lnRef>
+          <a:fillRef idx="3">
+            <a:schemeClr val="accent1"/>
+          </a:fillRef>
+          <a:effectRef idx="2">
+            <a:schemeClr val="accent1"/>
+          </a:effectRef>
+          <a:fontRef idx="minor">
+            <a:schemeClr val="lt1"/>
+          </a:fontRef>
+        </p:style>
+      </p:sp>
+      <p:sp>
+        <p:nvSpPr>
+          <p:cNvPr id="2" name="Title Placeholder 1"/>
+          <p:cNvSpPr>
+            <a:spLocks noGrp="1"/>
+          </p:cNvSpPr>
+          <p:nvPr>
+            <p:ph type="title"/>
+          </p:nvPr>
+        </p:nvSpPr>
+        <p:spPr>
+          <a:xfrm>
+            <a:off x="646111" y="452718"/>
+            <a:ext cx="9404723" cy="1400530"/>
+          </a:xfrm>
+          <a:prstGeom prst="rect">
+            <a:avLst/>
+          </a:prstGeom>
+        </p:spPr>
+        <p:txBody>
+          <a:bodyPr vert="horz" lIns="91440" tIns="45720" rIns="91440" bIns="45720" rtlCol="0" anchor="t">
+            <a:noAutofit/>
+          </a:bodyPr>
+          <a:lstStyle/>
+          <a:p>
+            <a:r>
+              <a:rPr lang="ar-SA"/>
+              <a:t>انقر لتحرير نمط عنوان الشكل الرئيسي</a:t>
+            </a:r>
+            <a:endParaRPr lang="en-US" dirty="0"/>
+          </a:p>
+        </p:txBody>
+      </p:sp>
+      <p:sp>
+        <p:nvSpPr>
+          <p:cNvPr id="3" name="Text Placeholder 2"/>
+          <p:cNvSpPr>
+            <a:spLocks noGrp="1"/>
+          </p:cNvSpPr>
+          <p:nvPr>
+            <p:ph type="body" idx="1"/>
+          </p:nvPr>
+        </p:nvSpPr>
+        <p:spPr>
+          <a:xfrm>
+            <a:off x="1103312" y="2052918"/>
+            <a:ext cx="8946541" cy="4195481"/>
+          </a:xfrm>
+          <a:prstGeom prst="rect">
+            <a:avLst/>
+          </a:prstGeom>
+        </p:spPr>
+        <p:txBody>
+          <a:bodyPr vert="horz" lIns="91440" tIns="45720" rIns="91440" bIns="45720" rtlCol="0">
+            <a:normAutofit/>
+          </a:bodyPr>
+          <a:lstStyle/>
+          <a:p>
+            <a:pPr lvl="0"/>
+            <a:r>
+              <a:rPr lang="ar-SA"/>
+              <a:t>انقر لتحرير أنماط نص الشكل الرئيسي</a:t>
+            </a:r>
+          </a:p>
+          <a:p>
+            <a:pPr lvl="1"/>
+            <a:r>
+              <a:rPr lang="ar-SA"/>
+              <a:t>المستوى الثاني</a:t>
+            </a:r>
+          </a:p>
+          <a:p>
+            <a:pPr lvl="2"/>
+            <a:r>
+              <a:rPr lang="ar-SA"/>
+              <a:t>المستوى الثالث</a:t>
+            </a:r>
+          </a:p>
+          <a:p>
+            <a:pPr lvl="3"/>
+            <a:r>
+              <a:rPr lang="ar-SA"/>
+              <a:t>المستوى الرابع</a:t>
+            </a:r>
+          </a:p>
+          <a:p>
+            <a:pPr lvl="4"/>
+            <a:r>
+              <a:rPr lang="ar-SA"/>
+              <a:t>المستوى الخامس</a:t>
+            </a:r>
+            <a:endParaRPr lang="en-US" dirty="0"/>
+          </a:p>
+        </p:txBody>
+      </p:sp>
+      <p:sp>
+        <p:nvSpPr>
+          <p:cNvPr id="4" name="Date Placeholder 3"/>
+          <p:cNvSpPr>
+            <a:spLocks noGrp="1"/>
+          </p:cNvSpPr>
+          <p:nvPr>
+            <p:ph type="dt" sz="half" idx="2"/>
+          </p:nvPr>
+        </p:nvSpPr>
+        <p:spPr>
+          <a:xfrm rot="5400000">
+            <a:off x="10155639" y="1790701"/>
+            <a:ext cx="990599" cy="304799"/>
+          </a:xfrm>
+          <a:prstGeom prst="rect">
+            <a:avLst/>
+          </a:prstGeom>
+        </p:spPr>
+        <p:txBody>
+          <a:bodyPr vert="horz" lIns="91440" tIns="45720" rIns="91440" bIns="45720" rtlCol="0" anchor="t"/>
           <a:lstStyle>
-            <a:lvl1pPr algn="r">
-              <a:defRPr sz="1200">
+            <a:lvl1pPr algn="l">
+              <a:defRPr sz="1100" b="0" i="0">
                 <a:solidFill>
                   <a:schemeClr val="tx1">
-                    <a:tint val="82000"/>
+                    <a:tint val="75000"/>
+                    <a:alpha val="60000"/>
                   </a:schemeClr>
                 </a:solidFill>
               </a:defRPr>
@@ -2936,13 +5570,7 @@
       </p:sp>
       <p:sp>
         <p:nvSpPr>
-          <p:cNvPr id="5" name="عنصر نائب للتذييل 4">
-            <a:extLst>
-              <a:ext uri="{FF2B5EF4-FFF2-40B4-BE49-F238E27FC236}">
-                <a16:creationId xmlns:a16="http://schemas.microsoft.com/office/drawing/2014/main" id="{C8FADE88-E1CF-767E-F048-D4446116BCA6}"/>
-              </a:ext>
-            </a:extLst>
-          </p:cNvPr>
+          <p:cNvPr id="5" name="Footer Placeholder 4"/>
           <p:cNvSpPr>
             <a:spLocks noGrp="1"/>
           </p:cNvSpPr>
@@ -2951,22 +5579,23 @@
           </p:nvPr>
         </p:nvSpPr>
         <p:spPr>
-          <a:xfrm>
-            <a:off x="4038600" y="6356350"/>
-            <a:ext cx="4114800" cy="365125"/>
+          <a:xfrm rot="5400000">
+            <a:off x="8951573" y="3225297"/>
+            <a:ext cx="3859795" cy="304801"/>
           </a:xfrm>
           <a:prstGeom prst="rect">
             <a:avLst/>
           </a:prstGeom>
         </p:spPr>
         <p:txBody>
-          <a:bodyPr vert="horz" lIns="91440" tIns="45720" rIns="91440" bIns="45720" rtlCol="1" anchor="ctr"/>
+          <a:bodyPr vert="horz" lIns="91440" tIns="45720" rIns="91440" bIns="45720" rtlCol="0" anchor="b"/>
           <a:lstStyle>
-            <a:lvl1pPr algn="ctr">
-              <a:defRPr sz="1200">
+            <a:lvl1pPr algn="l">
+              <a:defRPr sz="1100" b="0" i="0">
                 <a:solidFill>
                   <a:schemeClr val="tx1">
-                    <a:tint val="82000"/>
+                    <a:tint val="75000"/>
+                    <a:alpha val="60000"/>
                   </a:schemeClr>
                 </a:solidFill>
               </a:defRPr>
@@ -2979,13 +5608,7 @@
       </p:sp>
       <p:sp>
         <p:nvSpPr>
-          <p:cNvPr id="6" name="عنصر نائب لرقم الشريحة 5">
-            <a:extLst>
-              <a:ext uri="{FF2B5EF4-FFF2-40B4-BE49-F238E27FC236}">
-                <a16:creationId xmlns:a16="http://schemas.microsoft.com/office/drawing/2014/main" id="{64C17353-2260-B82B-F14E-2E3046613F85}"/>
-              </a:ext>
-            </a:extLst>
-          </p:cNvPr>
+          <p:cNvPr id="6" name="Slide Number Placeholder 5"/>
           <p:cNvSpPr>
             <a:spLocks noGrp="1"/>
           </p:cNvSpPr>
@@ -2993,23 +5616,23 @@
             <p:ph type="sldNum" sz="quarter" idx="4"/>
           </p:nvPr>
         </p:nvSpPr>
-        <p:spPr>
+        <p:spPr bwMode="gray">
           <a:xfrm>
-            <a:off x="838200" y="6356350"/>
-            <a:ext cx="2743200" cy="365125"/>
+            <a:off x="10352540" y="295729"/>
+            <a:ext cx="838199" cy="767687"/>
           </a:xfrm>
           <a:prstGeom prst="rect">
             <a:avLst/>
           </a:prstGeom>
         </p:spPr>
         <p:txBody>
-          <a:bodyPr vert="horz" lIns="91440" tIns="45720" rIns="91440" bIns="45720" rtlCol="1" anchor="ctr"/>
+          <a:bodyPr vert="horz" lIns="91440" tIns="45720" rIns="91440" bIns="45720" rtlCol="0" anchor="b"/>
           <a:lstStyle>
-            <a:lvl1pPr algn="l">
-              <a:defRPr sz="1200">
+            <a:lvl1pPr algn="ctr">
+              <a:defRPr sz="2800" b="0" i="0">
                 <a:solidFill>
                   <a:schemeClr val="tx1">
-                    <a:tint val="82000"/>
+                    <a:tint val="75000"/>
                   </a:schemeClr>
                 </a:solidFill>
               </a:defRPr>
@@ -3027,35 +5650,121 @@
     </p:spTree>
     <p:extLst>
       <p:ext uri="{BB962C8B-B14F-4D97-AF65-F5344CB8AC3E}">
-        <p14:creationId xmlns:p14="http://schemas.microsoft.com/office/powerpoint/2010/main" val="1999876183"/>
+        <p14:creationId xmlns:p14="http://schemas.microsoft.com/office/powerpoint/2010/main" val="3807866675"/>
       </p:ext>
     </p:extLst>
   </p:cSld>
-  <p:clrMap bg1="lt1" tx1="dk1" bg2="lt2" tx2="dk2" accent1="accent1" accent2="accent2" accent3="accent3" accent4="accent4" accent5="accent5" accent6="accent6" hlink="hlink" folHlink="folHlink"/>
+  <p:clrMap bg1="dk1" tx1="lt1" bg2="dk2" tx2="lt2" accent1="accent1" accent2="accent2" accent3="accent3" accent4="accent4" accent5="accent5" accent6="accent6" hlink="hlink" folHlink="folHlink"/>
   <p:sldLayoutIdLst>
-    <p:sldLayoutId id="2147483649" r:id="rId1"/>
-    <p:sldLayoutId id="2147483650" r:id="rId2"/>
-    <p:sldLayoutId id="2147483651" r:id="rId3"/>
-    <p:sldLayoutId id="2147483652" r:id="rId4"/>
-    <p:sldLayoutId id="2147483653" r:id="rId5"/>
-    <p:sldLayoutId id="2147483654" r:id="rId6"/>
-    <p:sldLayoutId id="2147483655" r:id="rId7"/>
-    <p:sldLayoutId id="2147483656" r:id="rId8"/>
-    <p:sldLayoutId id="2147483657" r:id="rId9"/>
-    <p:sldLayoutId id="2147483658" r:id="rId10"/>
-    <p:sldLayoutId id="2147483659" r:id="rId11"/>
+    <p:sldLayoutId id="2147483661" r:id="rId1"/>
+    <p:sldLayoutId id="2147483662" r:id="rId2"/>
+    <p:sldLayoutId id="2147483663" r:id="rId3"/>
+    <p:sldLayoutId id="2147483664" r:id="rId4"/>
+    <p:sldLayoutId id="2147483665" r:id="rId5"/>
+    <p:sldLayoutId id="2147483666" r:id="rId6"/>
+    <p:sldLayoutId id="2147483667" r:id="rId7"/>
+    <p:sldLayoutId id="2147483668" r:id="rId8"/>
+    <p:sldLayoutId id="2147483669" r:id="rId9"/>
+    <p:sldLayoutId id="2147483670" r:id="rId10"/>
+    <p:sldLayoutId id="2147483671" r:id="rId11"/>
+    <p:sldLayoutId id="2147483672" r:id="rId12"/>
+    <p:sldLayoutId id="2147483673" r:id="rId13"/>
+    <p:sldLayoutId id="2147483674" r:id="rId14"/>
+    <p:sldLayoutId id="2147483675" r:id="rId15"/>
+    <p:sldLayoutId id="2147483676" r:id="rId16"/>
+    <p:sldLayoutId id="2147483677" r:id="rId17"/>
   </p:sldLayoutIdLst>
   <p:txStyles>
     <p:titleStyle>
-      <a:lvl1pPr algn="r" defTabSz="914400" rtl="1" eaLnBrk="1" latinLnBrk="0" hangingPunct="1">
-        <a:lnSpc>
-          <a:spcPct val="90000"/>
-        </a:lnSpc>
+      <a:lvl1pPr algn="l" defTabSz="457200" rtl="1" eaLnBrk="1" latinLnBrk="0" hangingPunct="1">
         <a:spcBef>
           <a:spcPct val="0"/>
         </a:spcBef>
         <a:buNone/>
-        <a:defRPr sz="4400" kern="1200">
+        <a:defRPr sz="4200" b="0" i="0" kern="1200">
+          <a:solidFill>
+            <a:schemeClr val="tx2"/>
+          </a:solidFill>
+          <a:latin typeface="+mj-lt"/>
+          <a:ea typeface="+mj-ea"/>
+          <a:cs typeface="+mj-cs"/>
+        </a:defRPr>
+      </a:lvl1pPr>
+      <a:lvl2pPr rtl="1" eaLnBrk="1" hangingPunct="1">
+        <a:defRPr>
+          <a:solidFill>
+            <a:schemeClr val="tx2"/>
+          </a:solidFill>
+        </a:defRPr>
+      </a:lvl2pPr>
+      <a:lvl3pPr rtl="1" eaLnBrk="1" hangingPunct="1">
+        <a:defRPr>
+          <a:solidFill>
+            <a:schemeClr val="tx2"/>
+          </a:solidFill>
+        </a:defRPr>
+      </a:lvl3pPr>
+      <a:lvl4pPr rtl="1" eaLnBrk="1" hangingPunct="1">
+        <a:defRPr>
+          <a:solidFill>
+            <a:schemeClr val="tx2"/>
+          </a:solidFill>
+        </a:defRPr>
+      </a:lvl4pPr>
+      <a:lvl5pPr rtl="1" eaLnBrk="1" hangingPunct="1">
+        <a:defRPr>
+          <a:solidFill>
+            <a:schemeClr val="tx2"/>
+          </a:solidFill>
+        </a:defRPr>
+      </a:lvl5pPr>
+      <a:lvl6pPr rtl="1" eaLnBrk="1" hangingPunct="1">
+        <a:defRPr>
+          <a:solidFill>
+            <a:schemeClr val="tx2"/>
+          </a:solidFill>
+        </a:defRPr>
+      </a:lvl6pPr>
+      <a:lvl7pPr rtl="1" eaLnBrk="1" hangingPunct="1">
+        <a:defRPr>
+          <a:solidFill>
+            <a:schemeClr val="tx2"/>
+          </a:solidFill>
+        </a:defRPr>
+      </a:lvl7pPr>
+      <a:lvl8pPr rtl="1" eaLnBrk="1" hangingPunct="1">
+        <a:defRPr>
+          <a:solidFill>
+            <a:schemeClr val="tx2"/>
+          </a:solidFill>
+        </a:defRPr>
+      </a:lvl8pPr>
+      <a:lvl9pPr rtl="1" eaLnBrk="1" hangingPunct="1">
+        <a:defRPr>
+          <a:solidFill>
+            <a:schemeClr val="tx2"/>
+          </a:solidFill>
+        </a:defRPr>
+      </a:lvl9pPr>
+    </p:titleStyle>
+    <p:bodyStyle>
+      <a:lvl1pPr marL="342900" indent="-342900" algn="r" defTabSz="457200" rtl="1" eaLnBrk="1" latinLnBrk="0" hangingPunct="1">
+        <a:spcBef>
+          <a:spcPts val="1000"/>
+        </a:spcBef>
+        <a:spcAft>
+          <a:spcPts val="0"/>
+        </a:spcAft>
+        <a:buClr>
+          <a:schemeClr val="bg2">
+            <a:lumMod val="40000"/>
+            <a:lumOff val="60000"/>
+          </a:schemeClr>
+        </a:buClr>
+        <a:buSzPct val="80000"/>
+        <a:buFont typeface="Wingdings 3" charset="2"/>
+        <a:buChar char=""/>
+        <a:defRPr sz="2000" b="0" i="0" kern="1200">
           <a:solidFill>
             <a:schemeClr val="tx1"/>
           </a:solidFill>
@@ -3064,18 +5773,213 @@
           <a:cs typeface="+mj-cs"/>
         </a:defRPr>
       </a:lvl1pPr>
-    </p:titleStyle>
-    <p:bodyStyle>
-      <a:lvl1pPr marL="228600" indent="-228600" algn="r" defTabSz="914400" rtl="1" eaLnBrk="1" latinLnBrk="0" hangingPunct="1">
-        <a:lnSpc>
-          <a:spcPct val="90000"/>
-        </a:lnSpc>
+      <a:lvl2pPr marL="742950" indent="-285750" algn="r" defTabSz="457200" rtl="1" eaLnBrk="1" latinLnBrk="0" hangingPunct="1">
         <a:spcBef>
           <a:spcPts val="1000"/>
         </a:spcBef>
-        <a:buFont typeface="Arial" panose="020B0604020202020204" pitchFamily="34" charset="0"/>
-        <a:buChar char="•"/>
-        <a:defRPr sz="2800" kern="1200">
+        <a:spcAft>
+          <a:spcPts val="0"/>
+        </a:spcAft>
+        <a:buClr>
+          <a:schemeClr val="bg2">
+            <a:lumMod val="40000"/>
+            <a:lumOff val="60000"/>
+          </a:schemeClr>
+        </a:buClr>
+        <a:buSzPct val="80000"/>
+        <a:buFont typeface="Wingdings 3" charset="2"/>
+        <a:buChar char=""/>
+        <a:defRPr sz="1800" b="0" i="0" kern="1200">
+          <a:solidFill>
+            <a:schemeClr val="tx1"/>
+          </a:solidFill>
+          <a:latin typeface="+mj-lt"/>
+          <a:ea typeface="+mj-ea"/>
+          <a:cs typeface="+mj-cs"/>
+        </a:defRPr>
+      </a:lvl2pPr>
+      <a:lvl3pPr marL="1143000" indent="-228600" algn="r" defTabSz="457200" rtl="1" eaLnBrk="1" latinLnBrk="0" hangingPunct="1">
+        <a:spcBef>
+          <a:spcPts val="1000"/>
+        </a:spcBef>
+        <a:spcAft>
+          <a:spcPts val="0"/>
+        </a:spcAft>
+        <a:buClr>
+          <a:schemeClr val="bg2">
+            <a:lumMod val="40000"/>
+            <a:lumOff val="60000"/>
+          </a:schemeClr>
+        </a:buClr>
+        <a:buSzPct val="80000"/>
+        <a:buFont typeface="Wingdings 3" charset="2"/>
+        <a:buChar char=""/>
+        <a:defRPr sz="1600" b="0" i="0" kern="1200">
+          <a:solidFill>
+            <a:schemeClr val="tx1"/>
+          </a:solidFill>
+          <a:latin typeface="+mj-lt"/>
+          <a:ea typeface="+mj-ea"/>
+          <a:cs typeface="+mj-cs"/>
+        </a:defRPr>
+      </a:lvl3pPr>
+      <a:lvl4pPr marL="1600200" indent="-228600" algn="r" defTabSz="457200" rtl="1" eaLnBrk="1" latinLnBrk="0" hangingPunct="1">
+        <a:spcBef>
+          <a:spcPts val="1000"/>
+        </a:spcBef>
+        <a:spcAft>
+          <a:spcPts val="0"/>
+        </a:spcAft>
+        <a:buClr>
+          <a:schemeClr val="bg2">
+            <a:lumMod val="40000"/>
+            <a:lumOff val="60000"/>
+          </a:schemeClr>
+        </a:buClr>
+        <a:buSzPct val="80000"/>
+        <a:buFont typeface="Wingdings 3" charset="2"/>
+        <a:buChar char=""/>
+        <a:defRPr sz="1400" b="0" i="0" kern="1200">
+          <a:solidFill>
+            <a:schemeClr val="tx1"/>
+          </a:solidFill>
+          <a:latin typeface="+mj-lt"/>
+          <a:ea typeface="+mj-ea"/>
+          <a:cs typeface="+mj-cs"/>
+        </a:defRPr>
+      </a:lvl4pPr>
+      <a:lvl5pPr marL="2057400" indent="-228600" algn="r" defTabSz="457200" rtl="1" eaLnBrk="1" latinLnBrk="0" hangingPunct="1">
+        <a:spcBef>
+          <a:spcPts val="1000"/>
+        </a:spcBef>
+        <a:spcAft>
+          <a:spcPts val="0"/>
+        </a:spcAft>
+        <a:buClr>
+          <a:schemeClr val="bg2">
+            <a:lumMod val="40000"/>
+            <a:lumOff val="60000"/>
+          </a:schemeClr>
+        </a:buClr>
+        <a:buSzPct val="80000"/>
+        <a:buFont typeface="Wingdings 3" charset="2"/>
+        <a:buChar char=""/>
+        <a:defRPr sz="1400" b="0" i="0" kern="1200">
+          <a:solidFill>
+            <a:schemeClr val="tx1"/>
+          </a:solidFill>
+          <a:latin typeface="+mj-lt"/>
+          <a:ea typeface="+mj-ea"/>
+          <a:cs typeface="+mj-cs"/>
+        </a:defRPr>
+      </a:lvl5pPr>
+      <a:lvl6pPr marL="2506000" indent="-228600" algn="r" defTabSz="457200" rtl="1" eaLnBrk="1" latinLnBrk="0" hangingPunct="1">
+        <a:spcBef>
+          <a:spcPts val="1000"/>
+        </a:spcBef>
+        <a:spcAft>
+          <a:spcPts val="0"/>
+        </a:spcAft>
+        <a:buClr>
+          <a:schemeClr val="bg2">
+            <a:lumMod val="40000"/>
+            <a:lumOff val="60000"/>
+          </a:schemeClr>
+        </a:buClr>
+        <a:buSzPct val="80000"/>
+        <a:buFont typeface="Wingdings 3" charset="2"/>
+        <a:buChar char=""/>
+        <a:defRPr sz="1400" b="0" i="0" kern="1200">
+          <a:solidFill>
+            <a:schemeClr val="tx1"/>
+          </a:solidFill>
+          <a:latin typeface="+mj-lt"/>
+          <a:ea typeface="+mj-ea"/>
+          <a:cs typeface="+mj-cs"/>
+        </a:defRPr>
+      </a:lvl6pPr>
+      <a:lvl7pPr marL="2971800" indent="-228600" algn="r" defTabSz="457200" rtl="1" eaLnBrk="1" latinLnBrk="0" hangingPunct="1">
+        <a:spcBef>
+          <a:spcPts val="1000"/>
+        </a:spcBef>
+        <a:spcAft>
+          <a:spcPts val="0"/>
+        </a:spcAft>
+        <a:buClr>
+          <a:schemeClr val="bg2">
+            <a:lumMod val="40000"/>
+            <a:lumOff val="60000"/>
+          </a:schemeClr>
+        </a:buClr>
+        <a:buSzPct val="80000"/>
+        <a:buFont typeface="Wingdings 3" charset="2"/>
+        <a:buChar char=""/>
+        <a:defRPr sz="1400" b="0" i="0" kern="1200">
+          <a:solidFill>
+            <a:schemeClr val="tx1"/>
+          </a:solidFill>
+          <a:latin typeface="+mj-lt"/>
+          <a:ea typeface="+mj-ea"/>
+          <a:cs typeface="+mj-cs"/>
+        </a:defRPr>
+      </a:lvl7pPr>
+      <a:lvl8pPr marL="3429000" indent="-228600" algn="r" defTabSz="457200" rtl="1" eaLnBrk="1" latinLnBrk="0" hangingPunct="1">
+        <a:spcBef>
+          <a:spcPts val="1000"/>
+        </a:spcBef>
+        <a:spcAft>
+          <a:spcPts val="0"/>
+        </a:spcAft>
+        <a:buClr>
+          <a:schemeClr val="bg2">
+            <a:lumMod val="40000"/>
+            <a:lumOff val="60000"/>
+          </a:schemeClr>
+        </a:buClr>
+        <a:buSzPct val="80000"/>
+        <a:buFont typeface="Wingdings 3" charset="2"/>
+        <a:buChar char=""/>
+        <a:defRPr sz="1400" b="0" i="0" kern="1200">
+          <a:solidFill>
+            <a:schemeClr val="tx1"/>
+          </a:solidFill>
+          <a:latin typeface="+mj-lt"/>
+          <a:ea typeface="+mj-ea"/>
+          <a:cs typeface="+mj-cs"/>
+        </a:defRPr>
+      </a:lvl8pPr>
+      <a:lvl9pPr marL="3886200" indent="-228600" algn="r" defTabSz="457200" rtl="1" eaLnBrk="1" latinLnBrk="0" hangingPunct="1">
+        <a:spcBef>
+          <a:spcPts val="1000"/>
+        </a:spcBef>
+        <a:spcAft>
+          <a:spcPts val="0"/>
+        </a:spcAft>
+        <a:buClr>
+          <a:schemeClr val="bg2">
+            <a:lumMod val="40000"/>
+            <a:lumOff val="60000"/>
+          </a:schemeClr>
+        </a:buClr>
+        <a:buSzPct val="80000"/>
+        <a:buFont typeface="Wingdings 3" charset="2"/>
+        <a:buChar char=""/>
+        <a:defRPr sz="1400" b="0" i="0" kern="1200">
+          <a:solidFill>
+            <a:schemeClr val="tx1"/>
+          </a:solidFill>
+          <a:latin typeface="+mj-lt"/>
+          <a:ea typeface="+mj-ea"/>
+          <a:cs typeface="+mj-cs"/>
+        </a:defRPr>
+      </a:lvl9pPr>
+    </p:bodyStyle>
+    <p:otherStyle>
+      <a:defPPr>
+        <a:defRPr lang="en-US"/>
+      </a:defPPr>
+      <a:lvl1pPr marL="0" algn="r" defTabSz="457200" rtl="1" eaLnBrk="1" latinLnBrk="0" hangingPunct="1">
+        <a:defRPr sz="1800" kern="1200">
           <a:solidFill>
             <a:schemeClr val="tx1"/>
           </a:solidFill>
@@ -3084,16 +5988,8 @@
           <a:cs typeface="+mn-cs"/>
         </a:defRPr>
       </a:lvl1pPr>
-      <a:lvl2pPr marL="685800" indent="-228600" algn="r" defTabSz="914400" rtl="1" eaLnBrk="1" latinLnBrk="0" hangingPunct="1">
-        <a:lnSpc>
-          <a:spcPct val="90000"/>
-        </a:lnSpc>
-        <a:spcBef>
-          <a:spcPts val="500"/>
-        </a:spcBef>
-        <a:buFont typeface="Arial" panose="020B0604020202020204" pitchFamily="34" charset="0"/>
-        <a:buChar char="•"/>
-        <a:defRPr sz="2400" kern="1200">
+      <a:lvl2pPr marL="457200" algn="r" defTabSz="457200" rtl="1" eaLnBrk="1" latinLnBrk="0" hangingPunct="1">
+        <a:defRPr sz="1800" kern="1200">
           <a:solidFill>
             <a:schemeClr val="tx1"/>
           </a:solidFill>
@@ -3102,16 +5998,8 @@
           <a:cs typeface="+mn-cs"/>
         </a:defRPr>
       </a:lvl2pPr>
-      <a:lvl3pPr marL="1143000" indent="-228600" algn="r" defTabSz="914400" rtl="1" eaLnBrk="1" latinLnBrk="0" hangingPunct="1">
-        <a:lnSpc>
-          <a:spcPct val="90000"/>
-        </a:lnSpc>
-        <a:spcBef>
-          <a:spcPts val="500"/>
-        </a:spcBef>
-        <a:buFont typeface="Arial" panose="020B0604020202020204" pitchFamily="34" charset="0"/>
-        <a:buChar char="•"/>
-        <a:defRPr sz="2000" kern="1200">
+      <a:lvl3pPr marL="914400" algn="r" defTabSz="457200" rtl="1" eaLnBrk="1" latinLnBrk="0" hangingPunct="1">
+        <a:defRPr sz="1800" kern="1200">
           <a:solidFill>
             <a:schemeClr val="tx1"/>
           </a:solidFill>
@@ -3120,15 +6008,7 @@
           <a:cs typeface="+mn-cs"/>
         </a:defRPr>
       </a:lvl3pPr>
-      <a:lvl4pPr marL="1600200" indent="-228600" algn="r" defTabSz="914400" rtl="1" eaLnBrk="1" latinLnBrk="0" hangingPunct="1">
-        <a:lnSpc>
-          <a:spcPct val="90000"/>
-        </a:lnSpc>
-        <a:spcBef>
-          <a:spcPts val="500"/>
-        </a:spcBef>
-        <a:buFont typeface="Arial" panose="020B0604020202020204" pitchFamily="34" charset="0"/>
-        <a:buChar char="•"/>
+      <a:lvl4pPr marL="1371600" algn="r" defTabSz="457200" rtl="1" eaLnBrk="1" latinLnBrk="0" hangingPunct="1">
         <a:defRPr sz="1800" kern="1200">
           <a:solidFill>
             <a:schemeClr val="tx1"/>
@@ -3138,15 +6018,7 @@
           <a:cs typeface="+mn-cs"/>
         </a:defRPr>
       </a:lvl4pPr>
-      <a:lvl5pPr marL="2057400" indent="-228600" algn="r" defTabSz="914400" rtl="1" eaLnBrk="1" latinLnBrk="0" hangingPunct="1">
-        <a:lnSpc>
-          <a:spcPct val="90000"/>
-        </a:lnSpc>
-        <a:spcBef>
-          <a:spcPts val="500"/>
-        </a:spcBef>
-        <a:buFont typeface="Arial" panose="020B0604020202020204" pitchFamily="34" charset="0"/>
-        <a:buChar char="•"/>
+      <a:lvl5pPr marL="1828800" algn="r" defTabSz="457200" rtl="1" eaLnBrk="1" latinLnBrk="0" hangingPunct="1">
         <a:defRPr sz="1800" kern="1200">
           <a:solidFill>
             <a:schemeClr val="tx1"/>
@@ -3156,15 +6028,7 @@
           <a:cs typeface="+mn-cs"/>
         </a:defRPr>
       </a:lvl5pPr>
-      <a:lvl6pPr marL="2514600" indent="-228600" algn="r" defTabSz="914400" rtl="1" eaLnBrk="1" latinLnBrk="0" hangingPunct="1">
-        <a:lnSpc>
-          <a:spcPct val="90000"/>
-        </a:lnSpc>
-        <a:spcBef>
-          <a:spcPts val="500"/>
-        </a:spcBef>
-        <a:buFont typeface="Arial" panose="020B0604020202020204" pitchFamily="34" charset="0"/>
-        <a:buChar char="•"/>
+      <a:lvl6pPr marL="2286000" algn="r" defTabSz="457200" rtl="1" eaLnBrk="1" latinLnBrk="0" hangingPunct="1">
         <a:defRPr sz="1800" kern="1200">
           <a:solidFill>
             <a:schemeClr val="tx1"/>
@@ -3174,15 +6038,7 @@
           <a:cs typeface="+mn-cs"/>
         </a:defRPr>
       </a:lvl6pPr>
-      <a:lvl7pPr marL="2971800" indent="-228600" algn="r" defTabSz="914400" rtl="1" eaLnBrk="1" latinLnBrk="0" hangingPunct="1">
-        <a:lnSpc>
-          <a:spcPct val="90000"/>
-        </a:lnSpc>
-        <a:spcBef>
-          <a:spcPts val="500"/>
-        </a:spcBef>
-        <a:buFont typeface="Arial" panose="020B0604020202020204" pitchFamily="34" charset="0"/>
-        <a:buChar char="•"/>
+      <a:lvl7pPr marL="2743200" algn="r" defTabSz="457200" rtl="1" eaLnBrk="1" latinLnBrk="0" hangingPunct="1">
         <a:defRPr sz="1800" kern="1200">
           <a:solidFill>
             <a:schemeClr val="tx1"/>
@@ -3192,15 +6048,7 @@
           <a:cs typeface="+mn-cs"/>
         </a:defRPr>
       </a:lvl7pPr>
-      <a:lvl8pPr marL="3429000" indent="-228600" algn="r" defTabSz="914400" rtl="1" eaLnBrk="1" latinLnBrk="0" hangingPunct="1">
-        <a:lnSpc>
-          <a:spcPct val="90000"/>
-        </a:lnSpc>
-        <a:spcBef>
-          <a:spcPts val="500"/>
-        </a:spcBef>
-        <a:buFont typeface="Arial" panose="020B0604020202020204" pitchFamily="34" charset="0"/>
-        <a:buChar char="•"/>
+      <a:lvl8pPr marL="3200400" algn="r" defTabSz="457200" rtl="1" eaLnBrk="1" latinLnBrk="0" hangingPunct="1">
         <a:defRPr sz="1800" kern="1200">
           <a:solidFill>
             <a:schemeClr val="tx1"/>
@@ -3210,110 +6058,7 @@
           <a:cs typeface="+mn-cs"/>
         </a:defRPr>
       </a:lvl8pPr>
-      <a:lvl9pPr marL="3886200" indent="-228600" algn="r" defTabSz="914400" rtl="1" eaLnBrk="1" latinLnBrk="0" hangingPunct="1">
-        <a:lnSpc>
-          <a:spcPct val="90000"/>
-        </a:lnSpc>
-        <a:spcBef>
-          <a:spcPts val="500"/>
-        </a:spcBef>
-        <a:buFont typeface="Arial" panose="020B0604020202020204" pitchFamily="34" charset="0"/>
-        <a:buChar char="•"/>
-        <a:defRPr sz="1800" kern="1200">
-          <a:solidFill>
-            <a:schemeClr val="tx1"/>
-          </a:solidFill>
-          <a:latin typeface="+mn-lt"/>
-          <a:ea typeface="+mn-ea"/>
-          <a:cs typeface="+mn-cs"/>
-        </a:defRPr>
-      </a:lvl9pPr>
-    </p:bodyStyle>
-    <p:otherStyle>
-      <a:defPPr>
-        <a:defRPr lang="ar-YE"/>
-      </a:defPPr>
-      <a:lvl1pPr marL="0" algn="r" defTabSz="914400" rtl="1" eaLnBrk="1" latinLnBrk="0" hangingPunct="1">
-        <a:defRPr sz="1800" kern="1200">
-          <a:solidFill>
-            <a:schemeClr val="tx1"/>
-          </a:solidFill>
-          <a:latin typeface="+mn-lt"/>
-          <a:ea typeface="+mn-ea"/>
-          <a:cs typeface="+mn-cs"/>
-        </a:defRPr>
-      </a:lvl1pPr>
-      <a:lvl2pPr marL="457200" algn="r" defTabSz="914400" rtl="1" eaLnBrk="1" latinLnBrk="0" hangingPunct="1">
-        <a:defRPr sz="1800" kern="1200">
-          <a:solidFill>
-            <a:schemeClr val="tx1"/>
-          </a:solidFill>
-          <a:latin typeface="+mn-lt"/>
-          <a:ea typeface="+mn-ea"/>
-          <a:cs typeface="+mn-cs"/>
-        </a:defRPr>
-      </a:lvl2pPr>
-      <a:lvl3pPr marL="914400" algn="r" defTabSz="914400" rtl="1" eaLnBrk="1" latinLnBrk="0" hangingPunct="1">
-        <a:defRPr sz="1800" kern="1200">
-          <a:solidFill>
-            <a:schemeClr val="tx1"/>
-          </a:solidFill>
-          <a:latin typeface="+mn-lt"/>
-          <a:ea typeface="+mn-ea"/>
-          <a:cs typeface="+mn-cs"/>
-        </a:defRPr>
-      </a:lvl3pPr>
-      <a:lvl4pPr marL="1371600" algn="r" defTabSz="914400" rtl="1" eaLnBrk="1" latinLnBrk="0" hangingPunct="1">
-        <a:defRPr sz="1800" kern="1200">
-          <a:solidFill>
-            <a:schemeClr val="tx1"/>
-          </a:solidFill>
-          <a:latin typeface="+mn-lt"/>
-          <a:ea typeface="+mn-ea"/>
-          <a:cs typeface="+mn-cs"/>
-        </a:defRPr>
-      </a:lvl4pPr>
-      <a:lvl5pPr marL="1828800" algn="r" defTabSz="914400" rtl="1" eaLnBrk="1" latinLnBrk="0" hangingPunct="1">
-        <a:defRPr sz="1800" kern="1200">
-          <a:solidFill>
-            <a:schemeClr val="tx1"/>
-          </a:solidFill>
-          <a:latin typeface="+mn-lt"/>
-          <a:ea typeface="+mn-ea"/>
-          <a:cs typeface="+mn-cs"/>
-        </a:defRPr>
-      </a:lvl5pPr>
-      <a:lvl6pPr marL="2286000" algn="r" defTabSz="914400" rtl="1" eaLnBrk="1" latinLnBrk="0" hangingPunct="1">
-        <a:defRPr sz="1800" kern="1200">
-          <a:solidFill>
-            <a:schemeClr val="tx1"/>
-          </a:solidFill>
-          <a:latin typeface="+mn-lt"/>
-          <a:ea typeface="+mn-ea"/>
-          <a:cs typeface="+mn-cs"/>
-        </a:defRPr>
-      </a:lvl6pPr>
-      <a:lvl7pPr marL="2743200" algn="r" defTabSz="914400" rtl="1" eaLnBrk="1" latinLnBrk="0" hangingPunct="1">
-        <a:defRPr sz="1800" kern="1200">
-          <a:solidFill>
-            <a:schemeClr val="tx1"/>
-          </a:solidFill>
-          <a:latin typeface="+mn-lt"/>
-          <a:ea typeface="+mn-ea"/>
-          <a:cs typeface="+mn-cs"/>
-        </a:defRPr>
-      </a:lvl7pPr>
-      <a:lvl8pPr marL="3200400" algn="r" defTabSz="914400" rtl="1" eaLnBrk="1" latinLnBrk="0" hangingPunct="1">
-        <a:defRPr sz="1800" kern="1200">
-          <a:solidFill>
-            <a:schemeClr val="tx1"/>
-          </a:solidFill>
-          <a:latin typeface="+mn-lt"/>
-          <a:ea typeface="+mn-ea"/>
-          <a:cs typeface="+mn-cs"/>
-        </a:defRPr>
-      </a:lvl8pPr>
-      <a:lvl9pPr marL="3657600" algn="r" defTabSz="914400" rtl="1" eaLnBrk="1" latinLnBrk="0" hangingPunct="1">
+      <a:lvl9pPr marL="3657600" algn="r" defTabSz="457200" rtl="1" eaLnBrk="1" latinLnBrk="0" hangingPunct="1">
         <a:defRPr sz="1800" kern="1200">
           <a:solidFill>
             <a:schemeClr val="tx1"/>
@@ -3736,35 +6481,49 @@
           <a:bodyPr/>
           <a:lstStyle/>
           <a:p>
-            <a:endParaRPr lang="ar-YE"/>
-          </a:p>
-        </p:txBody>
-      </p:sp>
-      <p:sp>
-        <p:nvSpPr>
-          <p:cNvPr id="3" name="عنصر نائب للمحتوى 2">
+            <a:r>
+              <a:rPr lang="ar-YE" dirty="0"/>
+              <a:t>ثالث خطوة</a:t>
+            </a:r>
+          </a:p>
+        </p:txBody>
+      </p:sp>
+      <p:pic>
+        <p:nvPicPr>
+          <p:cNvPr id="5" name="عنصر نائب للمحتوى 4">
             <a:extLst>
               <a:ext uri="{FF2B5EF4-FFF2-40B4-BE49-F238E27FC236}">
-                <a16:creationId xmlns:a16="http://schemas.microsoft.com/office/drawing/2014/main" id="{67AA229F-563C-6B3B-53B5-AEC5724842BB}"/>
+                <a16:creationId xmlns:a16="http://schemas.microsoft.com/office/drawing/2014/main" id="{3F501699-BA81-066D-073E-AF4AEC394125}"/>
               </a:ext>
             </a:extLst>
           </p:cNvPr>
-          <p:cNvSpPr>
-            <a:spLocks noGrp="1"/>
-          </p:cNvSpPr>
+          <p:cNvPicPr>
+            <a:picLocks noGrp="1" noChangeAspect="1"/>
+          </p:cNvPicPr>
           <p:nvPr>
             <p:ph idx="1"/>
           </p:nvPr>
-        </p:nvSpPr>
-        <p:spPr/>
-        <p:txBody>
-          <a:bodyPr/>
-          <a:lstStyle/>
-          <a:p>
-            <a:endParaRPr lang="ar-YE"/>
-          </a:p>
-        </p:txBody>
-      </p:sp>
+        </p:nvPicPr>
+        <p:blipFill>
+          <a:blip r:embed="rId2">
+            <a:extLst>
+              <a:ext uri="{28A0092B-C50C-407E-A947-70E740481C1C}">
+                <a14:useLocalDpi xmlns:a14="http://schemas.microsoft.com/office/drawing/2010/main" val="0"/>
+              </a:ext>
+            </a:extLst>
+          </a:blip>
+          <a:srcRect l="157" t="14301" r="-1" b="22874"/>
+          <a:stretch>
+            <a:fillRect/>
+          </a:stretch>
+        </p:blipFill>
+        <p:spPr>
+          <a:xfrm>
+            <a:off x="0" y="1663564"/>
+            <a:ext cx="12192000" cy="4313107"/>
+          </a:xfrm>
+        </p:spPr>
+      </p:pic>
     </p:spTree>
     <p:extLst>
       <p:ext uri="{BB962C8B-B14F-4D97-AF65-F5344CB8AC3E}">
@@ -3778,10 +6537,103 @@
 </p:sld>
 </file>
 
+<file path=ppt/slides/slide5.xml><?xml version="1.0" encoding="utf-8"?>
+<p:sld xmlns:a="http://schemas.openxmlformats.org/drawingml/2006/main" xmlns:r="http://schemas.openxmlformats.org/officeDocument/2006/relationships" xmlns:p="http://schemas.openxmlformats.org/presentationml/2006/main">
+  <p:cSld>
+    <p:spTree>
+      <p:nvGrpSpPr>
+        <p:cNvPr id="1" name=""/>
+        <p:cNvGrpSpPr/>
+        <p:nvPr/>
+      </p:nvGrpSpPr>
+      <p:grpSpPr>
+        <a:xfrm>
+          <a:off x="0" y="0"/>
+          <a:ext cx="0" cy="0"/>
+          <a:chOff x="0" y="0"/>
+          <a:chExt cx="0" cy="0"/>
+        </a:xfrm>
+      </p:grpSpPr>
+      <p:sp>
+        <p:nvSpPr>
+          <p:cNvPr id="2" name="عنوان 1">
+            <a:extLst>
+              <a:ext uri="{FF2B5EF4-FFF2-40B4-BE49-F238E27FC236}">
+                <a16:creationId xmlns:a16="http://schemas.microsoft.com/office/drawing/2014/main" id="{076ACF97-E36C-9B6F-0839-6267473D722E}"/>
+              </a:ext>
+            </a:extLst>
+          </p:cNvPr>
+          <p:cNvSpPr>
+            <a:spLocks noGrp="1"/>
+          </p:cNvSpPr>
+          <p:nvPr>
+            <p:ph type="title"/>
+          </p:nvPr>
+        </p:nvSpPr>
+        <p:spPr/>
+        <p:txBody>
+          <a:bodyPr/>
+          <a:lstStyle/>
+          <a:p>
+            <a:r>
+              <a:rPr lang="ar-YE" dirty="0"/>
+              <a:t>رابع خطوة</a:t>
+            </a:r>
+          </a:p>
+        </p:txBody>
+      </p:sp>
+      <p:pic>
+        <p:nvPicPr>
+          <p:cNvPr id="5" name="عنصر نائب للمحتوى 4">
+            <a:extLst>
+              <a:ext uri="{FF2B5EF4-FFF2-40B4-BE49-F238E27FC236}">
+                <a16:creationId xmlns:a16="http://schemas.microsoft.com/office/drawing/2014/main" id="{F1C09DDD-61FB-79D3-FCBE-29115C41BDB4}"/>
+              </a:ext>
+            </a:extLst>
+          </p:cNvPr>
+          <p:cNvPicPr>
+            <a:picLocks noGrp="1" noChangeAspect="1"/>
+          </p:cNvPicPr>
+          <p:nvPr>
+            <p:ph idx="1"/>
+          </p:nvPr>
+        </p:nvPicPr>
+        <p:blipFill>
+          <a:blip r:embed="rId2">
+            <a:extLst>
+              <a:ext uri="{28A0092B-C50C-407E-A947-70E740481C1C}">
+                <a14:useLocalDpi xmlns:a14="http://schemas.microsoft.com/office/drawing/2010/main" val="0"/>
+              </a:ext>
+            </a:extLst>
+          </a:blip>
+          <a:stretch>
+            <a:fillRect/>
+          </a:stretch>
+        </p:blipFill>
+        <p:spPr>
+          <a:xfrm>
+            <a:off x="1845501" y="2052638"/>
+            <a:ext cx="7462774" cy="4195762"/>
+          </a:xfrm>
+        </p:spPr>
+      </p:pic>
+    </p:spTree>
+    <p:extLst>
+      <p:ext uri="{BB962C8B-B14F-4D97-AF65-F5344CB8AC3E}">
+        <p14:creationId xmlns:p14="http://schemas.microsoft.com/office/powerpoint/2010/main" val="1934492815"/>
+      </p:ext>
+    </p:extLst>
+  </p:cSld>
+  <p:clrMapOvr>
+    <a:masterClrMapping/>
+  </p:clrMapOvr>
+</p:sld>
+</file>
+
 <file path=ppt/theme/theme1.xml><?xml version="1.0" encoding="utf-8"?>
-<a:theme xmlns:a="http://schemas.openxmlformats.org/drawingml/2006/main" name="نسق Office">
+<a:theme xmlns:a="http://schemas.openxmlformats.org/drawingml/2006/main" name="أيون">
   <a:themeElements>
-    <a:clrScheme name="Office">
+    <a:clrScheme name="أيون">
       <a:dk1>
         <a:sysClr val="windowText" lastClr="000000"/>
       </a:dk1>
@@ -3789,44 +6641,44 @@
         <a:sysClr val="window" lastClr="FFFFFF"/>
       </a:lt1>
       <a:dk2>
-        <a:srgbClr val="0E2841"/>
+        <a:srgbClr val="1E5155"/>
       </a:dk2>
       <a:lt2>
-        <a:srgbClr val="E8E8E8"/>
+        <a:srgbClr val="EBEBEB"/>
       </a:lt2>
       <a:accent1>
-        <a:srgbClr val="156082"/>
+        <a:srgbClr val="B01513"/>
       </a:accent1>
       <a:accent2>
-        <a:srgbClr val="E97132"/>
+        <a:srgbClr val="EA6312"/>
       </a:accent2>
       <a:accent3>
-        <a:srgbClr val="196B24"/>
+        <a:srgbClr val="E6B729"/>
       </a:accent3>
       <a:accent4>
-        <a:srgbClr val="0F9ED5"/>
+        <a:srgbClr val="6AAC90"/>
       </a:accent4>
       <a:accent5>
-        <a:srgbClr val="A02B93"/>
+        <a:srgbClr val="54849A"/>
       </a:accent5>
       <a:accent6>
-        <a:srgbClr val="4EA72E"/>
+        <a:srgbClr val="9E5E9B"/>
       </a:accent6>
       <a:hlink>
-        <a:srgbClr val="467886"/>
+        <a:srgbClr val="58C1BA"/>
       </a:hlink>
       <a:folHlink>
-        <a:srgbClr val="96607D"/>
+        <a:srgbClr val="9DFFCB"/>
       </a:folHlink>
     </a:clrScheme>
-    <a:fontScheme name="Office">
+    <a:fontScheme name="أيون">
       <a:majorFont>
-        <a:latin typeface="Aptos Display" panose="02110004020202020204"/>
+        <a:latin typeface="Century Gothic" panose="020B0502020202020204"/>
         <a:ea typeface=""/>
         <a:cs typeface=""/>
-        <a:font script="Jpan" typeface="游ゴシック Light"/>
+        <a:font script="Jpan" typeface="メイリオ"/>
         <a:font script="Hang" typeface="맑은 고딕"/>
-        <a:font script="Hans" typeface="等线 Light"/>
+        <a:font script="Hans" typeface="宋体"/>
         <a:font script="Hant" typeface="新細明體"/>
         <a:font script="Arab" typeface="Times New Roman"/>
         <a:font script="Hebr" typeface="Times New Roman"/>
@@ -3854,31 +6706,14 @@
         <a:font script="Viet" typeface="Times New Roman"/>
         <a:font script="Uigh" typeface="Microsoft Uighur"/>
         <a:font script="Geor" typeface="Sylfaen"/>
-        <a:font script="Armn" typeface="Arial"/>
-        <a:font script="Bugi" typeface="Leelawadee UI"/>
-        <a:font script="Bopo" typeface="Microsoft JhengHei"/>
-        <a:font script="Java" typeface="Javanese Text"/>
-        <a:font script="Lisu" typeface="Segoe UI"/>
-        <a:font script="Mymr" typeface="Myanmar Text"/>
-        <a:font script="Nkoo" typeface="Ebrima"/>
-        <a:font script="Olck" typeface="Nirmala UI"/>
-        <a:font script="Osma" typeface="Ebrima"/>
-        <a:font script="Phag" typeface="Phagspa"/>
-        <a:font script="Syrn" typeface="Estrangelo Edessa"/>
-        <a:font script="Syrj" typeface="Estrangelo Edessa"/>
-        <a:font script="Syre" typeface="Estrangelo Edessa"/>
-        <a:font script="Sora" typeface="Nirmala UI"/>
-        <a:font script="Tale" typeface="Microsoft Tai Le"/>
-        <a:font script="Talu" typeface="Microsoft New Tai Lue"/>
-        <a:font script="Tfng" typeface="Ebrima"/>
       </a:majorFont>
       <a:minorFont>
-        <a:latin typeface="Aptos" panose="02110004020202020204"/>
+        <a:latin typeface="Century Gothic" panose="020B0502020202020204"/>
         <a:ea typeface=""/>
         <a:cs typeface=""/>
-        <a:font script="Jpan" typeface="游ゴシック"/>
+        <a:font script="Jpan" typeface="メイリオ"/>
         <a:font script="Hang" typeface="맑은 고딕"/>
-        <a:font script="Hans" typeface="等线"/>
+        <a:font script="Hans" typeface="宋体"/>
         <a:font script="Hant" typeface="新細明體"/>
         <a:font script="Arab" typeface="Arial"/>
         <a:font script="Hebr" typeface="Arial"/>
@@ -3906,26 +6741,9 @@
         <a:font script="Viet" typeface="Arial"/>
         <a:font script="Uigh" typeface="Microsoft Uighur"/>
         <a:font script="Geor" typeface="Sylfaen"/>
-        <a:font script="Armn" typeface="Arial"/>
-        <a:font script="Bugi" typeface="Leelawadee UI"/>
-        <a:font script="Bopo" typeface="Microsoft JhengHei"/>
-        <a:font script="Java" typeface="Javanese Text"/>
-        <a:font script="Lisu" typeface="Segoe UI"/>
-        <a:font script="Mymr" typeface="Myanmar Text"/>
-        <a:font script="Nkoo" typeface="Ebrima"/>
-        <a:font script="Olck" typeface="Nirmala UI"/>
-        <a:font script="Osma" typeface="Ebrima"/>
-        <a:font script="Phag" typeface="Phagspa"/>
-        <a:font script="Syrn" typeface="Estrangelo Edessa"/>
-        <a:font script="Syrj" typeface="Estrangelo Edessa"/>
-        <a:font script="Syre" typeface="Estrangelo Edessa"/>
-        <a:font script="Sora" typeface="Nirmala UI"/>
-        <a:font script="Tale" typeface="Microsoft Tai Le"/>
-        <a:font script="Talu" typeface="Microsoft New Tai Lue"/>
-        <a:font script="Tfng" typeface="Ebrima"/>
       </a:minorFont>
     </a:fontScheme>
-    <a:fmtScheme name="Office">
+    <a:fmtScheme name="أيون">
       <a:fillStyleLst>
         <a:solidFill>
           <a:schemeClr val="phClr"/>
@@ -3934,23 +6752,15 @@
           <a:gsLst>
             <a:gs pos="0">
               <a:schemeClr val="phClr">
-                <a:lumMod val="110000"/>
-                <a:satMod val="105000"/>
-                <a:tint val="67000"/>
-              </a:schemeClr>
-            </a:gs>
-            <a:gs pos="50000">
-              <a:schemeClr val="phClr">
-                <a:lumMod val="105000"/>
-                <a:satMod val="103000"/>
-                <a:tint val="73000"/>
+                <a:tint val="64000"/>
+                <a:lumMod val="118000"/>
               </a:schemeClr>
             </a:gs>
             <a:gs pos="100000">
               <a:schemeClr val="phClr">
-                <a:lumMod val="105000"/>
-                <a:satMod val="109000"/>
-                <a:tint val="81000"/>
+                <a:tint val="92000"/>
+                <a:alpha val="100000"/>
+                <a:lumMod val="110000"/>
               </a:schemeClr>
             </a:gs>
           </a:gsLst>
@@ -3960,23 +6770,14 @@
           <a:gsLst>
             <a:gs pos="0">
               <a:schemeClr val="phClr">
-                <a:satMod val="103000"/>
-                <a:lumMod val="102000"/>
-                <a:tint val="94000"/>
-              </a:schemeClr>
-            </a:gs>
-            <a:gs pos="50000">
-              <a:schemeClr val="phClr">
-                <a:satMod val="110000"/>
-                <a:lumMod val="100000"/>
-                <a:shade val="100000"/>
+                <a:tint val="98000"/>
+                <a:lumMod val="114000"/>
               </a:schemeClr>
             </a:gs>
             <a:gs pos="100000">
               <a:schemeClr val="phClr">
-                <a:lumMod val="99000"/>
-                <a:satMod val="120000"/>
-                <a:shade val="78000"/>
+                <a:shade val="90000"/>
+                <a:lumMod val="84000"/>
               </a:schemeClr>
             </a:gs>
           </a:gsLst>
@@ -3984,26 +6785,23 @@
         </a:gradFill>
       </a:fillStyleLst>
       <a:lnStyleLst>
-        <a:ln w="12700" cap="flat" cmpd="sng" algn="ctr">
+        <a:ln w="9525" cap="rnd" cmpd="sng" algn="ctr">
           <a:solidFill>
             <a:schemeClr val="phClr"/>
           </a:solidFill>
           <a:prstDash val="solid"/>
-          <a:miter lim="800000"/>
         </a:ln>
-        <a:ln w="19050" cap="flat" cmpd="sng" algn="ctr">
+        <a:ln w="19050" cap="rnd" cmpd="sng" algn="ctr">
           <a:solidFill>
             <a:schemeClr val="phClr"/>
           </a:solidFill>
           <a:prstDash val="solid"/>
-          <a:miter lim="800000"/>
         </a:ln>
-        <a:ln w="25400" cap="flat" cmpd="sng" algn="ctr">
+        <a:ln w="28575" cap="rnd" cmpd="sng" algn="ctr">
           <a:solidFill>
             <a:schemeClr val="phClr"/>
           </a:solidFill>
           <a:prstDash val="solid"/>
-          <a:miter lim="800000"/>
         </a:ln>
       </a:lnStyleLst>
       <a:effectStyleLst>
@@ -4011,83 +6809,88 @@
           <a:effectLst/>
         </a:effectStyle>
         <a:effectStyle>
-          <a:effectLst/>
+          <a:effectLst>
+            <a:outerShdw blurRad="38100" dist="25400" dir="5400000" rotWithShape="0">
+              <a:srgbClr val="000000">
+                <a:alpha val="45000"/>
+              </a:srgbClr>
+            </a:outerShdw>
+          </a:effectLst>
         </a:effectStyle>
         <a:effectStyle>
           <a:effectLst>
-            <a:outerShdw blurRad="57150" dist="19050" dir="5400000" algn="ctr" rotWithShape="0">
+            <a:outerShdw blurRad="63500" dist="38100" dir="5400000" rotWithShape="0">
               <a:srgbClr val="000000">
-                <a:alpha val="63000"/>
+                <a:alpha val="60000"/>
               </a:srgbClr>
             </a:outerShdw>
           </a:effectLst>
+          <a:scene3d>
+            <a:camera prst="orthographicFront">
+              <a:rot lat="0" lon="0" rev="0"/>
+            </a:camera>
+            <a:lightRig rig="threePt" dir="tl"/>
+          </a:scene3d>
+          <a:sp3d prstMaterial="plastic">
+            <a:bevelT w="0" h="0"/>
+          </a:sp3d>
         </a:effectStyle>
       </a:effectStyleLst>
       <a:bgFillStyleLst>
         <a:solidFill>
           <a:schemeClr val="phClr"/>
         </a:solidFill>
-        <a:solidFill>
-          <a:schemeClr val="phClr">
-            <a:tint val="95000"/>
-            <a:satMod val="170000"/>
-          </a:schemeClr>
-        </a:solidFill>
         <a:gradFill rotWithShape="1">
           <a:gsLst>
             <a:gs pos="0">
               <a:schemeClr val="phClr">
-                <a:tint val="93000"/>
-                <a:satMod val="150000"/>
-                <a:shade val="98000"/>
-                <a:lumMod val="102000"/>
-              </a:schemeClr>
-            </a:gs>
-            <a:gs pos="50000">
-              <a:schemeClr val="phClr">
-                <a:tint val="98000"/>
+                <a:tint val="97000"/>
+                <a:hueMod val="88000"/>
                 <a:satMod val="130000"/>
-                <a:shade val="90000"/>
-                <a:lumMod val="103000"/>
+                <a:lumMod val="124000"/>
               </a:schemeClr>
             </a:gs>
             <a:gs pos="100000">
               <a:schemeClr val="phClr">
-                <a:shade val="63000"/>
-                <a:satMod val="120000"/>
+                <a:tint val="96000"/>
+                <a:shade val="88000"/>
+                <a:hueMod val="108000"/>
+                <a:satMod val="164000"/>
+                <a:lumMod val="76000"/>
               </a:schemeClr>
             </a:gs>
           </a:gsLst>
-          <a:lin ang="5400000" scaled="0"/>
+          <a:path path="circle">
+            <a:fillToRect l="45000" t="65000" r="125000" b="100000"/>
+          </a:path>
         </a:gradFill>
+        <a:blipFill rotWithShape="1">
+          <a:blip xmlns:r="http://schemas.openxmlformats.org/officeDocument/2006/relationships" r:embed="rId1">
+            <a:duotone>
+              <a:schemeClr val="phClr">
+                <a:shade val="69000"/>
+                <a:hueMod val="108000"/>
+                <a:satMod val="164000"/>
+                <a:lumMod val="74000"/>
+              </a:schemeClr>
+              <a:schemeClr val="phClr">
+                <a:tint val="96000"/>
+                <a:hueMod val="88000"/>
+                <a:satMod val="140000"/>
+                <a:lumMod val="132000"/>
+              </a:schemeClr>
+            </a:duotone>
+          </a:blip>
+          <a:stretch/>
+        </a:blipFill>
       </a:bgFillStyleLst>
     </a:fmtScheme>
   </a:themeElements>
-  <a:objectDefaults>
-    <a:lnDef>
-      <a:spPr/>
-      <a:bodyPr/>
-      <a:lstStyle/>
-      <a:style>
-        <a:lnRef idx="2">
-          <a:schemeClr val="accent1"/>
-        </a:lnRef>
-        <a:fillRef idx="0">
-          <a:schemeClr val="accent1"/>
-        </a:fillRef>
-        <a:effectRef idx="1">
-          <a:schemeClr val="accent1"/>
-        </a:effectRef>
-        <a:fontRef idx="minor">
-          <a:schemeClr val="tx1"/>
-        </a:fontRef>
-      </a:style>
-    </a:lnDef>
-  </a:objectDefaults>
+  <a:objectDefaults/>
   <a:extraClrSchemeLst/>
   <a:extLst>
     <a:ext uri="{05A4C25C-085E-4340-85A3-A5531E510DB2}">
-      <thm15:themeFamily xmlns:thm15="http://schemas.microsoft.com/office/thememl/2012/main" name="Office Theme" id="{2E142A2C-CD16-42D6-873A-C26D2A0506FA}" vid="{1BDDFF52-6CD6-40A5-AB3C-68EB2F1E4D0A}"/>
+      <thm15:themeFamily xmlns:thm15="http://schemas.microsoft.com/office/thememl/2012/main" name="Ion" id="{B8441ADB-2E43-4AF7-B97A-BD870242C6A8}" vid="{292E63A9-BB86-4E3D-B92A-7223C6510D2E}"/>
     </a:ext>
   </a:extLst>
 </a:theme>
